--- a/doc/ReactiveProgramming.Java.pptx
+++ b/doc/ReactiveProgramming.Java.pptx
@@ -31,8 +31,11 @@
     <p:sldId id="289" r:id="rId25"/>
     <p:sldId id="291" r:id="rId26"/>
     <p:sldId id="280" r:id="rId27"/>
-    <p:sldId id="290" r:id="rId28"/>
-    <p:sldId id="270" r:id="rId29"/>
+    <p:sldId id="293" r:id="rId28"/>
+    <p:sldId id="292" r:id="rId29"/>
+    <p:sldId id="294" r:id="rId30"/>
+    <p:sldId id="290" r:id="rId31"/>
+    <p:sldId id="270" r:id="rId32"/>
   </p:sldIdLst>
   <p:sldSz cx="12192000" cy="6858000"/>
   <p:notesSz cx="6858000" cy="9144000"/>
@@ -161,7 +164,7 @@
           <p:cNvPr id="2" name="Title 1">
             <a:extLst>
               <a:ext uri="{FF2B5EF4-FFF2-40B4-BE49-F238E27FC236}">
-                <a16:creationId xmlns:a16="http://schemas.microsoft.com/office/drawing/2014/main" xmlns="" id="{881CC160-A023-4BD3-987E-5DAB522A9317}"/>
+                <a16:creationId xmlns:a16="http://schemas.microsoft.com/office/drawing/2014/main" id="{881CC160-A023-4BD3-987E-5DAB522A9317}"/>
               </a:ext>
             </a:extLst>
           </p:cNvPr>
@@ -198,7 +201,7 @@
           <p:cNvPr id="3" name="Subtitle 2">
             <a:extLst>
               <a:ext uri="{FF2B5EF4-FFF2-40B4-BE49-F238E27FC236}">
-                <a16:creationId xmlns:a16="http://schemas.microsoft.com/office/drawing/2014/main" xmlns="" id="{82365BDE-C618-4A06-AD43-D2FD51BBB8FC}"/>
+                <a16:creationId xmlns:a16="http://schemas.microsoft.com/office/drawing/2014/main" id="{82365BDE-C618-4A06-AD43-D2FD51BBB8FC}"/>
               </a:ext>
             </a:extLst>
           </p:cNvPr>
@@ -268,7 +271,7 @@
           <p:cNvPr id="4" name="Date Placeholder 3">
             <a:extLst>
               <a:ext uri="{FF2B5EF4-FFF2-40B4-BE49-F238E27FC236}">
-                <a16:creationId xmlns:a16="http://schemas.microsoft.com/office/drawing/2014/main" xmlns="" id="{0BC88934-B24F-4848-B453-D2226A23BB99}"/>
+                <a16:creationId xmlns:a16="http://schemas.microsoft.com/office/drawing/2014/main" id="{0BC88934-B24F-4848-B453-D2226A23BB99}"/>
               </a:ext>
             </a:extLst>
           </p:cNvPr>
@@ -286,7 +289,7 @@
           <a:p>
             <a:fld id="{7F4C86DC-7761-441C-AE29-7E0FE6656867}" type="datetimeFigureOut">
               <a:rPr lang="en-US" smtClean="0"/>
-              <a:t>1/15/2022</a:t>
+              <a:t>1/25/2022</a:t>
             </a:fld>
             <a:endParaRPr lang="en-US"/>
           </a:p>
@@ -297,7 +300,7 @@
           <p:cNvPr id="5" name="Footer Placeholder 4">
             <a:extLst>
               <a:ext uri="{FF2B5EF4-FFF2-40B4-BE49-F238E27FC236}">
-                <a16:creationId xmlns:a16="http://schemas.microsoft.com/office/drawing/2014/main" xmlns="" id="{70F989B4-4F06-47B9-957B-EFE8BFEFDDD3}"/>
+                <a16:creationId xmlns:a16="http://schemas.microsoft.com/office/drawing/2014/main" id="{70F989B4-4F06-47B9-957B-EFE8BFEFDDD3}"/>
               </a:ext>
             </a:extLst>
           </p:cNvPr>
@@ -322,7 +325,7 @@
           <p:cNvPr id="6" name="Slide Number Placeholder 5">
             <a:extLst>
               <a:ext uri="{FF2B5EF4-FFF2-40B4-BE49-F238E27FC236}">
-                <a16:creationId xmlns:a16="http://schemas.microsoft.com/office/drawing/2014/main" xmlns="" id="{CBF6B042-69E7-474C-8319-6FEA2A800D93}"/>
+                <a16:creationId xmlns:a16="http://schemas.microsoft.com/office/drawing/2014/main" id="{CBF6B042-69E7-474C-8319-6FEA2A800D93}"/>
               </a:ext>
             </a:extLst>
           </p:cNvPr>
@@ -381,7 +384,7 @@
           <p:cNvPr id="2" name="Title 1">
             <a:extLst>
               <a:ext uri="{FF2B5EF4-FFF2-40B4-BE49-F238E27FC236}">
-                <a16:creationId xmlns:a16="http://schemas.microsoft.com/office/drawing/2014/main" xmlns="" id="{E7C6C24B-44AD-4167-AAA5-73331D6A389F}"/>
+                <a16:creationId xmlns:a16="http://schemas.microsoft.com/office/drawing/2014/main" id="{E7C6C24B-44AD-4167-AAA5-73331D6A389F}"/>
               </a:ext>
             </a:extLst>
           </p:cNvPr>
@@ -409,7 +412,7 @@
           <p:cNvPr id="3" name="Vertical Text Placeholder 2">
             <a:extLst>
               <a:ext uri="{FF2B5EF4-FFF2-40B4-BE49-F238E27FC236}">
-                <a16:creationId xmlns:a16="http://schemas.microsoft.com/office/drawing/2014/main" xmlns="" id="{90EF67BF-728D-4DD5-802C-414E777B525E}"/>
+                <a16:creationId xmlns:a16="http://schemas.microsoft.com/office/drawing/2014/main" id="{90EF67BF-728D-4DD5-802C-414E777B525E}"/>
               </a:ext>
             </a:extLst>
           </p:cNvPr>
@@ -466,7 +469,7 @@
           <p:cNvPr id="4" name="Date Placeholder 3">
             <a:extLst>
               <a:ext uri="{FF2B5EF4-FFF2-40B4-BE49-F238E27FC236}">
-                <a16:creationId xmlns:a16="http://schemas.microsoft.com/office/drawing/2014/main" xmlns="" id="{86167305-D068-4BEB-A1D7-A3C3BE92439A}"/>
+                <a16:creationId xmlns:a16="http://schemas.microsoft.com/office/drawing/2014/main" id="{86167305-D068-4BEB-A1D7-A3C3BE92439A}"/>
               </a:ext>
             </a:extLst>
           </p:cNvPr>
@@ -484,7 +487,7 @@
           <a:p>
             <a:fld id="{7F4C86DC-7761-441C-AE29-7E0FE6656867}" type="datetimeFigureOut">
               <a:rPr lang="en-US" smtClean="0"/>
-              <a:t>1/15/2022</a:t>
+              <a:t>1/25/2022</a:t>
             </a:fld>
             <a:endParaRPr lang="en-US"/>
           </a:p>
@@ -495,7 +498,7 @@
           <p:cNvPr id="5" name="Footer Placeholder 4">
             <a:extLst>
               <a:ext uri="{FF2B5EF4-FFF2-40B4-BE49-F238E27FC236}">
-                <a16:creationId xmlns:a16="http://schemas.microsoft.com/office/drawing/2014/main" xmlns="" id="{FE8B8193-D367-4FBC-B2B0-D21CA70899B6}"/>
+                <a16:creationId xmlns:a16="http://schemas.microsoft.com/office/drawing/2014/main" id="{FE8B8193-D367-4FBC-B2B0-D21CA70899B6}"/>
               </a:ext>
             </a:extLst>
           </p:cNvPr>
@@ -520,7 +523,7 @@
           <p:cNvPr id="6" name="Slide Number Placeholder 5">
             <a:extLst>
               <a:ext uri="{FF2B5EF4-FFF2-40B4-BE49-F238E27FC236}">
-                <a16:creationId xmlns:a16="http://schemas.microsoft.com/office/drawing/2014/main" xmlns="" id="{D3E41184-B503-417D-9382-0A763102549E}"/>
+                <a16:creationId xmlns:a16="http://schemas.microsoft.com/office/drawing/2014/main" id="{D3E41184-B503-417D-9382-0A763102549E}"/>
               </a:ext>
             </a:extLst>
           </p:cNvPr>
@@ -579,7 +582,7 @@
           <p:cNvPr id="2" name="Vertical Title 1">
             <a:extLst>
               <a:ext uri="{FF2B5EF4-FFF2-40B4-BE49-F238E27FC236}">
-                <a16:creationId xmlns:a16="http://schemas.microsoft.com/office/drawing/2014/main" xmlns="" id="{A48E752B-27AD-4CC0-869C-BE905AC6F292}"/>
+                <a16:creationId xmlns:a16="http://schemas.microsoft.com/office/drawing/2014/main" id="{A48E752B-27AD-4CC0-869C-BE905AC6F292}"/>
               </a:ext>
             </a:extLst>
           </p:cNvPr>
@@ -612,7 +615,7 @@
           <p:cNvPr id="3" name="Vertical Text Placeholder 2">
             <a:extLst>
               <a:ext uri="{FF2B5EF4-FFF2-40B4-BE49-F238E27FC236}">
-                <a16:creationId xmlns:a16="http://schemas.microsoft.com/office/drawing/2014/main" xmlns="" id="{CE6BBB67-81E5-4602-9A18-8EE066A2E02B}"/>
+                <a16:creationId xmlns:a16="http://schemas.microsoft.com/office/drawing/2014/main" id="{CE6BBB67-81E5-4602-9A18-8EE066A2E02B}"/>
               </a:ext>
             </a:extLst>
           </p:cNvPr>
@@ -674,7 +677,7 @@
           <p:cNvPr id="4" name="Date Placeholder 3">
             <a:extLst>
               <a:ext uri="{FF2B5EF4-FFF2-40B4-BE49-F238E27FC236}">
-                <a16:creationId xmlns:a16="http://schemas.microsoft.com/office/drawing/2014/main" xmlns="" id="{C0B7D880-18DF-4452-B9DE-6664BD3EDC22}"/>
+                <a16:creationId xmlns:a16="http://schemas.microsoft.com/office/drawing/2014/main" id="{C0B7D880-18DF-4452-B9DE-6664BD3EDC22}"/>
               </a:ext>
             </a:extLst>
           </p:cNvPr>
@@ -692,7 +695,7 @@
           <a:p>
             <a:fld id="{7F4C86DC-7761-441C-AE29-7E0FE6656867}" type="datetimeFigureOut">
               <a:rPr lang="en-US" smtClean="0"/>
-              <a:t>1/15/2022</a:t>
+              <a:t>1/25/2022</a:t>
             </a:fld>
             <a:endParaRPr lang="en-US"/>
           </a:p>
@@ -703,7 +706,7 @@
           <p:cNvPr id="5" name="Footer Placeholder 4">
             <a:extLst>
               <a:ext uri="{FF2B5EF4-FFF2-40B4-BE49-F238E27FC236}">
-                <a16:creationId xmlns:a16="http://schemas.microsoft.com/office/drawing/2014/main" xmlns="" id="{C54EBD4A-74FF-45CD-B07A-834948DB53CD}"/>
+                <a16:creationId xmlns:a16="http://schemas.microsoft.com/office/drawing/2014/main" id="{C54EBD4A-74FF-45CD-B07A-834948DB53CD}"/>
               </a:ext>
             </a:extLst>
           </p:cNvPr>
@@ -728,7 +731,7 @@
           <p:cNvPr id="6" name="Slide Number Placeholder 5">
             <a:extLst>
               <a:ext uri="{FF2B5EF4-FFF2-40B4-BE49-F238E27FC236}">
-                <a16:creationId xmlns:a16="http://schemas.microsoft.com/office/drawing/2014/main" xmlns="" id="{B400F4DA-AA92-46AF-BDE8-0E83B115EA24}"/>
+                <a16:creationId xmlns:a16="http://schemas.microsoft.com/office/drawing/2014/main" id="{B400F4DA-AA92-46AF-BDE8-0E83B115EA24}"/>
               </a:ext>
             </a:extLst>
           </p:cNvPr>
@@ -787,7 +790,7 @@
           <p:cNvPr id="2" name="Title 1">
             <a:extLst>
               <a:ext uri="{FF2B5EF4-FFF2-40B4-BE49-F238E27FC236}">
-                <a16:creationId xmlns:a16="http://schemas.microsoft.com/office/drawing/2014/main" xmlns="" id="{B923032F-FE13-4A7F-A0AB-EFB09B287AC5}"/>
+                <a16:creationId xmlns:a16="http://schemas.microsoft.com/office/drawing/2014/main" id="{B923032F-FE13-4A7F-A0AB-EFB09B287AC5}"/>
               </a:ext>
             </a:extLst>
           </p:cNvPr>
@@ -815,7 +818,7 @@
           <p:cNvPr id="3" name="Content Placeholder 2">
             <a:extLst>
               <a:ext uri="{FF2B5EF4-FFF2-40B4-BE49-F238E27FC236}">
-                <a16:creationId xmlns:a16="http://schemas.microsoft.com/office/drawing/2014/main" xmlns="" id="{38D8595C-4FF7-4FBA-8375-907AFCA27B9B}"/>
+                <a16:creationId xmlns:a16="http://schemas.microsoft.com/office/drawing/2014/main" id="{38D8595C-4FF7-4FBA-8375-907AFCA27B9B}"/>
               </a:ext>
             </a:extLst>
           </p:cNvPr>
@@ -872,7 +875,7 @@
           <p:cNvPr id="4" name="Date Placeholder 3">
             <a:extLst>
               <a:ext uri="{FF2B5EF4-FFF2-40B4-BE49-F238E27FC236}">
-                <a16:creationId xmlns:a16="http://schemas.microsoft.com/office/drawing/2014/main" xmlns="" id="{BA1B9BDA-6B92-4BB4-BE82-420207500984}"/>
+                <a16:creationId xmlns:a16="http://schemas.microsoft.com/office/drawing/2014/main" id="{BA1B9BDA-6B92-4BB4-BE82-420207500984}"/>
               </a:ext>
             </a:extLst>
           </p:cNvPr>
@@ -890,7 +893,7 @@
           <a:p>
             <a:fld id="{7F4C86DC-7761-441C-AE29-7E0FE6656867}" type="datetimeFigureOut">
               <a:rPr lang="en-US" smtClean="0"/>
-              <a:t>1/15/2022</a:t>
+              <a:t>1/25/2022</a:t>
             </a:fld>
             <a:endParaRPr lang="en-US"/>
           </a:p>
@@ -901,7 +904,7 @@
           <p:cNvPr id="5" name="Footer Placeholder 4">
             <a:extLst>
               <a:ext uri="{FF2B5EF4-FFF2-40B4-BE49-F238E27FC236}">
-                <a16:creationId xmlns:a16="http://schemas.microsoft.com/office/drawing/2014/main" xmlns="" id="{BDD6E0D1-72BF-4A32-A904-BC7BBEFAADB6}"/>
+                <a16:creationId xmlns:a16="http://schemas.microsoft.com/office/drawing/2014/main" id="{BDD6E0D1-72BF-4A32-A904-BC7BBEFAADB6}"/>
               </a:ext>
             </a:extLst>
           </p:cNvPr>
@@ -926,7 +929,7 @@
           <p:cNvPr id="6" name="Slide Number Placeholder 5">
             <a:extLst>
               <a:ext uri="{FF2B5EF4-FFF2-40B4-BE49-F238E27FC236}">
-                <a16:creationId xmlns:a16="http://schemas.microsoft.com/office/drawing/2014/main" xmlns="" id="{C893C988-37AC-4904-B0DE-B21EC77D41FE}"/>
+                <a16:creationId xmlns:a16="http://schemas.microsoft.com/office/drawing/2014/main" id="{C893C988-37AC-4904-B0DE-B21EC77D41FE}"/>
               </a:ext>
             </a:extLst>
           </p:cNvPr>
@@ -985,7 +988,7 @@
           <p:cNvPr id="2" name="Title 1">
             <a:extLst>
               <a:ext uri="{FF2B5EF4-FFF2-40B4-BE49-F238E27FC236}">
-                <a16:creationId xmlns:a16="http://schemas.microsoft.com/office/drawing/2014/main" xmlns="" id="{C3B721EC-CB29-484B-8017-5AB6DEDF0F60}"/>
+                <a16:creationId xmlns:a16="http://schemas.microsoft.com/office/drawing/2014/main" id="{C3B721EC-CB29-484B-8017-5AB6DEDF0F60}"/>
               </a:ext>
             </a:extLst>
           </p:cNvPr>
@@ -1022,7 +1025,7 @@
           <p:cNvPr id="3" name="Text Placeholder 2">
             <a:extLst>
               <a:ext uri="{FF2B5EF4-FFF2-40B4-BE49-F238E27FC236}">
-                <a16:creationId xmlns:a16="http://schemas.microsoft.com/office/drawing/2014/main" xmlns="" id="{096BA09D-4A28-4771-8519-92FFE230D8C2}"/>
+                <a16:creationId xmlns:a16="http://schemas.microsoft.com/office/drawing/2014/main" id="{096BA09D-4A28-4771-8519-92FFE230D8C2}"/>
               </a:ext>
             </a:extLst>
           </p:cNvPr>
@@ -1147,7 +1150,7 @@
           <p:cNvPr id="4" name="Date Placeholder 3">
             <a:extLst>
               <a:ext uri="{FF2B5EF4-FFF2-40B4-BE49-F238E27FC236}">
-                <a16:creationId xmlns:a16="http://schemas.microsoft.com/office/drawing/2014/main" xmlns="" id="{2FF8D35A-D5EF-4057-9423-76E7DDE71667}"/>
+                <a16:creationId xmlns:a16="http://schemas.microsoft.com/office/drawing/2014/main" id="{2FF8D35A-D5EF-4057-9423-76E7DDE71667}"/>
               </a:ext>
             </a:extLst>
           </p:cNvPr>
@@ -1165,7 +1168,7 @@
           <a:p>
             <a:fld id="{7F4C86DC-7761-441C-AE29-7E0FE6656867}" type="datetimeFigureOut">
               <a:rPr lang="en-US" smtClean="0"/>
-              <a:t>1/15/2022</a:t>
+              <a:t>1/25/2022</a:t>
             </a:fld>
             <a:endParaRPr lang="en-US"/>
           </a:p>
@@ -1176,7 +1179,7 @@
           <p:cNvPr id="5" name="Footer Placeholder 4">
             <a:extLst>
               <a:ext uri="{FF2B5EF4-FFF2-40B4-BE49-F238E27FC236}">
-                <a16:creationId xmlns:a16="http://schemas.microsoft.com/office/drawing/2014/main" xmlns="" id="{B4B63EEF-84CA-4CD2-BF17-7FDAEFBB722B}"/>
+                <a16:creationId xmlns:a16="http://schemas.microsoft.com/office/drawing/2014/main" id="{B4B63EEF-84CA-4CD2-BF17-7FDAEFBB722B}"/>
               </a:ext>
             </a:extLst>
           </p:cNvPr>
@@ -1201,7 +1204,7 @@
           <p:cNvPr id="6" name="Slide Number Placeholder 5">
             <a:extLst>
               <a:ext uri="{FF2B5EF4-FFF2-40B4-BE49-F238E27FC236}">
-                <a16:creationId xmlns:a16="http://schemas.microsoft.com/office/drawing/2014/main" xmlns="" id="{EA86C215-6249-4C84-A7FB-D145454B1C88}"/>
+                <a16:creationId xmlns:a16="http://schemas.microsoft.com/office/drawing/2014/main" id="{EA86C215-6249-4C84-A7FB-D145454B1C88}"/>
               </a:ext>
             </a:extLst>
           </p:cNvPr>
@@ -1260,7 +1263,7 @@
           <p:cNvPr id="2" name="Title 1">
             <a:extLst>
               <a:ext uri="{FF2B5EF4-FFF2-40B4-BE49-F238E27FC236}">
-                <a16:creationId xmlns:a16="http://schemas.microsoft.com/office/drawing/2014/main" xmlns="" id="{85ED6B29-BB83-4F0E-9B58-3E978DF08543}"/>
+                <a16:creationId xmlns:a16="http://schemas.microsoft.com/office/drawing/2014/main" id="{85ED6B29-BB83-4F0E-9B58-3E978DF08543}"/>
               </a:ext>
             </a:extLst>
           </p:cNvPr>
@@ -1288,7 +1291,7 @@
           <p:cNvPr id="3" name="Content Placeholder 2">
             <a:extLst>
               <a:ext uri="{FF2B5EF4-FFF2-40B4-BE49-F238E27FC236}">
-                <a16:creationId xmlns:a16="http://schemas.microsoft.com/office/drawing/2014/main" xmlns="" id="{56C1D611-9F8F-40F2-B548-378D8420BFBD}"/>
+                <a16:creationId xmlns:a16="http://schemas.microsoft.com/office/drawing/2014/main" id="{56C1D611-9F8F-40F2-B548-378D8420BFBD}"/>
               </a:ext>
             </a:extLst>
           </p:cNvPr>
@@ -1350,7 +1353,7 @@
           <p:cNvPr id="4" name="Content Placeholder 3">
             <a:extLst>
               <a:ext uri="{FF2B5EF4-FFF2-40B4-BE49-F238E27FC236}">
-                <a16:creationId xmlns:a16="http://schemas.microsoft.com/office/drawing/2014/main" xmlns="" id="{FA70804A-81C2-400B-812C-E8D4EC7ED4A0}"/>
+                <a16:creationId xmlns:a16="http://schemas.microsoft.com/office/drawing/2014/main" id="{FA70804A-81C2-400B-812C-E8D4EC7ED4A0}"/>
               </a:ext>
             </a:extLst>
           </p:cNvPr>
@@ -1412,7 +1415,7 @@
           <p:cNvPr id="5" name="Date Placeholder 4">
             <a:extLst>
               <a:ext uri="{FF2B5EF4-FFF2-40B4-BE49-F238E27FC236}">
-                <a16:creationId xmlns:a16="http://schemas.microsoft.com/office/drawing/2014/main" xmlns="" id="{23D72BB6-F28B-43F5-B46D-65AFA1F54F8C}"/>
+                <a16:creationId xmlns:a16="http://schemas.microsoft.com/office/drawing/2014/main" id="{23D72BB6-F28B-43F5-B46D-65AFA1F54F8C}"/>
               </a:ext>
             </a:extLst>
           </p:cNvPr>
@@ -1430,7 +1433,7 @@
           <a:p>
             <a:fld id="{7F4C86DC-7761-441C-AE29-7E0FE6656867}" type="datetimeFigureOut">
               <a:rPr lang="en-US" smtClean="0"/>
-              <a:t>1/15/2022</a:t>
+              <a:t>1/25/2022</a:t>
             </a:fld>
             <a:endParaRPr lang="en-US"/>
           </a:p>
@@ -1441,7 +1444,7 @@
           <p:cNvPr id="6" name="Footer Placeholder 5">
             <a:extLst>
               <a:ext uri="{FF2B5EF4-FFF2-40B4-BE49-F238E27FC236}">
-                <a16:creationId xmlns:a16="http://schemas.microsoft.com/office/drawing/2014/main" xmlns="" id="{7C3D01E4-B053-4D56-B26F-23F71B071E27}"/>
+                <a16:creationId xmlns:a16="http://schemas.microsoft.com/office/drawing/2014/main" id="{7C3D01E4-B053-4D56-B26F-23F71B071E27}"/>
               </a:ext>
             </a:extLst>
           </p:cNvPr>
@@ -1466,7 +1469,7 @@
           <p:cNvPr id="7" name="Slide Number Placeholder 6">
             <a:extLst>
               <a:ext uri="{FF2B5EF4-FFF2-40B4-BE49-F238E27FC236}">
-                <a16:creationId xmlns:a16="http://schemas.microsoft.com/office/drawing/2014/main" xmlns="" id="{836411B2-5DC9-4F9F-91A2-57A5C67232A1}"/>
+                <a16:creationId xmlns:a16="http://schemas.microsoft.com/office/drawing/2014/main" id="{836411B2-5DC9-4F9F-91A2-57A5C67232A1}"/>
               </a:ext>
             </a:extLst>
           </p:cNvPr>
@@ -1525,7 +1528,7 @@
           <p:cNvPr id="2" name="Title 1">
             <a:extLst>
               <a:ext uri="{FF2B5EF4-FFF2-40B4-BE49-F238E27FC236}">
-                <a16:creationId xmlns:a16="http://schemas.microsoft.com/office/drawing/2014/main" xmlns="" id="{A78FEA31-73A4-4646-974A-4F03A5A3F19A}"/>
+                <a16:creationId xmlns:a16="http://schemas.microsoft.com/office/drawing/2014/main" id="{A78FEA31-73A4-4646-974A-4F03A5A3F19A}"/>
               </a:ext>
             </a:extLst>
           </p:cNvPr>
@@ -1558,7 +1561,7 @@
           <p:cNvPr id="3" name="Text Placeholder 2">
             <a:extLst>
               <a:ext uri="{FF2B5EF4-FFF2-40B4-BE49-F238E27FC236}">
-                <a16:creationId xmlns:a16="http://schemas.microsoft.com/office/drawing/2014/main" xmlns="" id="{16B1EDB0-26B8-4AD6-887C-C4B984C13DF4}"/>
+                <a16:creationId xmlns:a16="http://schemas.microsoft.com/office/drawing/2014/main" id="{16B1EDB0-26B8-4AD6-887C-C4B984C13DF4}"/>
               </a:ext>
             </a:extLst>
           </p:cNvPr>
@@ -1629,7 +1632,7 @@
           <p:cNvPr id="4" name="Content Placeholder 3">
             <a:extLst>
               <a:ext uri="{FF2B5EF4-FFF2-40B4-BE49-F238E27FC236}">
-                <a16:creationId xmlns:a16="http://schemas.microsoft.com/office/drawing/2014/main" xmlns="" id="{516D63C3-C564-4B11-9247-E11B8EFA6957}"/>
+                <a16:creationId xmlns:a16="http://schemas.microsoft.com/office/drawing/2014/main" id="{516D63C3-C564-4B11-9247-E11B8EFA6957}"/>
               </a:ext>
             </a:extLst>
           </p:cNvPr>
@@ -1691,7 +1694,7 @@
           <p:cNvPr id="5" name="Text Placeholder 4">
             <a:extLst>
               <a:ext uri="{FF2B5EF4-FFF2-40B4-BE49-F238E27FC236}">
-                <a16:creationId xmlns:a16="http://schemas.microsoft.com/office/drawing/2014/main" xmlns="" id="{7FB81653-DF17-44E8-A53B-A9D119E2DAF7}"/>
+                <a16:creationId xmlns:a16="http://schemas.microsoft.com/office/drawing/2014/main" id="{7FB81653-DF17-44E8-A53B-A9D119E2DAF7}"/>
               </a:ext>
             </a:extLst>
           </p:cNvPr>
@@ -1762,7 +1765,7 @@
           <p:cNvPr id="6" name="Content Placeholder 5">
             <a:extLst>
               <a:ext uri="{FF2B5EF4-FFF2-40B4-BE49-F238E27FC236}">
-                <a16:creationId xmlns:a16="http://schemas.microsoft.com/office/drawing/2014/main" xmlns="" id="{AE5B1BB2-ED81-47C2-A0D5-EE96698F08A4}"/>
+                <a16:creationId xmlns:a16="http://schemas.microsoft.com/office/drawing/2014/main" id="{AE5B1BB2-ED81-47C2-A0D5-EE96698F08A4}"/>
               </a:ext>
             </a:extLst>
           </p:cNvPr>
@@ -1824,7 +1827,7 @@
           <p:cNvPr id="7" name="Date Placeholder 6">
             <a:extLst>
               <a:ext uri="{FF2B5EF4-FFF2-40B4-BE49-F238E27FC236}">
-                <a16:creationId xmlns:a16="http://schemas.microsoft.com/office/drawing/2014/main" xmlns="" id="{A1C06915-BA7D-4A2C-AB7C-02C1146220A9}"/>
+                <a16:creationId xmlns:a16="http://schemas.microsoft.com/office/drawing/2014/main" id="{A1C06915-BA7D-4A2C-AB7C-02C1146220A9}"/>
               </a:ext>
             </a:extLst>
           </p:cNvPr>
@@ -1842,7 +1845,7 @@
           <a:p>
             <a:fld id="{7F4C86DC-7761-441C-AE29-7E0FE6656867}" type="datetimeFigureOut">
               <a:rPr lang="en-US" smtClean="0"/>
-              <a:t>1/15/2022</a:t>
+              <a:t>1/25/2022</a:t>
             </a:fld>
             <a:endParaRPr lang="en-US"/>
           </a:p>
@@ -1853,7 +1856,7 @@
           <p:cNvPr id="8" name="Footer Placeholder 7">
             <a:extLst>
               <a:ext uri="{FF2B5EF4-FFF2-40B4-BE49-F238E27FC236}">
-                <a16:creationId xmlns:a16="http://schemas.microsoft.com/office/drawing/2014/main" xmlns="" id="{048C4DCA-4AE6-485D-81B4-4AD7B67E017E}"/>
+                <a16:creationId xmlns:a16="http://schemas.microsoft.com/office/drawing/2014/main" id="{048C4DCA-4AE6-485D-81B4-4AD7B67E017E}"/>
               </a:ext>
             </a:extLst>
           </p:cNvPr>
@@ -1878,7 +1881,7 @@
           <p:cNvPr id="9" name="Slide Number Placeholder 8">
             <a:extLst>
               <a:ext uri="{FF2B5EF4-FFF2-40B4-BE49-F238E27FC236}">
-                <a16:creationId xmlns:a16="http://schemas.microsoft.com/office/drawing/2014/main" xmlns="" id="{B74DC810-3BD2-4653-B457-7AAD4767242A}"/>
+                <a16:creationId xmlns:a16="http://schemas.microsoft.com/office/drawing/2014/main" id="{B74DC810-3BD2-4653-B457-7AAD4767242A}"/>
               </a:ext>
             </a:extLst>
           </p:cNvPr>
@@ -1937,7 +1940,7 @@
           <p:cNvPr id="2" name="Title 1">
             <a:extLst>
               <a:ext uri="{FF2B5EF4-FFF2-40B4-BE49-F238E27FC236}">
-                <a16:creationId xmlns:a16="http://schemas.microsoft.com/office/drawing/2014/main" xmlns="" id="{4DE9CD8A-362F-422C-AA6D-CCA511E91AF1}"/>
+                <a16:creationId xmlns:a16="http://schemas.microsoft.com/office/drawing/2014/main" id="{4DE9CD8A-362F-422C-AA6D-CCA511E91AF1}"/>
               </a:ext>
             </a:extLst>
           </p:cNvPr>
@@ -1965,7 +1968,7 @@
           <p:cNvPr id="3" name="Date Placeholder 2">
             <a:extLst>
               <a:ext uri="{FF2B5EF4-FFF2-40B4-BE49-F238E27FC236}">
-                <a16:creationId xmlns:a16="http://schemas.microsoft.com/office/drawing/2014/main" xmlns="" id="{7C4E5867-EB85-4B89-8CBD-456BEDEB7093}"/>
+                <a16:creationId xmlns:a16="http://schemas.microsoft.com/office/drawing/2014/main" id="{7C4E5867-EB85-4B89-8CBD-456BEDEB7093}"/>
               </a:ext>
             </a:extLst>
           </p:cNvPr>
@@ -1983,7 +1986,7 @@
           <a:p>
             <a:fld id="{7F4C86DC-7761-441C-AE29-7E0FE6656867}" type="datetimeFigureOut">
               <a:rPr lang="en-US" smtClean="0"/>
-              <a:t>1/15/2022</a:t>
+              <a:t>1/25/2022</a:t>
             </a:fld>
             <a:endParaRPr lang="en-US"/>
           </a:p>
@@ -1994,7 +1997,7 @@
           <p:cNvPr id="4" name="Footer Placeholder 3">
             <a:extLst>
               <a:ext uri="{FF2B5EF4-FFF2-40B4-BE49-F238E27FC236}">
-                <a16:creationId xmlns:a16="http://schemas.microsoft.com/office/drawing/2014/main" xmlns="" id="{445D90C5-EF2B-4A40-9299-D146DCAC8988}"/>
+                <a16:creationId xmlns:a16="http://schemas.microsoft.com/office/drawing/2014/main" id="{445D90C5-EF2B-4A40-9299-D146DCAC8988}"/>
               </a:ext>
             </a:extLst>
           </p:cNvPr>
@@ -2019,7 +2022,7 @@
           <p:cNvPr id="5" name="Slide Number Placeholder 4">
             <a:extLst>
               <a:ext uri="{FF2B5EF4-FFF2-40B4-BE49-F238E27FC236}">
-                <a16:creationId xmlns:a16="http://schemas.microsoft.com/office/drawing/2014/main" xmlns="" id="{EDE91B9D-6A42-4248-B817-3613794451A9}"/>
+                <a16:creationId xmlns:a16="http://schemas.microsoft.com/office/drawing/2014/main" id="{EDE91B9D-6A42-4248-B817-3613794451A9}"/>
               </a:ext>
             </a:extLst>
           </p:cNvPr>
@@ -2078,7 +2081,7 @@
           <p:cNvPr id="2" name="Date Placeholder 1">
             <a:extLst>
               <a:ext uri="{FF2B5EF4-FFF2-40B4-BE49-F238E27FC236}">
-                <a16:creationId xmlns:a16="http://schemas.microsoft.com/office/drawing/2014/main" xmlns="" id="{E98AA9E1-5174-438E-9EB3-9CF08A361778}"/>
+                <a16:creationId xmlns:a16="http://schemas.microsoft.com/office/drawing/2014/main" id="{E98AA9E1-5174-438E-9EB3-9CF08A361778}"/>
               </a:ext>
             </a:extLst>
           </p:cNvPr>
@@ -2096,7 +2099,7 @@
           <a:p>
             <a:fld id="{7F4C86DC-7761-441C-AE29-7E0FE6656867}" type="datetimeFigureOut">
               <a:rPr lang="en-US" smtClean="0"/>
-              <a:t>1/15/2022</a:t>
+              <a:t>1/25/2022</a:t>
             </a:fld>
             <a:endParaRPr lang="en-US"/>
           </a:p>
@@ -2107,7 +2110,7 @@
           <p:cNvPr id="3" name="Footer Placeholder 2">
             <a:extLst>
               <a:ext uri="{FF2B5EF4-FFF2-40B4-BE49-F238E27FC236}">
-                <a16:creationId xmlns:a16="http://schemas.microsoft.com/office/drawing/2014/main" xmlns="" id="{8559051B-4CEB-48FA-B6AC-5E405FABCF81}"/>
+                <a16:creationId xmlns:a16="http://schemas.microsoft.com/office/drawing/2014/main" id="{8559051B-4CEB-48FA-B6AC-5E405FABCF81}"/>
               </a:ext>
             </a:extLst>
           </p:cNvPr>
@@ -2132,7 +2135,7 @@
           <p:cNvPr id="4" name="Slide Number Placeholder 3">
             <a:extLst>
               <a:ext uri="{FF2B5EF4-FFF2-40B4-BE49-F238E27FC236}">
-                <a16:creationId xmlns:a16="http://schemas.microsoft.com/office/drawing/2014/main" xmlns="" id="{9675973B-F1BD-4814-8F8B-62AD9DDA5ECB}"/>
+                <a16:creationId xmlns:a16="http://schemas.microsoft.com/office/drawing/2014/main" id="{9675973B-F1BD-4814-8F8B-62AD9DDA5ECB}"/>
               </a:ext>
             </a:extLst>
           </p:cNvPr>
@@ -2191,7 +2194,7 @@
           <p:cNvPr id="2" name="Title 1">
             <a:extLst>
               <a:ext uri="{FF2B5EF4-FFF2-40B4-BE49-F238E27FC236}">
-                <a16:creationId xmlns:a16="http://schemas.microsoft.com/office/drawing/2014/main" xmlns="" id="{309D74ED-783B-46B8-A107-DF2F72BE7C1C}"/>
+                <a16:creationId xmlns:a16="http://schemas.microsoft.com/office/drawing/2014/main" id="{309D74ED-783B-46B8-A107-DF2F72BE7C1C}"/>
               </a:ext>
             </a:extLst>
           </p:cNvPr>
@@ -2228,7 +2231,7 @@
           <p:cNvPr id="3" name="Content Placeholder 2">
             <a:extLst>
               <a:ext uri="{FF2B5EF4-FFF2-40B4-BE49-F238E27FC236}">
-                <a16:creationId xmlns:a16="http://schemas.microsoft.com/office/drawing/2014/main" xmlns="" id="{FF557F81-1AA4-40CA-9212-6772E4223FA6}"/>
+                <a16:creationId xmlns:a16="http://schemas.microsoft.com/office/drawing/2014/main" id="{FF557F81-1AA4-40CA-9212-6772E4223FA6}"/>
               </a:ext>
             </a:extLst>
           </p:cNvPr>
@@ -2318,7 +2321,7 @@
           <p:cNvPr id="4" name="Text Placeholder 3">
             <a:extLst>
               <a:ext uri="{FF2B5EF4-FFF2-40B4-BE49-F238E27FC236}">
-                <a16:creationId xmlns:a16="http://schemas.microsoft.com/office/drawing/2014/main" xmlns="" id="{26AF4AE1-06F9-416E-BC29-0207ACD6BEFF}"/>
+                <a16:creationId xmlns:a16="http://schemas.microsoft.com/office/drawing/2014/main" id="{26AF4AE1-06F9-416E-BC29-0207ACD6BEFF}"/>
               </a:ext>
             </a:extLst>
           </p:cNvPr>
@@ -2389,7 +2392,7 @@
           <p:cNvPr id="5" name="Date Placeholder 4">
             <a:extLst>
               <a:ext uri="{FF2B5EF4-FFF2-40B4-BE49-F238E27FC236}">
-                <a16:creationId xmlns:a16="http://schemas.microsoft.com/office/drawing/2014/main" xmlns="" id="{76064B37-E109-48BD-AFD6-24FDEAD88178}"/>
+                <a16:creationId xmlns:a16="http://schemas.microsoft.com/office/drawing/2014/main" id="{76064B37-E109-48BD-AFD6-24FDEAD88178}"/>
               </a:ext>
             </a:extLst>
           </p:cNvPr>
@@ -2407,7 +2410,7 @@
           <a:p>
             <a:fld id="{7F4C86DC-7761-441C-AE29-7E0FE6656867}" type="datetimeFigureOut">
               <a:rPr lang="en-US" smtClean="0"/>
-              <a:t>1/15/2022</a:t>
+              <a:t>1/25/2022</a:t>
             </a:fld>
             <a:endParaRPr lang="en-US"/>
           </a:p>
@@ -2418,7 +2421,7 @@
           <p:cNvPr id="6" name="Footer Placeholder 5">
             <a:extLst>
               <a:ext uri="{FF2B5EF4-FFF2-40B4-BE49-F238E27FC236}">
-                <a16:creationId xmlns:a16="http://schemas.microsoft.com/office/drawing/2014/main" xmlns="" id="{0738E4D3-2CDC-49E7-8F6B-16B2EDAA456A}"/>
+                <a16:creationId xmlns:a16="http://schemas.microsoft.com/office/drawing/2014/main" id="{0738E4D3-2CDC-49E7-8F6B-16B2EDAA456A}"/>
               </a:ext>
             </a:extLst>
           </p:cNvPr>
@@ -2443,7 +2446,7 @@
           <p:cNvPr id="7" name="Slide Number Placeholder 6">
             <a:extLst>
               <a:ext uri="{FF2B5EF4-FFF2-40B4-BE49-F238E27FC236}">
-                <a16:creationId xmlns:a16="http://schemas.microsoft.com/office/drawing/2014/main" xmlns="" id="{80FDA9F9-52AF-40F4-93E0-0A46A678951C}"/>
+                <a16:creationId xmlns:a16="http://schemas.microsoft.com/office/drawing/2014/main" id="{80FDA9F9-52AF-40F4-93E0-0A46A678951C}"/>
               </a:ext>
             </a:extLst>
           </p:cNvPr>
@@ -2502,7 +2505,7 @@
           <p:cNvPr id="2" name="Title 1">
             <a:extLst>
               <a:ext uri="{FF2B5EF4-FFF2-40B4-BE49-F238E27FC236}">
-                <a16:creationId xmlns:a16="http://schemas.microsoft.com/office/drawing/2014/main" xmlns="" id="{6E10A5A0-24E9-41A1-A9FA-5C39D70607BD}"/>
+                <a16:creationId xmlns:a16="http://schemas.microsoft.com/office/drawing/2014/main" id="{6E10A5A0-24E9-41A1-A9FA-5C39D70607BD}"/>
               </a:ext>
             </a:extLst>
           </p:cNvPr>
@@ -2539,7 +2542,7 @@
           <p:cNvPr id="3" name="Picture Placeholder 2">
             <a:extLst>
               <a:ext uri="{FF2B5EF4-FFF2-40B4-BE49-F238E27FC236}">
-                <a16:creationId xmlns:a16="http://schemas.microsoft.com/office/drawing/2014/main" xmlns="" id="{7AA506BA-2D94-42C1-8CCD-5D88D804AF3E}"/>
+                <a16:creationId xmlns:a16="http://schemas.microsoft.com/office/drawing/2014/main" id="{7AA506BA-2D94-42C1-8CCD-5D88D804AF3E}"/>
               </a:ext>
             </a:extLst>
           </p:cNvPr>
@@ -2606,7 +2609,7 @@
           <p:cNvPr id="4" name="Text Placeholder 3">
             <a:extLst>
               <a:ext uri="{FF2B5EF4-FFF2-40B4-BE49-F238E27FC236}">
-                <a16:creationId xmlns:a16="http://schemas.microsoft.com/office/drawing/2014/main" xmlns="" id="{8AB2D86E-91D5-4237-BC10-7ED451CB0803}"/>
+                <a16:creationId xmlns:a16="http://schemas.microsoft.com/office/drawing/2014/main" id="{8AB2D86E-91D5-4237-BC10-7ED451CB0803}"/>
               </a:ext>
             </a:extLst>
           </p:cNvPr>
@@ -2677,7 +2680,7 @@
           <p:cNvPr id="5" name="Date Placeholder 4">
             <a:extLst>
               <a:ext uri="{FF2B5EF4-FFF2-40B4-BE49-F238E27FC236}">
-                <a16:creationId xmlns:a16="http://schemas.microsoft.com/office/drawing/2014/main" xmlns="" id="{5ABFFFEB-371F-4C9F-ABA8-7E4DF901A064}"/>
+                <a16:creationId xmlns:a16="http://schemas.microsoft.com/office/drawing/2014/main" id="{5ABFFFEB-371F-4C9F-ABA8-7E4DF901A064}"/>
               </a:ext>
             </a:extLst>
           </p:cNvPr>
@@ -2695,7 +2698,7 @@
           <a:p>
             <a:fld id="{7F4C86DC-7761-441C-AE29-7E0FE6656867}" type="datetimeFigureOut">
               <a:rPr lang="en-US" smtClean="0"/>
-              <a:t>1/15/2022</a:t>
+              <a:t>1/25/2022</a:t>
             </a:fld>
             <a:endParaRPr lang="en-US"/>
           </a:p>
@@ -2706,7 +2709,7 @@
           <p:cNvPr id="6" name="Footer Placeholder 5">
             <a:extLst>
               <a:ext uri="{FF2B5EF4-FFF2-40B4-BE49-F238E27FC236}">
-                <a16:creationId xmlns:a16="http://schemas.microsoft.com/office/drawing/2014/main" xmlns="" id="{6F0DF431-886E-43F4-B5E2-DDF6602D306E}"/>
+                <a16:creationId xmlns:a16="http://schemas.microsoft.com/office/drawing/2014/main" id="{6F0DF431-886E-43F4-B5E2-DDF6602D306E}"/>
               </a:ext>
             </a:extLst>
           </p:cNvPr>
@@ -2731,7 +2734,7 @@
           <p:cNvPr id="7" name="Slide Number Placeholder 6">
             <a:extLst>
               <a:ext uri="{FF2B5EF4-FFF2-40B4-BE49-F238E27FC236}">
-                <a16:creationId xmlns:a16="http://schemas.microsoft.com/office/drawing/2014/main" xmlns="" id="{211CC860-F7EC-4E96-92CC-307291BC4CA8}"/>
+                <a16:creationId xmlns:a16="http://schemas.microsoft.com/office/drawing/2014/main" id="{211CC860-F7EC-4E96-92CC-307291BC4CA8}"/>
               </a:ext>
             </a:extLst>
           </p:cNvPr>
@@ -2795,7 +2798,7 @@
           <p:cNvPr id="2" name="Title Placeholder 1">
             <a:extLst>
               <a:ext uri="{FF2B5EF4-FFF2-40B4-BE49-F238E27FC236}">
-                <a16:creationId xmlns:a16="http://schemas.microsoft.com/office/drawing/2014/main" xmlns="" id="{E552E40F-8A42-4F56-A4BD-B087AA0A9340}"/>
+                <a16:creationId xmlns:a16="http://schemas.microsoft.com/office/drawing/2014/main" id="{E552E40F-8A42-4F56-A4BD-B087AA0A9340}"/>
               </a:ext>
             </a:extLst>
           </p:cNvPr>
@@ -2833,7 +2836,7 @@
           <p:cNvPr id="3" name="Text Placeholder 2">
             <a:extLst>
               <a:ext uri="{FF2B5EF4-FFF2-40B4-BE49-F238E27FC236}">
-                <a16:creationId xmlns:a16="http://schemas.microsoft.com/office/drawing/2014/main" xmlns="" id="{08918BA9-D461-495A-84BE-6DEA967D45BF}"/>
+                <a16:creationId xmlns:a16="http://schemas.microsoft.com/office/drawing/2014/main" id="{08918BA9-D461-495A-84BE-6DEA967D45BF}"/>
               </a:ext>
             </a:extLst>
           </p:cNvPr>
@@ -2900,7 +2903,7 @@
           <p:cNvPr id="4" name="Date Placeholder 3">
             <a:extLst>
               <a:ext uri="{FF2B5EF4-FFF2-40B4-BE49-F238E27FC236}">
-                <a16:creationId xmlns:a16="http://schemas.microsoft.com/office/drawing/2014/main" xmlns="" id="{7C86D937-D344-4A82-8D79-B2753177D88C}"/>
+                <a16:creationId xmlns:a16="http://schemas.microsoft.com/office/drawing/2014/main" id="{7C86D937-D344-4A82-8D79-B2753177D88C}"/>
               </a:ext>
             </a:extLst>
           </p:cNvPr>
@@ -2936,7 +2939,7 @@
           <a:p>
             <a:fld id="{7F4C86DC-7761-441C-AE29-7E0FE6656867}" type="datetimeFigureOut">
               <a:rPr lang="en-US" smtClean="0"/>
-              <a:t>1/15/2022</a:t>
+              <a:t>1/25/2022</a:t>
             </a:fld>
             <a:endParaRPr lang="en-US"/>
           </a:p>
@@ -2947,7 +2950,7 @@
           <p:cNvPr id="5" name="Footer Placeholder 4">
             <a:extLst>
               <a:ext uri="{FF2B5EF4-FFF2-40B4-BE49-F238E27FC236}">
-                <a16:creationId xmlns:a16="http://schemas.microsoft.com/office/drawing/2014/main" xmlns="" id="{B8C1440F-6742-4269-AB18-6F4C04C121DA}"/>
+                <a16:creationId xmlns:a16="http://schemas.microsoft.com/office/drawing/2014/main" id="{B8C1440F-6742-4269-AB18-6F4C04C121DA}"/>
               </a:ext>
             </a:extLst>
           </p:cNvPr>
@@ -2990,7 +2993,7 @@
           <p:cNvPr id="6" name="Slide Number Placeholder 5">
             <a:extLst>
               <a:ext uri="{FF2B5EF4-FFF2-40B4-BE49-F238E27FC236}">
-                <a16:creationId xmlns:a16="http://schemas.microsoft.com/office/drawing/2014/main" xmlns="" id="{E7B764D5-93D3-42A5-A70B-4E8C0B79EAB5}"/>
+                <a16:creationId xmlns:a16="http://schemas.microsoft.com/office/drawing/2014/main" id="{E7B764D5-93D3-42A5-A70B-4E8C0B79EAB5}"/>
               </a:ext>
             </a:extLst>
           </p:cNvPr>
@@ -3358,7 +3361,7 @@
           <p:cNvPr id="2" name="Title 1">
             <a:extLst>
               <a:ext uri="{FF2B5EF4-FFF2-40B4-BE49-F238E27FC236}">
-                <a16:creationId xmlns:a16="http://schemas.microsoft.com/office/drawing/2014/main" xmlns="" id="{4CC28DEB-C11A-45B1-A082-FA38CFC4FB6B}"/>
+                <a16:creationId xmlns:a16="http://schemas.microsoft.com/office/drawing/2014/main" id="{4CC28DEB-C11A-45B1-A082-FA38CFC4FB6B}"/>
               </a:ext>
             </a:extLst>
           </p:cNvPr>
@@ -3382,11 +3385,7 @@
             </a:r>
             <a:r>
               <a:rPr lang="en-US" sz="5400"/>
-              <a:t>Programming </a:t>
-            </a:r>
-            <a:r>
-              <a:rPr lang="en-US" sz="5400" smtClean="0"/>
-              <a:t>in Java</a:t>
+              <a:t>Programming in Java</a:t>
             </a:r>
             <a:endParaRPr lang="en-US" sz="5400" dirty="0"/>
           </a:p>
@@ -3397,7 +3396,7 @@
           <p:cNvPr id="3" name="Subtitle 2">
             <a:extLst>
               <a:ext uri="{FF2B5EF4-FFF2-40B4-BE49-F238E27FC236}">
-                <a16:creationId xmlns:a16="http://schemas.microsoft.com/office/drawing/2014/main" xmlns="" id="{72009F95-80CE-4F64-8C1F-B38DA9456C93}"/>
+                <a16:creationId xmlns:a16="http://schemas.microsoft.com/office/drawing/2014/main" id="{72009F95-80CE-4F64-8C1F-B38DA9456C93}"/>
               </a:ext>
             </a:extLst>
           </p:cNvPr>
@@ -3455,7 +3454,7 @@
           <p:cNvPr id="5" name="Title 4">
             <a:extLst>
               <a:ext uri="{FF2B5EF4-FFF2-40B4-BE49-F238E27FC236}">
-                <a16:creationId xmlns:a16="http://schemas.microsoft.com/office/drawing/2014/main" xmlns="" id="{332A0F13-1C8E-4813-9480-5B5E601A0F7A}"/>
+                <a16:creationId xmlns:a16="http://schemas.microsoft.com/office/drawing/2014/main" id="{332A0F13-1C8E-4813-9480-5B5E601A0F7A}"/>
               </a:ext>
             </a:extLst>
           </p:cNvPr>
@@ -3484,7 +3483,7 @@
           <p:cNvPr id="6" name="Content Placeholder 5">
             <a:extLst>
               <a:ext uri="{FF2B5EF4-FFF2-40B4-BE49-F238E27FC236}">
-                <a16:creationId xmlns:a16="http://schemas.microsoft.com/office/drawing/2014/main" xmlns="" id="{DB9C97A1-76D6-4709-BC38-ACD85E4CECE8}"/>
+                <a16:creationId xmlns:a16="http://schemas.microsoft.com/office/drawing/2014/main" id="{DB9C97A1-76D6-4709-BC38-ACD85E4CECE8}"/>
               </a:ext>
             </a:extLst>
           </p:cNvPr>
@@ -3572,7 +3571,7 @@
           <p:cNvPr id="9" name="Content Placeholder 8">
             <a:extLst>
               <a:ext uri="{FF2B5EF4-FFF2-40B4-BE49-F238E27FC236}">
-                <a16:creationId xmlns:a16="http://schemas.microsoft.com/office/drawing/2014/main" xmlns="" id="{C42A872C-5E16-4B77-A027-E097DF1DEAD2}"/>
+                <a16:creationId xmlns:a16="http://schemas.microsoft.com/office/drawing/2014/main" id="{C42A872C-5E16-4B77-A027-E097DF1DEAD2}"/>
               </a:ext>
             </a:extLst>
           </p:cNvPr>
@@ -3631,7 +3630,7 @@
           <p:cNvPr id="2" name="Title 1">
             <a:extLst>
               <a:ext uri="{FF2B5EF4-FFF2-40B4-BE49-F238E27FC236}">
-                <a16:creationId xmlns:a16="http://schemas.microsoft.com/office/drawing/2014/main" xmlns="" id="{906D3A6C-3DD5-4F97-BEB4-C330DAAEB4C6}"/>
+                <a16:creationId xmlns:a16="http://schemas.microsoft.com/office/drawing/2014/main" id="{906D3A6C-3DD5-4F97-BEB4-C330DAAEB4C6}"/>
               </a:ext>
             </a:extLst>
           </p:cNvPr>
@@ -3660,7 +3659,7 @@
           <p:cNvPr id="4" name="Content Placeholder 3">
             <a:extLst>
               <a:ext uri="{FF2B5EF4-FFF2-40B4-BE49-F238E27FC236}">
-                <a16:creationId xmlns:a16="http://schemas.microsoft.com/office/drawing/2014/main" xmlns="" id="{A91BFE5C-9258-493F-8EBA-0F157646EC6E}"/>
+                <a16:creationId xmlns:a16="http://schemas.microsoft.com/office/drawing/2014/main" id="{A91BFE5C-9258-493F-8EBA-0F157646EC6E}"/>
               </a:ext>
             </a:extLst>
           </p:cNvPr>
@@ -3769,7 +3768,7 @@
           <p:cNvPr id="11" name="Content Placeholder 13">
             <a:extLst>
               <a:ext uri="{FF2B5EF4-FFF2-40B4-BE49-F238E27FC236}">
-                <a16:creationId xmlns:a16="http://schemas.microsoft.com/office/drawing/2014/main" xmlns="" id="{64B8D181-C25C-40E1-A555-EAFF1FA98730}"/>
+                <a16:creationId xmlns:a16="http://schemas.microsoft.com/office/drawing/2014/main" id="{64B8D181-C25C-40E1-A555-EAFF1FA98730}"/>
               </a:ext>
             </a:extLst>
           </p:cNvPr>
@@ -3842,10 +3841,9 @@
           <a:lstStyle/>
           <a:p>
             <a:r>
-              <a:rPr lang="en-US" dirty="0" smtClean="0"/>
+              <a:rPr lang="en-US" dirty="0"/>
               <a:t>Subscribe to Flux</a:t>
             </a:r>
-            <a:endParaRPr lang="en-US" dirty="0"/>
           </a:p>
         </p:txBody>
       </p:sp>
@@ -3975,10 +3973,9 @@
           <a:lstStyle/>
           <a:p>
             <a:r>
-              <a:rPr lang="en-US" sz="1400" dirty="0" smtClean="0"/>
+              <a:rPr lang="en-US" sz="1400" dirty="0"/>
               <a:t>Using Subscriber to subscribe the Flux</a:t>
             </a:r>
-            <a:endParaRPr lang="en-US" sz="1400" dirty="0"/>
           </a:p>
         </p:txBody>
       </p:sp>
@@ -4018,14 +4015,13 @@
           <a:lstStyle/>
           <a:p>
             <a:r>
-              <a:rPr lang="en-US" sz="1400" b="1" i="1" dirty="0" smtClean="0"/>
+              <a:rPr lang="en-US" sz="1400" b="1" i="1" dirty="0"/>
               <a:t>Cold Stream </a:t>
             </a:r>
             <a:r>
-              <a:rPr lang="en-US" sz="1400" dirty="0" smtClean="0"/>
+              <a:rPr lang="en-US" sz="1400" dirty="0"/>
               <a:t>Flux with values (1, 2, 3)</a:t>
             </a:r>
-            <a:endParaRPr lang="en-US" sz="1400" dirty="0"/>
           </a:p>
         </p:txBody>
       </p:sp>
@@ -4065,10 +4061,9 @@
           <a:lstStyle/>
           <a:p>
             <a:r>
-              <a:rPr lang="en-US" sz="1400" dirty="0" smtClean="0"/>
+              <a:rPr lang="en-US" sz="1400" dirty="0"/>
               <a:t>Delay before processing each item</a:t>
             </a:r>
-            <a:endParaRPr lang="en-US" sz="1400" dirty="0"/>
           </a:p>
         </p:txBody>
       </p:sp>
@@ -4108,10 +4103,9 @@
           <a:lstStyle/>
           <a:p>
             <a:r>
-              <a:rPr lang="en-US" sz="1400" dirty="0" smtClean="0"/>
+              <a:rPr lang="en-US" sz="1400" dirty="0"/>
               <a:t>Reformat Item value</a:t>
             </a:r>
-            <a:endParaRPr lang="en-US" sz="1400" dirty="0"/>
           </a:p>
         </p:txBody>
       </p:sp>
@@ -4151,10 +4145,9 @@
           <a:lstStyle/>
           <a:p>
             <a:r>
-              <a:rPr lang="en-US" sz="1400" dirty="0" smtClean="0"/>
+              <a:rPr lang="en-US" sz="1400" dirty="0"/>
               <a:t>Subscribe the Flux</a:t>
             </a:r>
-            <a:endParaRPr lang="en-US" sz="1400" dirty="0"/>
           </a:p>
         </p:txBody>
       </p:sp>
@@ -4373,7 +4366,7 @@
           <p:cNvPr id="2" name="Title 1">
             <a:extLst>
               <a:ext uri="{FF2B5EF4-FFF2-40B4-BE49-F238E27FC236}">
-                <a16:creationId xmlns:a16="http://schemas.microsoft.com/office/drawing/2014/main" xmlns="" id="{906D3A6C-3DD5-4F97-BEB4-C330DAAEB4C6}"/>
+                <a16:creationId xmlns:a16="http://schemas.microsoft.com/office/drawing/2014/main" id="{906D3A6C-3DD5-4F97-BEB4-C330DAAEB4C6}"/>
               </a:ext>
             </a:extLst>
           </p:cNvPr>
@@ -4401,7 +4394,7 @@
           <p:cNvPr id="4" name="Content Placeholder 3">
             <a:extLst>
               <a:ext uri="{FF2B5EF4-FFF2-40B4-BE49-F238E27FC236}">
-                <a16:creationId xmlns:a16="http://schemas.microsoft.com/office/drawing/2014/main" xmlns="" id="{A91BFE5C-9258-493F-8EBA-0F157646EC6E}"/>
+                <a16:creationId xmlns:a16="http://schemas.microsoft.com/office/drawing/2014/main" id="{A91BFE5C-9258-493F-8EBA-0F157646EC6E}"/>
               </a:ext>
             </a:extLst>
           </p:cNvPr>
@@ -4467,11 +4460,7 @@
             </a:r>
             <a:r>
               <a:rPr lang="en-US" sz="2000" dirty="0"/>
-              <a:t> </a:t>
-            </a:r>
-            <a:r>
-              <a:rPr lang="en-US" sz="2000" dirty="0" smtClean="0"/>
-              <a:t>event</a:t>
+              <a:t> event</a:t>
             </a:r>
           </a:p>
           <a:p>
@@ -4479,17 +4468,16 @@
           </a:p>
           <a:p>
             <a:r>
-              <a:rPr lang="en-US" sz="2000" dirty="0" smtClean="0"/>
+              <a:rPr lang="en-US" sz="2000" dirty="0"/>
               <a:t>Subscribe to Mono</a:t>
             </a:r>
           </a:p>
           <a:p>
             <a:pPr lvl="1"/>
             <a:r>
-              <a:rPr lang="en-US" sz="1200" dirty="0" smtClean="0"/>
+              <a:rPr lang="en-US" sz="1200" dirty="0"/>
               <a:t>Single item will be published and processed</a:t>
             </a:r>
-            <a:endParaRPr lang="en-US" sz="1200" dirty="0"/>
           </a:p>
           <a:p>
             <a:endParaRPr lang="en-US" sz="2000" dirty="0"/>
@@ -4501,7 +4489,7 @@
           <p:cNvPr id="7" name="Content Placeholder 6">
             <a:extLst>
               <a:ext uri="{FF2B5EF4-FFF2-40B4-BE49-F238E27FC236}">
-                <a16:creationId xmlns:a16="http://schemas.microsoft.com/office/drawing/2014/main" xmlns="" id="{6B3521CE-05C1-4798-96E1-BFFF4485CC9E}"/>
+                <a16:creationId xmlns:a16="http://schemas.microsoft.com/office/drawing/2014/main" id="{6B3521CE-05C1-4798-96E1-BFFF4485CC9E}"/>
               </a:ext>
             </a:extLst>
           </p:cNvPr>
@@ -4619,14 +4607,9 @@
           <a:lstStyle/>
           <a:p>
             <a:r>
-              <a:rPr lang="en-US" dirty="0" smtClean="0"/>
-              <a:t>Reactive </a:t>
-            </a:r>
-            <a:r>
-              <a:rPr lang="en-US" dirty="0" smtClean="0"/>
-              <a:t>Operators</a:t>
-            </a:r>
-            <a:endParaRPr lang="en-US" dirty="0"/>
+              <a:rPr lang="en-US" dirty="0"/>
+              <a:t>Reactive Operators</a:t>
+            </a:r>
           </a:p>
         </p:txBody>
       </p:sp>
@@ -4695,10 +4678,9 @@
           <a:lstStyle/>
           <a:p>
             <a:r>
-              <a:rPr lang="en-US" dirty="0" smtClean="0"/>
+              <a:rPr lang="en-US" dirty="0"/>
               <a:t>Reactive Operators</a:t>
             </a:r>
-            <a:endParaRPr lang="en-US" dirty="0"/>
           </a:p>
         </p:txBody>
       </p:sp>
@@ -4718,26 +4700,22 @@
           <a:lstStyle/>
           <a:p>
             <a:r>
-              <a:rPr lang="en-US" dirty="0" smtClean="0"/>
+              <a:rPr lang="en-US" dirty="0"/>
               <a:t>Reactive Operators</a:t>
             </a:r>
           </a:p>
           <a:p>
             <a:pPr lvl="1"/>
             <a:r>
-              <a:rPr lang="en-US" dirty="0" smtClean="0"/>
+              <a:rPr lang="en-US" dirty="0"/>
               <a:t>Data stream items will be processed asynchronously</a:t>
             </a:r>
           </a:p>
           <a:p>
             <a:pPr lvl="1"/>
             <a:r>
-              <a:rPr lang="en-US" dirty="0" smtClean="0"/>
-              <a:t>Data </a:t>
-            </a:r>
-            <a:r>
               <a:rPr lang="en-US" dirty="0"/>
-              <a:t>stream published by </a:t>
+              <a:t>Data stream published by </a:t>
             </a:r>
             <a:r>
               <a:rPr lang="en-US" b="1" i="1" dirty="0"/>
@@ -4755,7 +4733,6 @@
               <a:rPr lang="en-US" dirty="0"/>
               <a:t>.</a:t>
             </a:r>
-            <a:endParaRPr lang="en-US" dirty="0" smtClean="0"/>
           </a:p>
           <a:p>
             <a:pPr lvl="1"/>
@@ -4772,14 +4749,13 @@
               <a:t> and </a:t>
             </a:r>
             <a:r>
-              <a:rPr lang="en-US" b="1" i="1" dirty="0" smtClean="0"/>
+              <a:rPr lang="en-US" b="1" i="1" dirty="0"/>
               <a:t>Mono</a:t>
             </a:r>
             <a:r>
-              <a:rPr lang="en-US" dirty="0" smtClean="0"/>
+              <a:rPr lang="en-US" dirty="0"/>
               <a:t> provide a ton of operators to process data</a:t>
             </a:r>
-            <a:endParaRPr lang="en-US" dirty="0"/>
           </a:p>
         </p:txBody>
       </p:sp>
@@ -4829,10 +4805,9 @@
           <a:lstStyle/>
           <a:p>
             <a:r>
-              <a:rPr lang="en-US" dirty="0" smtClean="0"/>
+              <a:rPr lang="en-US" dirty="0"/>
               <a:t>Reactor Operator : Transform </a:t>
             </a:r>
-            <a:endParaRPr lang="en-US" dirty="0"/>
           </a:p>
         </p:txBody>
       </p:sp>
@@ -4854,20 +4829,16 @@
           <a:lstStyle/>
           <a:p>
             <a:r>
-              <a:rPr lang="en-US" sz="2000" b="1" i="1" dirty="0" smtClean="0"/>
+              <a:rPr lang="en-US" sz="2000" b="1" i="1" dirty="0"/>
               <a:t>Transform </a:t>
             </a:r>
             <a:r>
-              <a:rPr lang="en-US" sz="2000" i="1" dirty="0" smtClean="0"/>
+              <a:rPr lang="en-US" sz="2000" i="1" dirty="0"/>
               <a:t>a Flux</a:t>
             </a:r>
             <a:r>
-              <a:rPr lang="en-US" sz="2000" dirty="0" smtClean="0"/>
-              <a:t> </a:t>
-            </a:r>
-            <a:r>
               <a:rPr lang="en-US" sz="2000" dirty="0"/>
-              <a:t>in order to generate a target </a:t>
+              <a:t> in order to generate a target </a:t>
             </a:r>
             <a:r>
               <a:rPr lang="en-US" sz="2000" i="1" dirty="0"/>
@@ -4996,10 +4967,9 @@
           <a:lstStyle/>
           <a:p>
             <a:r>
-              <a:rPr lang="en-US" dirty="0" smtClean="0"/>
+              <a:rPr lang="en-US" dirty="0"/>
               <a:t>Reactor Operator : Map</a:t>
             </a:r>
-            <a:endParaRPr lang="en-US" dirty="0"/>
           </a:p>
         </p:txBody>
       </p:sp>
@@ -5021,12 +4991,8 @@
           <a:lstStyle/>
           <a:p>
             <a:r>
-              <a:rPr lang="en-US" sz="2000" dirty="0" smtClean="0"/>
-              <a:t>Transform </a:t>
-            </a:r>
-            <a:r>
               <a:rPr lang="en-US" sz="2000" dirty="0"/>
-              <a:t>the items emitted by this Flux by applying a synchronous function to each item</a:t>
+              <a:t>Transform the items emitted by this Flux by applying a synchronous function to each item</a:t>
             </a:r>
           </a:p>
         </p:txBody>
@@ -5151,11 +5117,11 @@
           <a:lstStyle/>
           <a:p>
             <a:r>
-              <a:rPr lang="en-US" dirty="0" smtClean="0"/>
+              <a:rPr lang="en-US" dirty="0"/>
               <a:t>Reactor Operator: </a:t>
             </a:r>
             <a:r>
-              <a:rPr lang="en-US" dirty="0" err="1" smtClean="0"/>
+              <a:rPr lang="en-US" dirty="0" err="1"/>
               <a:t>thenMany</a:t>
             </a:r>
             <a:endParaRPr lang="en-US" dirty="0"/>
@@ -5180,18 +5146,17 @@
           <a:lstStyle/>
           <a:p>
             <a:r>
-              <a:rPr lang="en-US" sz="2000" dirty="0" smtClean="0"/>
+              <a:rPr lang="en-US" sz="2000" dirty="0"/>
               <a:t>Process a </a:t>
             </a:r>
             <a:r>
-              <a:rPr lang="en-US" sz="2000" b="1" i="1" dirty="0" smtClean="0"/>
+              <a:rPr lang="en-US" sz="2000" b="1" i="1" dirty="0"/>
               <a:t>Flux</a:t>
             </a:r>
             <a:r>
-              <a:rPr lang="en-US" sz="2000" dirty="0" smtClean="0"/>
+              <a:rPr lang="en-US" sz="2000" dirty="0"/>
               <a:t> after another completing</a:t>
             </a:r>
-            <a:endParaRPr lang="en-US" sz="2000" dirty="0"/>
           </a:p>
         </p:txBody>
       </p:sp>
@@ -5385,18 +5350,17 @@
           <a:lstStyle/>
           <a:p>
             <a:r>
-              <a:rPr lang="en-US" sz="1400" dirty="0" smtClean="0"/>
+              <a:rPr lang="en-US" sz="1400" dirty="0"/>
               <a:t>Process </a:t>
             </a:r>
             <a:r>
-              <a:rPr lang="en-US" sz="1400" dirty="0" err="1" smtClean="0"/>
+              <a:rPr lang="en-US" sz="1400" dirty="0" err="1"/>
               <a:t>sFlux</a:t>
             </a:r>
             <a:r>
-              <a:rPr lang="en-US" sz="1400" dirty="0" smtClean="0"/>
+              <a:rPr lang="en-US" sz="1400" dirty="0"/>
               <a:t> first</a:t>
             </a:r>
-            <a:endParaRPr lang="en-US" sz="1400" dirty="0"/>
           </a:p>
         </p:txBody>
       </p:sp>
@@ -5436,11 +5400,11 @@
           <a:lstStyle/>
           <a:p>
             <a:r>
-              <a:rPr lang="en-US" sz="1400" dirty="0" smtClean="0"/>
+              <a:rPr lang="en-US" sz="1400" dirty="0"/>
               <a:t>Then process </a:t>
             </a:r>
             <a:r>
-              <a:rPr lang="en-US" sz="1400" dirty="0" err="1" smtClean="0"/>
+              <a:rPr lang="en-US" sz="1400" dirty="0" err="1"/>
               <a:t>iFlux</a:t>
             </a:r>
             <a:endParaRPr lang="en-US" sz="1400" dirty="0"/>
@@ -5560,11 +5524,11 @@
           <a:lstStyle/>
           <a:p>
             <a:r>
-              <a:rPr lang="en-US" dirty="0" smtClean="0"/>
+              <a:rPr lang="en-US" dirty="0"/>
               <a:t>Reactor Operator: </a:t>
             </a:r>
             <a:r>
-              <a:rPr lang="en-US" dirty="0" err="1" smtClean="0"/>
+              <a:rPr lang="en-US" dirty="0" err="1"/>
               <a:t>flatMap</a:t>
             </a:r>
             <a:endParaRPr lang="en-US" dirty="0"/>
@@ -5594,22 +5558,21 @@
           <a:lstStyle/>
           <a:p>
             <a:r>
-              <a:rPr lang="en-US" sz="2000" dirty="0" smtClean="0"/>
+              <a:rPr lang="en-US" sz="2000" dirty="0"/>
               <a:t>Process each Item to </a:t>
             </a:r>
             <a:r>
-              <a:rPr lang="en-US" sz="2000" b="1" i="1" dirty="0" smtClean="0"/>
+              <a:rPr lang="en-US" sz="2000" b="1" i="1" dirty="0"/>
               <a:t>Publisher</a:t>
             </a:r>
             <a:r>
-              <a:rPr lang="en-US" sz="2000" dirty="0" smtClean="0"/>
+              <a:rPr lang="en-US" sz="2000" dirty="0"/>
               <a:t> and flat to </a:t>
             </a:r>
             <a:r>
-              <a:rPr lang="en-US" sz="2000" b="1" i="1" dirty="0" smtClean="0"/>
+              <a:rPr lang="en-US" sz="2000" b="1" i="1" dirty="0"/>
               <a:t>Flux</a:t>
             </a:r>
-            <a:endParaRPr lang="en-US" sz="2000" b="1" i="1" dirty="0"/>
           </a:p>
         </p:txBody>
       </p:sp>
@@ -5698,7 +5661,7 @@
           <p:cNvPr id="2" name="Title 1">
             <a:extLst>
               <a:ext uri="{FF2B5EF4-FFF2-40B4-BE49-F238E27FC236}">
-                <a16:creationId xmlns:a16="http://schemas.microsoft.com/office/drawing/2014/main" xmlns="" id="{3E3F5DC8-E31C-44B5-B975-07F80F41D6B2}"/>
+                <a16:creationId xmlns:a16="http://schemas.microsoft.com/office/drawing/2014/main" id="{3E3F5DC8-E31C-44B5-B975-07F80F41D6B2}"/>
               </a:ext>
             </a:extLst>
           </p:cNvPr>
@@ -5726,7 +5689,7 @@
           <p:cNvPr id="3" name="Content Placeholder 2">
             <a:extLst>
               <a:ext uri="{FF2B5EF4-FFF2-40B4-BE49-F238E27FC236}">
-                <a16:creationId xmlns:a16="http://schemas.microsoft.com/office/drawing/2014/main" xmlns="" id="{9812DECB-E4E4-4D03-879C-88F9CF4811DF}"/>
+                <a16:creationId xmlns:a16="http://schemas.microsoft.com/office/drawing/2014/main" id="{9812DECB-E4E4-4D03-879C-88F9CF4811DF}"/>
               </a:ext>
             </a:extLst>
           </p:cNvPr>
@@ -5832,13 +5795,8 @@
           <a:p>
             <a:r>
               <a:rPr lang="en-US" sz="1800" dirty="0"/>
-              <a:t>When an error </a:t>
-            </a:r>
-            <a:r>
-              <a:rPr lang="en-US" sz="1800" dirty="0" smtClean="0"/>
-              <a:t>occurs:</a:t>
-            </a:r>
-            <a:endParaRPr lang="en-US" sz="1800" dirty="0"/>
+              <a:t>When an error occurs:</a:t>
+            </a:r>
           </a:p>
           <a:p>
             <a:pPr lvl="1"/>
@@ -6035,13 +5993,6 @@
   <p:clrMapOvr>
     <a:masterClrMapping/>
   </p:clrMapOvr>
-  <p:timing>
-    <p:tnLst>
-      <p:par>
-        <p:cTn id="1" dur="indefinite" restart="never" nodeType="tmRoot"/>
-      </p:par>
-    </p:tnLst>
-  </p:timing>
 </p:sld>
 </file>
 
@@ -6078,10 +6029,9 @@
           <a:lstStyle/>
           <a:p>
             <a:r>
-              <a:rPr lang="en-US" dirty="0" smtClean="0"/>
+              <a:rPr lang="en-US" dirty="0"/>
               <a:t>Hot and Cold Publisher</a:t>
             </a:r>
-            <a:endParaRPr lang="en-US" dirty="0"/>
           </a:p>
         </p:txBody>
       </p:sp>
@@ -6150,10 +6100,9 @@
           <a:lstStyle/>
           <a:p>
             <a:r>
-              <a:rPr lang="en-US" dirty="0" smtClean="0"/>
+              <a:rPr lang="en-US" dirty="0"/>
               <a:t>Hot and Cold Publisher</a:t>
             </a:r>
-            <a:endParaRPr lang="en-US" dirty="0"/>
           </a:p>
         </p:txBody>
       </p:sp>
@@ -6175,23 +6124,23 @@
           <a:lstStyle/>
           <a:p>
             <a:r>
-              <a:rPr lang="en-US" sz="2000" dirty="0" smtClean="0"/>
+              <a:rPr lang="en-US" sz="2000" dirty="0"/>
               <a:t>Reactive Stream objects (</a:t>
             </a:r>
             <a:r>
-              <a:rPr lang="en-US" sz="2000" b="1" i="1" dirty="0" smtClean="0"/>
+              <a:rPr lang="en-US" sz="2000" b="1" i="1" dirty="0"/>
               <a:t>Flux</a:t>
             </a:r>
             <a:r>
-              <a:rPr lang="en-US" sz="2000" dirty="0" smtClean="0"/>
+              <a:rPr lang="en-US" sz="2000" dirty="0"/>
               <a:t> and </a:t>
             </a:r>
             <a:r>
-              <a:rPr lang="en-US" sz="2000" b="1" i="1" dirty="0" smtClean="0"/>
+              <a:rPr lang="en-US" sz="2000" b="1" i="1" dirty="0"/>
               <a:t>Mono</a:t>
             </a:r>
             <a:r>
-              <a:rPr lang="en-US" sz="2000" dirty="0" smtClean="0"/>
+              <a:rPr lang="en-US" sz="2000" dirty="0"/>
               <a:t>)</a:t>
             </a:r>
           </a:p>
@@ -6206,13 +6155,9 @@
             <a:pPr lvl="1"/>
             <a:r>
               <a:rPr lang="en-US" sz="1800" dirty="0"/>
-              <a:t>nothing happens before you </a:t>
-            </a:r>
-            <a:r>
-              <a:rPr lang="en-US" sz="1800" dirty="0" smtClean="0"/>
-              <a:t>subscribe.</a:t>
-            </a:r>
-            <a:endParaRPr lang="en-US" sz="2000" dirty="0" smtClean="0"/>
+              <a:t>nothing happens before you subscribe.</a:t>
+            </a:r>
+            <a:endParaRPr lang="en-US" sz="2000" dirty="0"/>
           </a:p>
           <a:p>
             <a:r>
@@ -6220,22 +6165,21 @@
               <a:t>Two broad families of publishers: </a:t>
             </a:r>
             <a:r>
-              <a:rPr lang="en-US" sz="2000" b="1" i="1" dirty="0" smtClean="0"/>
+              <a:rPr lang="en-US" sz="2000" b="1" i="1" dirty="0"/>
               <a:t>Hot</a:t>
             </a:r>
             <a:r>
-              <a:rPr lang="en-US" sz="2000" dirty="0" smtClean="0"/>
+              <a:rPr lang="en-US" sz="2000" dirty="0"/>
               <a:t> and </a:t>
             </a:r>
             <a:r>
-              <a:rPr lang="en-US" sz="2000" b="1" i="1" dirty="0" smtClean="0"/>
+              <a:rPr lang="en-US" sz="2000" b="1" i="1" dirty="0"/>
               <a:t>Cold</a:t>
             </a:r>
             <a:r>
               <a:rPr lang="en-US" sz="2000" dirty="0"/>
               <a:t>.</a:t>
             </a:r>
-            <a:endParaRPr lang="en-US" sz="2000" dirty="0" smtClean="0"/>
           </a:p>
         </p:txBody>
       </p:sp>
@@ -6429,28 +6373,27 @@
               <a:buNone/>
             </a:pPr>
             <a:r>
-              <a:rPr lang="en-US" sz="2000" b="1" i="1" dirty="0" smtClean="0"/>
+              <a:rPr lang="en-US" sz="2000" b="1" i="1" dirty="0"/>
               <a:t>Cold</a:t>
             </a:r>
             <a:r>
-              <a:rPr lang="en-US" sz="2000" dirty="0" smtClean="0"/>
+              <a:rPr lang="en-US" sz="2000" dirty="0"/>
               <a:t> Publisher</a:t>
             </a:r>
           </a:p>
           <a:p>
             <a:pPr lvl="1"/>
             <a:r>
-              <a:rPr lang="en-US" sz="1600" dirty="0" smtClean="0"/>
+              <a:rPr lang="en-US" sz="1600" dirty="0"/>
               <a:t>generate data anew for each subscription. </a:t>
             </a:r>
           </a:p>
           <a:p>
             <a:pPr lvl="1"/>
             <a:r>
-              <a:rPr lang="en-US" sz="1600" dirty="0" smtClean="0"/>
+              <a:rPr lang="en-US" sz="1600" dirty="0"/>
               <a:t>no subscription is created, data never gets generated.</a:t>
             </a:r>
-            <a:endParaRPr lang="en-US" sz="1600" dirty="0"/>
           </a:p>
         </p:txBody>
       </p:sp>
@@ -6642,25 +6585,25 @@
               <a:buNone/>
             </a:pPr>
             <a:r>
-              <a:rPr lang="en-US" sz="2000" b="1" i="1" dirty="0" smtClean="0"/>
+              <a:rPr lang="en-US" sz="2000" b="1" i="1" dirty="0"/>
               <a:t>Hot</a:t>
             </a:r>
             <a:r>
-              <a:rPr lang="en-US" sz="2000" dirty="0" smtClean="0"/>
+              <a:rPr lang="en-US" sz="2000" dirty="0"/>
               <a:t> Publisher</a:t>
             </a:r>
           </a:p>
           <a:p>
             <a:pPr lvl="1"/>
             <a:r>
-              <a:rPr lang="en-US" sz="1600" dirty="0" smtClean="0"/>
+              <a:rPr lang="en-US" sz="1600" dirty="0"/>
               <a:t>start publishing data right away </a:t>
             </a:r>
           </a:p>
           <a:p>
             <a:pPr lvl="1"/>
             <a:r>
-              <a:rPr lang="en-US" sz="1600" dirty="0" smtClean="0"/>
+              <a:rPr lang="en-US" sz="1600" dirty="0"/>
               <a:t>continue doing so whenever a new Subscriber comes in</a:t>
             </a:r>
           </a:p>
@@ -6670,26 +6613,25 @@
               <a:buNone/>
             </a:pPr>
             <a:r>
-              <a:rPr lang="en-US" sz="1600" b="1" u="sng" dirty="0" smtClean="0"/>
+              <a:rPr lang="en-US" sz="1600" b="1" u="sng" dirty="0"/>
               <a:t>Note:</a:t>
             </a:r>
             <a:r>
-              <a:rPr lang="en-US" sz="1600" i="1" dirty="0" smtClean="0"/>
+              <a:rPr lang="en-US" sz="1600" i="1" dirty="0"/>
               <a:t> </a:t>
             </a:r>
             <a:r>
-              <a:rPr lang="en-US" sz="1600" dirty="0" smtClean="0"/>
+              <a:rPr lang="en-US" sz="1600" dirty="0"/>
               <a:t>maybe </a:t>
             </a:r>
             <a:r>
-              <a:rPr lang="en-US" sz="1600" i="1" dirty="0" smtClean="0"/>
+              <a:rPr lang="en-US" sz="1600" i="1" dirty="0"/>
               <a:t>something</a:t>
             </a:r>
             <a:r>
-              <a:rPr lang="en-US" sz="1600" dirty="0" smtClean="0"/>
+              <a:rPr lang="en-US" sz="1600" dirty="0"/>
               <a:t> does indeed happen before you subscribe</a:t>
             </a:r>
-            <a:endParaRPr lang="en-US" sz="1600" dirty="0"/>
           </a:p>
         </p:txBody>
       </p:sp>
@@ -6763,22 +6705,14 @@
           <a:lstStyle/>
           <a:p>
             <a:r>
-              <a:rPr lang="en-US" sz="2000" dirty="0" smtClean="0"/>
-              <a:t>Generate </a:t>
-            </a:r>
-            <a:r>
               <a:rPr lang="en-US" sz="2000" dirty="0"/>
-              <a:t>data anew for each subscription. </a:t>
-            </a:r>
-          </a:p>
-          <a:p>
-            <a:r>
-              <a:rPr lang="en-US" sz="2000" dirty="0" smtClean="0"/>
-              <a:t>No </a:t>
-            </a:r>
+              <a:t>Generate data anew for each subscription. </a:t>
+            </a:r>
+          </a:p>
+          <a:p>
             <a:r>
               <a:rPr lang="en-US" sz="2000" dirty="0"/>
-              <a:t>subscription is created, data never gets generated.</a:t>
+              <a:t>No subscription is created, data never gets generated.</a:t>
             </a:r>
           </a:p>
         </p:txBody>
@@ -7095,14 +7029,9 @@
                 <a:buChar char="-"/>
               </a:pPr>
               <a:r>
-                <a:rPr lang="en-US" sz="1200" dirty="0" smtClean="0"/>
-                <a:t>Generate </a:t>
+                <a:rPr lang="en-US" sz="1200" dirty="0"/>
+                <a:t>Generate data anew for each subscription </a:t>
               </a:r>
-              <a:r>
-                <a:rPr lang="en-US" sz="1200" dirty="0"/>
-                <a:t>data anew for each subscription </a:t>
-              </a:r>
-              <a:endParaRPr lang="en-US" sz="1200" dirty="0" smtClean="0"/>
             </a:p>
             <a:p>
               <a:pPr marL="285750" indent="-285750">
@@ -7110,10 +7039,9 @@
                 <a:buChar char="-"/>
               </a:pPr>
               <a:r>
-                <a:rPr lang="en-US" sz="1200" dirty="0" smtClean="0"/>
+                <a:rPr lang="en-US" sz="1200" dirty="0"/>
                 <a:t>Same data Stream for 2 Subscribers</a:t>
               </a:r>
-              <a:endParaRPr lang="en-US" sz="1200" dirty="0"/>
             </a:p>
           </p:txBody>
         </p:sp>
@@ -7164,10 +7092,9 @@
           <a:lstStyle/>
           <a:p>
             <a:r>
-              <a:rPr lang="en-US" dirty="0" smtClean="0"/>
+              <a:rPr lang="en-US" dirty="0"/>
               <a:t>Hot Publisher</a:t>
             </a:r>
-            <a:endParaRPr lang="en-US" dirty="0"/>
           </a:p>
         </p:txBody>
       </p:sp>
@@ -7189,22 +7116,14 @@
           <a:lstStyle/>
           <a:p>
             <a:r>
-              <a:rPr lang="en-US" sz="2000" dirty="0" smtClean="0"/>
-              <a:t>Start </a:t>
-            </a:r>
-            <a:r>
               <a:rPr lang="en-US" sz="2000" dirty="0"/>
-              <a:t>publishing data right away </a:t>
-            </a:r>
-          </a:p>
-          <a:p>
-            <a:r>
-              <a:rPr lang="en-US" sz="2000" dirty="0" smtClean="0"/>
-              <a:t>Continue </a:t>
-            </a:r>
+              <a:t>Start publishing data right away </a:t>
+            </a:r>
+          </a:p>
+          <a:p>
             <a:r>
               <a:rPr lang="en-US" sz="2000" dirty="0"/>
-              <a:t>doing so whenever a new Subscriber comes in</a:t>
+              <a:t>Continue doing so whenever a new Subscriber comes in</a:t>
             </a:r>
           </a:p>
           <a:p>
@@ -7296,17 +7215,16 @@
             <a:lstStyle/>
             <a:p>
               <a:r>
-                <a:rPr lang="en-US" sz="1200" dirty="0" smtClean="0"/>
+                <a:rPr lang="en-US" sz="1200" dirty="0"/>
                 <a:t>Second Publisher misses 2 items </a:t>
               </a:r>
               <a:br>
-                <a:rPr lang="en-US" sz="1200" dirty="0" smtClean="0"/>
+                <a:rPr lang="en-US" sz="1200" dirty="0"/>
               </a:br>
               <a:r>
-                <a:rPr lang="en-US" sz="1200" dirty="0" smtClean="0"/>
+                <a:rPr lang="en-US" sz="1200" dirty="0"/>
                 <a:t>that published before subscribing</a:t>
               </a:r>
-              <a:endParaRPr lang="en-US" sz="1200" dirty="0"/>
             </a:p>
           </p:txBody>
         </p:sp>
@@ -7564,7 +7482,6 @@
               <a:rPr lang="en-US" dirty="0"/>
               <a:t>Threading and Schedulers</a:t>
             </a:r>
-            <a:endParaRPr lang="en-US" dirty="0"/>
           </a:p>
         </p:txBody>
       </p:sp>
@@ -7633,10 +7550,9 @@
           <a:lstStyle/>
           <a:p>
             <a:r>
-              <a:rPr lang="en-US" dirty="0" smtClean="0"/>
-              <a:t>Reactive Schedule </a:t>
-            </a:r>
-            <a:endParaRPr lang="en-US" dirty="0"/>
+              <a:rPr lang="en-US" dirty="0"/>
+              <a:t>Reactor Scheduler</a:t>
+            </a:r>
           </a:p>
         </p:txBody>
       </p:sp>
@@ -7652,16 +7568,98 @@
         </p:nvSpPr>
         <p:spPr/>
         <p:txBody>
-          <a:bodyPr/>
-          <a:lstStyle/>
-          <a:p>
-            <a:endParaRPr lang="en-US"/>
-          </a:p>
-        </p:txBody>
-      </p:sp>
-      <p:sp>
-        <p:nvSpPr>
-          <p:cNvPr id="4" name="Content Placeholder 3"/>
+          <a:bodyPr>
+            <a:normAutofit/>
+          </a:bodyPr>
+          <a:lstStyle/>
+          <a:p>
+            <a:r>
+              <a:rPr lang="en-US" sz="2000" dirty="0"/>
+              <a:t>The execution model and where the execution happens is determined by the </a:t>
+            </a:r>
+            <a:r>
+              <a:rPr lang="en-US" sz="2000" b="1" i="1" dirty="0"/>
+              <a:t>Scheduler</a:t>
+            </a:r>
+            <a:r>
+              <a:rPr lang="en-US" sz="2000" dirty="0"/>
+              <a:t> that is used. </a:t>
+            </a:r>
+          </a:p>
+          <a:p>
+            <a:pPr lvl="1"/>
+            <a:r>
+              <a:rPr lang="en-US" sz="1800" dirty="0"/>
+              <a:t>By default, Reactor operators will be executed on thread of subscription.</a:t>
+            </a:r>
+          </a:p>
+          <a:p>
+            <a:r>
+              <a:rPr lang="en-US" sz="2000" b="1" i="1" dirty="0"/>
+              <a:t>Scheduler </a:t>
+            </a:r>
+            <a:r>
+              <a:rPr lang="en-US" sz="2000" dirty="0"/>
+              <a:t>is like an </a:t>
+            </a:r>
+            <a:r>
+              <a:rPr lang="en-US" sz="2000" i="1" dirty="0" err="1"/>
+              <a:t>ExecutorService</a:t>
+            </a:r>
+            <a:r>
+              <a:rPr lang="en-US" sz="2000" dirty="0"/>
+              <a:t> to take responsibilities the execution of reactive chains</a:t>
+            </a:r>
+          </a:p>
+          <a:p>
+            <a:r>
+              <a:rPr lang="en-US" sz="2000" dirty="0"/>
+              <a:t>Reactor offers two means of switching the execution context in a reactive chain:</a:t>
+            </a:r>
+          </a:p>
+          <a:p>
+            <a:pPr lvl="1"/>
+            <a:r>
+              <a:rPr lang="en-US" sz="1600" b="1" i="1" dirty="0" err="1"/>
+              <a:t>publishOn</a:t>
+            </a:r>
+            <a:r>
+              <a:rPr lang="en-US" sz="1600" b="1" i="1" dirty="0"/>
+              <a:t> </a:t>
+            </a:r>
+            <a:r>
+              <a:rPr lang="en-US" sz="1600" i="1" dirty="0"/>
+              <a:t>method</a:t>
+            </a:r>
+            <a:r>
+              <a:rPr lang="en-US" sz="1600" dirty="0"/>
+              <a:t>: affects to assembly time, where reactive chains executed </a:t>
+            </a:r>
+          </a:p>
+          <a:p>
+            <a:pPr lvl="1"/>
+            <a:r>
+              <a:rPr lang="en-US" sz="1600" b="1" i="1" dirty="0" err="1"/>
+              <a:t>subscribeOn</a:t>
+            </a:r>
+            <a:r>
+              <a:rPr lang="en-US" sz="1600" b="1" i="1" dirty="0"/>
+              <a:t> </a:t>
+            </a:r>
+            <a:r>
+              <a:rPr lang="en-US" sz="1600" i="1" dirty="0"/>
+              <a:t>method</a:t>
+            </a:r>
+            <a:r>
+              <a:rPr lang="en-US" sz="1600" dirty="0"/>
+              <a:t>: affects the context of the source emission</a:t>
+            </a:r>
+          </a:p>
+        </p:txBody>
+      </p:sp>
+      <p:sp>
+        <p:nvSpPr>
+          <p:cNvPr id="6" name="Content Placeholder 5"/>
           <p:cNvSpPr>
             <a:spLocks noGrp="1"/>
           </p:cNvSpPr>
@@ -7671,10 +7669,113 @@
         </p:nvSpPr>
         <p:spPr/>
         <p:txBody>
-          <a:bodyPr/>
-          <a:lstStyle/>
-          <a:p>
-            <a:endParaRPr lang="en-US"/>
+          <a:bodyPr>
+            <a:normAutofit/>
+          </a:bodyPr>
+          <a:lstStyle/>
+          <a:p>
+            <a:r>
+              <a:rPr lang="en-US" sz="2000" dirty="0"/>
+              <a:t>Reactor Execution Contexts (</a:t>
+            </a:r>
+            <a:r>
+              <a:rPr lang="en-US" sz="2000" b="1" i="1" dirty="0"/>
+              <a:t>Schedulers</a:t>
+            </a:r>
+            <a:r>
+              <a:rPr lang="en-US" sz="2000" dirty="0"/>
+              <a:t>):</a:t>
+            </a:r>
+          </a:p>
+          <a:p>
+            <a:pPr lvl="1"/>
+            <a:r>
+              <a:rPr lang="en-US" sz="1600" dirty="0"/>
+              <a:t>Using current Thread for execution context (</a:t>
+            </a:r>
+            <a:r>
+              <a:rPr lang="en-US" sz="1600" b="1" i="1" dirty="0" err="1"/>
+              <a:t>Schedulers.immediate</a:t>
+            </a:r>
+            <a:r>
+              <a:rPr lang="en-US" sz="1600" b="1" i="1" dirty="0"/>
+              <a:t>()</a:t>
+            </a:r>
+            <a:r>
+              <a:rPr lang="en-US" sz="1600" dirty="0"/>
+              <a:t>).</a:t>
+            </a:r>
+          </a:p>
+          <a:p>
+            <a:pPr lvl="1"/>
+            <a:r>
+              <a:rPr lang="en-US" sz="1600" dirty="0"/>
+              <a:t>A single, reusable thread (</a:t>
+            </a:r>
+            <a:r>
+              <a:rPr lang="en-US" sz="1600" b="1" i="1" dirty="0" err="1"/>
+              <a:t>Schedulers.single</a:t>
+            </a:r>
+            <a:r>
+              <a:rPr lang="en-US" sz="1600" b="1" i="1" dirty="0"/>
+              <a:t>())</a:t>
+            </a:r>
+          </a:p>
+          <a:p>
+            <a:pPr lvl="1"/>
+            <a:r>
+              <a:rPr lang="en-US" sz="1600" dirty="0"/>
+              <a:t>A fixed pool of workers (</a:t>
+            </a:r>
+            <a:r>
+              <a:rPr lang="en-US" sz="1600" b="1" i="1" dirty="0" err="1"/>
+              <a:t>Schedulers.parallel</a:t>
+            </a:r>
+            <a:r>
+              <a:rPr lang="en-US" sz="1600" b="1" i="1" dirty="0"/>
+              <a:t>()</a:t>
+            </a:r>
+            <a:r>
+              <a:rPr lang="en-US" sz="1600" dirty="0"/>
+              <a:t>). </a:t>
+            </a:r>
+          </a:p>
+          <a:p>
+            <a:pPr lvl="1"/>
+            <a:r>
+              <a:rPr lang="en-US" sz="1600" dirty="0"/>
+              <a:t>A bounded elastic thread pool (</a:t>
+            </a:r>
+            <a:r>
+              <a:rPr lang="en-US" sz="1600" b="1" i="1" dirty="0" err="1"/>
+              <a:t>Schedulers.boundedElastic</a:t>
+            </a:r>
+            <a:r>
+              <a:rPr lang="en-US" sz="1600" b="1" i="1" dirty="0"/>
+              <a:t>()</a:t>
+            </a:r>
+            <a:r>
+              <a:rPr lang="en-US" sz="1600" dirty="0"/>
+              <a:t>)</a:t>
+            </a:r>
+          </a:p>
+          <a:p>
+            <a:pPr lvl="2"/>
+            <a:r>
+              <a:rPr lang="en-US" sz="1200" dirty="0"/>
+              <a:t>creates new worker pools as needed and reuses idle ones. </a:t>
+            </a:r>
+          </a:p>
+          <a:p>
+            <a:pPr lvl="2"/>
+            <a:r>
+              <a:rPr lang="en-US" sz="1200" dirty="0"/>
+              <a:t>worker pools that stay idle for too long (the default is 60s) are disposed</a:t>
+            </a:r>
+          </a:p>
+          <a:p>
+            <a:pPr lvl="1"/>
+            <a:endParaRPr lang="en-US" sz="1600" dirty="0"/>
           </a:p>
         </p:txBody>
       </p:sp>
@@ -7688,13 +7789,6 @@
   <p:clrMapOvr>
     <a:masterClrMapping/>
   </p:clrMapOvr>
-  <p:timing>
-    <p:tnLst>
-      <p:par>
-        <p:cTn id="1" dur="indefinite" restart="never" nodeType="tmRoot"/>
-      </p:par>
-    </p:tnLst>
-  </p:timing>
 </p:sld>
 </file>
 
@@ -7731,10 +7825,17 @@
           <a:lstStyle/>
           <a:p>
             <a:r>
-              <a:rPr lang="en-US" dirty="0" smtClean="0"/>
-              <a:t>Unit Testing</a:t>
-            </a:r>
-            <a:endParaRPr lang="en-US" dirty="0"/>
+              <a:rPr lang="en-US" b="1" i="1" dirty="0" err="1"/>
+              <a:t>publishOn</a:t>
+            </a:r>
+            <a:r>
+              <a:rPr lang="en-US" b="1" i="1" dirty="0"/>
+              <a:t> </a:t>
+            </a:r>
+            <a:r>
+              <a:rPr lang="en-US" dirty="0"/>
+              <a:t>method</a:t>
+            </a:r>
           </a:p>
         </p:txBody>
       </p:sp>
@@ -7779,7 +7880,7 @@
     </p:spTree>
     <p:extLst>
       <p:ext uri="{BB962C8B-B14F-4D97-AF65-F5344CB8AC3E}">
-        <p14:creationId xmlns:p14="http://schemas.microsoft.com/office/powerpoint/2010/main" val="553589534"/>
+        <p14:creationId xmlns:p14="http://schemas.microsoft.com/office/powerpoint/2010/main" val="839211427"/>
       </p:ext>
     </p:extLst>
   </p:cSld>
@@ -7808,13 +7909,7 @@
       </p:grpSpPr>
       <p:sp>
         <p:nvSpPr>
-          <p:cNvPr id="2" name="Title 1">
-            <a:extLst>
-              <a:ext uri="{FF2B5EF4-FFF2-40B4-BE49-F238E27FC236}">
-                <a16:creationId xmlns:a16="http://schemas.microsoft.com/office/drawing/2014/main" xmlns="" id="{991DD00B-C80A-4C37-9B90-F34672F17AF6}"/>
-              </a:ext>
-            </a:extLst>
-          </p:cNvPr>
+          <p:cNvPr id="2" name="Title 1"/>
           <p:cNvSpPr>
             <a:spLocks noGrp="1"/>
           </p:cNvSpPr>
@@ -7827,99 +7922,48 @@
           <a:bodyPr/>
           <a:lstStyle/>
           <a:p>
+            <a:r>
+              <a:rPr lang="en-US" b="1" i="1" dirty="0" err="1"/>
+              <a:t>subscribeOn</a:t>
+            </a:r>
+            <a:r>
+              <a:rPr lang="en-US" b="1" i="1" dirty="0"/>
+              <a:t> </a:t>
+            </a:r>
+            <a:r>
+              <a:rPr lang="en-US" dirty="0"/>
+              <a:t>method</a:t>
+            </a:r>
+          </a:p>
+        </p:txBody>
+      </p:sp>
+      <p:sp>
+        <p:nvSpPr>
+          <p:cNvPr id="3" name="Content Placeholder 2"/>
+          <p:cNvSpPr>
+            <a:spLocks noGrp="1"/>
+          </p:cNvSpPr>
+          <p:nvPr>
+            <p:ph sz="half" idx="1"/>
+          </p:nvPr>
+        </p:nvSpPr>
+        <p:spPr/>
+        <p:txBody>
+          <a:bodyPr/>
+          <a:lstStyle/>
+          <a:p>
             <a:endParaRPr lang="en-US"/>
           </a:p>
         </p:txBody>
       </p:sp>
       <p:sp>
         <p:nvSpPr>
-          <p:cNvPr id="3" name="Text Placeholder 2">
-            <a:extLst>
-              <a:ext uri="{FF2B5EF4-FFF2-40B4-BE49-F238E27FC236}">
-                <a16:creationId xmlns:a16="http://schemas.microsoft.com/office/drawing/2014/main" xmlns="" id="{CA3A04D4-0681-4FA1-ABC5-FE3C5B63AD2E}"/>
-              </a:ext>
-            </a:extLst>
-          </p:cNvPr>
-          <p:cNvSpPr>
-            <a:spLocks noGrp="1"/>
-          </p:cNvSpPr>
-          <p:nvPr>
-            <p:ph type="body" idx="1"/>
-          </p:nvPr>
-        </p:nvSpPr>
-        <p:spPr/>
-        <p:txBody>
-          <a:bodyPr/>
-          <a:lstStyle/>
-          <a:p>
-            <a:endParaRPr lang="en-US"/>
-          </a:p>
-        </p:txBody>
-      </p:sp>
-      <p:sp>
-        <p:nvSpPr>
-          <p:cNvPr id="4" name="Content Placeholder 3">
-            <a:extLst>
-              <a:ext uri="{FF2B5EF4-FFF2-40B4-BE49-F238E27FC236}">
-                <a16:creationId xmlns:a16="http://schemas.microsoft.com/office/drawing/2014/main" xmlns="" id="{96A72ED2-0E10-4B10-88DD-EC4AB93A6006}"/>
-              </a:ext>
-            </a:extLst>
-          </p:cNvPr>
+          <p:cNvPr id="4" name="Content Placeholder 3"/>
           <p:cNvSpPr>
             <a:spLocks noGrp="1"/>
           </p:cNvSpPr>
           <p:nvPr>
             <p:ph sz="half" idx="2"/>
-          </p:nvPr>
-        </p:nvSpPr>
-        <p:spPr/>
-        <p:txBody>
-          <a:bodyPr/>
-          <a:lstStyle/>
-          <a:p>
-            <a:endParaRPr lang="en-US"/>
-          </a:p>
-        </p:txBody>
-      </p:sp>
-      <p:sp>
-        <p:nvSpPr>
-          <p:cNvPr id="5" name="Text Placeholder 4">
-            <a:extLst>
-              <a:ext uri="{FF2B5EF4-FFF2-40B4-BE49-F238E27FC236}">
-                <a16:creationId xmlns:a16="http://schemas.microsoft.com/office/drawing/2014/main" xmlns="" id="{7C0ACC84-5D45-440B-BAAB-C03B5ADB6196}"/>
-              </a:ext>
-            </a:extLst>
-          </p:cNvPr>
-          <p:cNvSpPr>
-            <a:spLocks noGrp="1"/>
-          </p:cNvSpPr>
-          <p:nvPr>
-            <p:ph type="body" sz="quarter" idx="3"/>
-          </p:nvPr>
-        </p:nvSpPr>
-        <p:spPr/>
-        <p:txBody>
-          <a:bodyPr/>
-          <a:lstStyle/>
-          <a:p>
-            <a:endParaRPr lang="en-US"/>
-          </a:p>
-        </p:txBody>
-      </p:sp>
-      <p:sp>
-        <p:nvSpPr>
-          <p:cNvPr id="6" name="Content Placeholder 5">
-            <a:extLst>
-              <a:ext uri="{FF2B5EF4-FFF2-40B4-BE49-F238E27FC236}">
-                <a16:creationId xmlns:a16="http://schemas.microsoft.com/office/drawing/2014/main" xmlns="" id="{AAB01861-EC0C-4528-9411-2375DD1BC430}"/>
-              </a:ext>
-            </a:extLst>
-          </p:cNvPr>
-          <p:cNvSpPr>
-            <a:spLocks noGrp="1"/>
-          </p:cNvSpPr>
-          <p:nvPr>
-            <p:ph sz="quarter" idx="4"/>
           </p:nvPr>
         </p:nvSpPr>
         <p:spPr/>
@@ -7934,7 +7978,83 @@
     </p:spTree>
     <p:extLst>
       <p:ext uri="{BB962C8B-B14F-4D97-AF65-F5344CB8AC3E}">
-        <p14:creationId xmlns:p14="http://schemas.microsoft.com/office/powerpoint/2010/main" val="3693318165"/>
+        <p14:creationId xmlns:p14="http://schemas.microsoft.com/office/powerpoint/2010/main" val="466380793"/>
+      </p:ext>
+    </p:extLst>
+  </p:cSld>
+  <p:clrMapOvr>
+    <a:masterClrMapping/>
+  </p:clrMapOvr>
+</p:sld>
+</file>
+
+<file path=ppt/slides/slide29.xml><?xml version="1.0" encoding="utf-8"?>
+<p:sld xmlns:a="http://schemas.openxmlformats.org/drawingml/2006/main" xmlns:r="http://schemas.openxmlformats.org/officeDocument/2006/relationships" xmlns:p="http://schemas.openxmlformats.org/presentationml/2006/main">
+  <p:cSld>
+    <p:spTree>
+      <p:nvGrpSpPr>
+        <p:cNvPr id="1" name=""/>
+        <p:cNvGrpSpPr/>
+        <p:nvPr/>
+      </p:nvGrpSpPr>
+      <p:grpSpPr>
+        <a:xfrm>
+          <a:off x="0" y="0"/>
+          <a:ext cx="0" cy="0"/>
+          <a:chOff x="0" y="0"/>
+          <a:chExt cx="0" cy="0"/>
+        </a:xfrm>
+      </p:grpSpPr>
+      <p:sp>
+        <p:nvSpPr>
+          <p:cNvPr id="7" name="Title 6"/>
+          <p:cNvSpPr>
+            <a:spLocks noGrp="1"/>
+          </p:cNvSpPr>
+          <p:nvPr>
+            <p:ph type="title"/>
+          </p:nvPr>
+        </p:nvSpPr>
+        <p:spPr/>
+        <p:txBody>
+          <a:bodyPr/>
+          <a:lstStyle/>
+          <a:p>
+            <a:r>
+              <a:rPr lang="en-US" dirty="0"/>
+              <a:t>Unit Testing </a:t>
+            </a:r>
+            <a:r>
+              <a:rPr lang="en-US"/>
+              <a:t>with Reactor</a:t>
+            </a:r>
+            <a:endParaRPr lang="en-US" dirty="0"/>
+          </a:p>
+        </p:txBody>
+      </p:sp>
+      <p:sp>
+        <p:nvSpPr>
+          <p:cNvPr id="8" name="Text Placeholder 7"/>
+          <p:cNvSpPr>
+            <a:spLocks noGrp="1"/>
+          </p:cNvSpPr>
+          <p:nvPr>
+            <p:ph type="body" idx="1"/>
+          </p:nvPr>
+        </p:nvSpPr>
+        <p:spPr/>
+        <p:txBody>
+          <a:bodyPr/>
+          <a:lstStyle/>
+          <a:p>
+            <a:endParaRPr lang="en-US"/>
+          </a:p>
+        </p:txBody>
+      </p:sp>
+    </p:spTree>
+    <p:extLst>
+      <p:ext uri="{BB962C8B-B14F-4D97-AF65-F5344CB8AC3E}">
+        <p14:creationId xmlns:p14="http://schemas.microsoft.com/office/powerpoint/2010/main" val="3710687935"/>
       </p:ext>
     </p:extLst>
   </p:cSld>
@@ -7966,7 +8086,7 @@
           <p:cNvPr id="6" name="Title 5">
             <a:extLst>
               <a:ext uri="{FF2B5EF4-FFF2-40B4-BE49-F238E27FC236}">
-                <a16:creationId xmlns:a16="http://schemas.microsoft.com/office/drawing/2014/main" xmlns="" id="{983E8B40-E689-4DDA-82EB-1E120EA4ECA6}"/>
+                <a16:creationId xmlns:a16="http://schemas.microsoft.com/office/drawing/2014/main" id="{983E8B40-E689-4DDA-82EB-1E120EA4ECA6}"/>
               </a:ext>
             </a:extLst>
           </p:cNvPr>
@@ -7996,7 +8116,7 @@
           <p:cNvPr id="7" name="Text Placeholder 6">
             <a:extLst>
               <a:ext uri="{FF2B5EF4-FFF2-40B4-BE49-F238E27FC236}">
-                <a16:creationId xmlns:a16="http://schemas.microsoft.com/office/drawing/2014/main" xmlns="" id="{E5A9D391-AE1D-4608-8F33-1F63B85E0D6A}"/>
+                <a16:creationId xmlns:a16="http://schemas.microsoft.com/office/drawing/2014/main" id="{E5A9D391-AE1D-4608-8F33-1F63B85E0D6A}"/>
               </a:ext>
             </a:extLst>
           </p:cNvPr>
@@ -8023,6 +8143,251 @@
     <p:extLst>
       <p:ext uri="{BB962C8B-B14F-4D97-AF65-F5344CB8AC3E}">
         <p14:creationId xmlns:p14="http://schemas.microsoft.com/office/powerpoint/2010/main" val="1364534887"/>
+      </p:ext>
+    </p:extLst>
+  </p:cSld>
+  <p:clrMapOvr>
+    <a:masterClrMapping/>
+  </p:clrMapOvr>
+</p:sld>
+</file>
+
+<file path=ppt/slides/slide30.xml><?xml version="1.0" encoding="utf-8"?>
+<p:sld xmlns:a="http://schemas.openxmlformats.org/drawingml/2006/main" xmlns:r="http://schemas.openxmlformats.org/officeDocument/2006/relationships" xmlns:p="http://schemas.openxmlformats.org/presentationml/2006/main">
+  <p:cSld>
+    <p:spTree>
+      <p:nvGrpSpPr>
+        <p:cNvPr id="1" name=""/>
+        <p:cNvGrpSpPr/>
+        <p:nvPr/>
+      </p:nvGrpSpPr>
+      <p:grpSpPr>
+        <a:xfrm>
+          <a:off x="0" y="0"/>
+          <a:ext cx="0" cy="0"/>
+          <a:chOff x="0" y="0"/>
+          <a:chExt cx="0" cy="0"/>
+        </a:xfrm>
+      </p:grpSpPr>
+      <p:sp>
+        <p:nvSpPr>
+          <p:cNvPr id="2" name="Title 1"/>
+          <p:cNvSpPr>
+            <a:spLocks noGrp="1"/>
+          </p:cNvSpPr>
+          <p:nvPr>
+            <p:ph type="title"/>
+          </p:nvPr>
+        </p:nvSpPr>
+        <p:spPr/>
+        <p:txBody>
+          <a:bodyPr/>
+          <a:lstStyle/>
+          <a:p>
+            <a:r>
+              <a:rPr lang="en-US" dirty="0"/>
+              <a:t>Unit Testing</a:t>
+            </a:r>
+          </a:p>
+        </p:txBody>
+      </p:sp>
+      <p:sp>
+        <p:nvSpPr>
+          <p:cNvPr id="3" name="Content Placeholder 2"/>
+          <p:cNvSpPr>
+            <a:spLocks noGrp="1"/>
+          </p:cNvSpPr>
+          <p:nvPr>
+            <p:ph sz="half" idx="1"/>
+          </p:nvPr>
+        </p:nvSpPr>
+        <p:spPr/>
+        <p:txBody>
+          <a:bodyPr/>
+          <a:lstStyle/>
+          <a:p>
+            <a:endParaRPr lang="en-US"/>
+          </a:p>
+        </p:txBody>
+      </p:sp>
+      <p:sp>
+        <p:nvSpPr>
+          <p:cNvPr id="4" name="Content Placeholder 3"/>
+          <p:cNvSpPr>
+            <a:spLocks noGrp="1"/>
+          </p:cNvSpPr>
+          <p:nvPr>
+            <p:ph sz="half" idx="2"/>
+          </p:nvPr>
+        </p:nvSpPr>
+        <p:spPr/>
+        <p:txBody>
+          <a:bodyPr/>
+          <a:lstStyle/>
+          <a:p>
+            <a:endParaRPr lang="en-US"/>
+          </a:p>
+        </p:txBody>
+      </p:sp>
+    </p:spTree>
+    <p:extLst>
+      <p:ext uri="{BB962C8B-B14F-4D97-AF65-F5344CB8AC3E}">
+        <p14:creationId xmlns:p14="http://schemas.microsoft.com/office/powerpoint/2010/main" val="553589534"/>
+      </p:ext>
+    </p:extLst>
+  </p:cSld>
+  <p:clrMapOvr>
+    <a:masterClrMapping/>
+  </p:clrMapOvr>
+</p:sld>
+</file>
+
+<file path=ppt/slides/slide31.xml><?xml version="1.0" encoding="utf-8"?>
+<p:sld xmlns:a="http://schemas.openxmlformats.org/drawingml/2006/main" xmlns:r="http://schemas.openxmlformats.org/officeDocument/2006/relationships" xmlns:p="http://schemas.openxmlformats.org/presentationml/2006/main">
+  <p:cSld>
+    <p:spTree>
+      <p:nvGrpSpPr>
+        <p:cNvPr id="1" name=""/>
+        <p:cNvGrpSpPr/>
+        <p:nvPr/>
+      </p:nvGrpSpPr>
+      <p:grpSpPr>
+        <a:xfrm>
+          <a:off x="0" y="0"/>
+          <a:ext cx="0" cy="0"/>
+          <a:chOff x="0" y="0"/>
+          <a:chExt cx="0" cy="0"/>
+        </a:xfrm>
+      </p:grpSpPr>
+      <p:sp>
+        <p:nvSpPr>
+          <p:cNvPr id="2" name="Title 1">
+            <a:extLst>
+              <a:ext uri="{FF2B5EF4-FFF2-40B4-BE49-F238E27FC236}">
+                <a16:creationId xmlns:a16="http://schemas.microsoft.com/office/drawing/2014/main" id="{991DD00B-C80A-4C37-9B90-F34672F17AF6}"/>
+              </a:ext>
+            </a:extLst>
+          </p:cNvPr>
+          <p:cNvSpPr>
+            <a:spLocks noGrp="1"/>
+          </p:cNvSpPr>
+          <p:nvPr>
+            <p:ph type="title"/>
+          </p:nvPr>
+        </p:nvSpPr>
+        <p:spPr/>
+        <p:txBody>
+          <a:bodyPr/>
+          <a:lstStyle/>
+          <a:p>
+            <a:endParaRPr lang="en-US"/>
+          </a:p>
+        </p:txBody>
+      </p:sp>
+      <p:sp>
+        <p:nvSpPr>
+          <p:cNvPr id="3" name="Text Placeholder 2">
+            <a:extLst>
+              <a:ext uri="{FF2B5EF4-FFF2-40B4-BE49-F238E27FC236}">
+                <a16:creationId xmlns:a16="http://schemas.microsoft.com/office/drawing/2014/main" id="{CA3A04D4-0681-4FA1-ABC5-FE3C5B63AD2E}"/>
+              </a:ext>
+            </a:extLst>
+          </p:cNvPr>
+          <p:cNvSpPr>
+            <a:spLocks noGrp="1"/>
+          </p:cNvSpPr>
+          <p:nvPr>
+            <p:ph type="body" idx="1"/>
+          </p:nvPr>
+        </p:nvSpPr>
+        <p:spPr/>
+        <p:txBody>
+          <a:bodyPr/>
+          <a:lstStyle/>
+          <a:p>
+            <a:endParaRPr lang="en-US"/>
+          </a:p>
+        </p:txBody>
+      </p:sp>
+      <p:sp>
+        <p:nvSpPr>
+          <p:cNvPr id="4" name="Content Placeholder 3">
+            <a:extLst>
+              <a:ext uri="{FF2B5EF4-FFF2-40B4-BE49-F238E27FC236}">
+                <a16:creationId xmlns:a16="http://schemas.microsoft.com/office/drawing/2014/main" id="{96A72ED2-0E10-4B10-88DD-EC4AB93A6006}"/>
+              </a:ext>
+            </a:extLst>
+          </p:cNvPr>
+          <p:cNvSpPr>
+            <a:spLocks noGrp="1"/>
+          </p:cNvSpPr>
+          <p:nvPr>
+            <p:ph sz="half" idx="2"/>
+          </p:nvPr>
+        </p:nvSpPr>
+        <p:spPr/>
+        <p:txBody>
+          <a:bodyPr/>
+          <a:lstStyle/>
+          <a:p>
+            <a:endParaRPr lang="en-US"/>
+          </a:p>
+        </p:txBody>
+      </p:sp>
+      <p:sp>
+        <p:nvSpPr>
+          <p:cNvPr id="5" name="Text Placeholder 4">
+            <a:extLst>
+              <a:ext uri="{FF2B5EF4-FFF2-40B4-BE49-F238E27FC236}">
+                <a16:creationId xmlns:a16="http://schemas.microsoft.com/office/drawing/2014/main" id="{7C0ACC84-5D45-440B-BAAB-C03B5ADB6196}"/>
+              </a:ext>
+            </a:extLst>
+          </p:cNvPr>
+          <p:cNvSpPr>
+            <a:spLocks noGrp="1"/>
+          </p:cNvSpPr>
+          <p:nvPr>
+            <p:ph type="body" sz="quarter" idx="3"/>
+          </p:nvPr>
+        </p:nvSpPr>
+        <p:spPr/>
+        <p:txBody>
+          <a:bodyPr/>
+          <a:lstStyle/>
+          <a:p>
+            <a:endParaRPr lang="en-US"/>
+          </a:p>
+        </p:txBody>
+      </p:sp>
+      <p:sp>
+        <p:nvSpPr>
+          <p:cNvPr id="6" name="Content Placeholder 5">
+            <a:extLst>
+              <a:ext uri="{FF2B5EF4-FFF2-40B4-BE49-F238E27FC236}">
+                <a16:creationId xmlns:a16="http://schemas.microsoft.com/office/drawing/2014/main" id="{AAB01861-EC0C-4528-9411-2375DD1BC430}"/>
+              </a:ext>
+            </a:extLst>
+          </p:cNvPr>
+          <p:cNvSpPr>
+            <a:spLocks noGrp="1"/>
+          </p:cNvSpPr>
+          <p:nvPr>
+            <p:ph sz="quarter" idx="4"/>
+          </p:nvPr>
+        </p:nvSpPr>
+        <p:spPr/>
+        <p:txBody>
+          <a:bodyPr/>
+          <a:lstStyle/>
+          <a:p>
+            <a:endParaRPr lang="en-US"/>
+          </a:p>
+        </p:txBody>
+      </p:sp>
+    </p:spTree>
+    <p:extLst>
+      <p:ext uri="{BB962C8B-B14F-4D97-AF65-F5344CB8AC3E}">
+        <p14:creationId xmlns:p14="http://schemas.microsoft.com/office/powerpoint/2010/main" val="3693318165"/>
       </p:ext>
     </p:extLst>
   </p:cSld>
@@ -8054,7 +8419,7 @@
           <p:cNvPr id="2" name="Title 1">
             <a:extLst>
               <a:ext uri="{FF2B5EF4-FFF2-40B4-BE49-F238E27FC236}">
-                <a16:creationId xmlns:a16="http://schemas.microsoft.com/office/drawing/2014/main" xmlns="" id="{6BAD0E3B-FBEA-47F3-BA3F-8CACC195F920}"/>
+                <a16:creationId xmlns:a16="http://schemas.microsoft.com/office/drawing/2014/main" id="{6BAD0E3B-FBEA-47F3-BA3F-8CACC195F920}"/>
               </a:ext>
             </a:extLst>
           </p:cNvPr>
@@ -8079,7 +8444,7 @@
           <p:cNvPr id="3" name="Content Placeholder 2">
             <a:extLst>
               <a:ext uri="{FF2B5EF4-FFF2-40B4-BE49-F238E27FC236}">
-                <a16:creationId xmlns:a16="http://schemas.microsoft.com/office/drawing/2014/main" xmlns="" id="{131BACCE-1925-46F2-8DC3-268367F233FE}"/>
+                <a16:creationId xmlns:a16="http://schemas.microsoft.com/office/drawing/2014/main" id="{131BACCE-1925-46F2-8DC3-268367F233FE}"/>
               </a:ext>
             </a:extLst>
           </p:cNvPr>
@@ -8134,7 +8499,7 @@
           <p:cNvPr id="4" name="Title 3">
             <a:extLst>
               <a:ext uri="{FF2B5EF4-FFF2-40B4-BE49-F238E27FC236}">
-                <a16:creationId xmlns:a16="http://schemas.microsoft.com/office/drawing/2014/main" xmlns="" id="{6902F030-5D44-4CDC-9100-D7B3677548C6}"/>
+                <a16:creationId xmlns:a16="http://schemas.microsoft.com/office/drawing/2014/main" id="{6902F030-5D44-4CDC-9100-D7B3677548C6}"/>
               </a:ext>
             </a:extLst>
           </p:cNvPr>
@@ -8163,7 +8528,7 @@
           <p:cNvPr id="5" name="Text Placeholder 4">
             <a:extLst>
               <a:ext uri="{FF2B5EF4-FFF2-40B4-BE49-F238E27FC236}">
-                <a16:creationId xmlns:a16="http://schemas.microsoft.com/office/drawing/2014/main" xmlns="" id="{1BE6CE75-2136-48E4-A1FC-7B0263D4E8FF}"/>
+                <a16:creationId xmlns:a16="http://schemas.microsoft.com/office/drawing/2014/main" id="{1BE6CE75-2136-48E4-A1FC-7B0263D4E8FF}"/>
               </a:ext>
             </a:extLst>
           </p:cNvPr>
@@ -8221,7 +8586,7 @@
           <p:cNvPr id="2" name="Title 1">
             <a:extLst>
               <a:ext uri="{FF2B5EF4-FFF2-40B4-BE49-F238E27FC236}">
-                <a16:creationId xmlns:a16="http://schemas.microsoft.com/office/drawing/2014/main" xmlns="" id="{C0FAAF85-B666-413A-A18E-43D4112A6DFD}"/>
+                <a16:creationId xmlns:a16="http://schemas.microsoft.com/office/drawing/2014/main" id="{C0FAAF85-B666-413A-A18E-43D4112A6DFD}"/>
               </a:ext>
             </a:extLst>
           </p:cNvPr>
@@ -8249,7 +8614,7 @@
           <p:cNvPr id="3" name="Content Placeholder 2">
             <a:extLst>
               <a:ext uri="{FF2B5EF4-FFF2-40B4-BE49-F238E27FC236}">
-                <a16:creationId xmlns:a16="http://schemas.microsoft.com/office/drawing/2014/main" xmlns="" id="{43E0AF3B-81D6-4441-A27B-34604976D534}"/>
+                <a16:creationId xmlns:a16="http://schemas.microsoft.com/office/drawing/2014/main" id="{43E0AF3B-81D6-4441-A27B-34604976D534}"/>
               </a:ext>
             </a:extLst>
           </p:cNvPr>
@@ -8359,7 +8724,7 @@
           <p:cNvPr id="5" name="Rectangle 4">
             <a:extLst>
               <a:ext uri="{FF2B5EF4-FFF2-40B4-BE49-F238E27FC236}">
-                <a16:creationId xmlns:a16="http://schemas.microsoft.com/office/drawing/2014/main" xmlns="" id="{AE667C73-8CAD-4AE5-9333-B3F591C05345}"/>
+                <a16:creationId xmlns:a16="http://schemas.microsoft.com/office/drawing/2014/main" id="{AE667C73-8CAD-4AE5-9333-B3F591C05345}"/>
               </a:ext>
             </a:extLst>
           </p:cNvPr>
@@ -8438,7 +8803,7 @@
           <p:cNvPr id="7" name="Content Placeholder 8">
             <a:extLst>
               <a:ext uri="{FF2B5EF4-FFF2-40B4-BE49-F238E27FC236}">
-                <a16:creationId xmlns:a16="http://schemas.microsoft.com/office/drawing/2014/main" xmlns="" id="{3B8D0216-F7E1-46A3-9270-7D793C1A72F0}"/>
+                <a16:creationId xmlns:a16="http://schemas.microsoft.com/office/drawing/2014/main" id="{3B8D0216-F7E1-46A3-9270-7D793C1A72F0}"/>
               </a:ext>
             </a:extLst>
           </p:cNvPr>
@@ -8497,7 +8862,7 @@
           <p:cNvPr id="2" name="Title 1">
             <a:extLst>
               <a:ext uri="{FF2B5EF4-FFF2-40B4-BE49-F238E27FC236}">
-                <a16:creationId xmlns:a16="http://schemas.microsoft.com/office/drawing/2014/main" xmlns="" id="{454D2DD0-F719-4297-A668-7361789B8CE4}"/>
+                <a16:creationId xmlns:a16="http://schemas.microsoft.com/office/drawing/2014/main" id="{454D2DD0-F719-4297-A668-7361789B8CE4}"/>
               </a:ext>
             </a:extLst>
           </p:cNvPr>
@@ -8526,7 +8891,7 @@
           <p:cNvPr id="3" name="Content Placeholder 2">
             <a:extLst>
               <a:ext uri="{FF2B5EF4-FFF2-40B4-BE49-F238E27FC236}">
-                <a16:creationId xmlns:a16="http://schemas.microsoft.com/office/drawing/2014/main" xmlns="" id="{5A736875-50D3-49ED-8E2D-9993DDC210AD}"/>
+                <a16:creationId xmlns:a16="http://schemas.microsoft.com/office/drawing/2014/main" id="{5A736875-50D3-49ED-8E2D-9993DDC210AD}"/>
               </a:ext>
             </a:extLst>
           </p:cNvPr>
@@ -8616,7 +8981,7 @@
           <p:cNvPr id="8" name="Content Placeholder 7">
             <a:extLst>
               <a:ext uri="{FF2B5EF4-FFF2-40B4-BE49-F238E27FC236}">
-                <a16:creationId xmlns:a16="http://schemas.microsoft.com/office/drawing/2014/main" xmlns="" id="{4F4F376A-3BD6-4012-894D-0A25D4CA2F7A}"/>
+                <a16:creationId xmlns:a16="http://schemas.microsoft.com/office/drawing/2014/main" id="{4F4F376A-3BD6-4012-894D-0A25D4CA2F7A}"/>
               </a:ext>
             </a:extLst>
           </p:cNvPr>
@@ -8680,7 +9045,7 @@
           <p:cNvPr id="2" name="Title 1">
             <a:extLst>
               <a:ext uri="{FF2B5EF4-FFF2-40B4-BE49-F238E27FC236}">
-                <a16:creationId xmlns:a16="http://schemas.microsoft.com/office/drawing/2014/main" xmlns="" id="{DCB77033-BE21-4796-9CE7-DC93885407B2}"/>
+                <a16:creationId xmlns:a16="http://schemas.microsoft.com/office/drawing/2014/main" id="{DCB77033-BE21-4796-9CE7-DC93885407B2}"/>
               </a:ext>
             </a:extLst>
           </p:cNvPr>
@@ -8708,7 +9073,7 @@
           <p:cNvPr id="3" name="Content Placeholder 2">
             <a:extLst>
               <a:ext uri="{FF2B5EF4-FFF2-40B4-BE49-F238E27FC236}">
-                <a16:creationId xmlns:a16="http://schemas.microsoft.com/office/drawing/2014/main" xmlns="" id="{A67472E8-5C77-4748-91F4-AC5940189DC3}"/>
+                <a16:creationId xmlns:a16="http://schemas.microsoft.com/office/drawing/2014/main" id="{A67472E8-5C77-4748-91F4-AC5940189DC3}"/>
               </a:ext>
             </a:extLst>
           </p:cNvPr>
@@ -8769,7 +9134,7 @@
           <p:cNvPr id="6" name="Content Placeholder 5">
             <a:extLst>
               <a:ext uri="{FF2B5EF4-FFF2-40B4-BE49-F238E27FC236}">
-                <a16:creationId xmlns:a16="http://schemas.microsoft.com/office/drawing/2014/main" xmlns="" id="{DFE1E715-2701-4A53-AECC-13FF5EFB98CD}"/>
+                <a16:creationId xmlns:a16="http://schemas.microsoft.com/office/drawing/2014/main" id="{DFE1E715-2701-4A53-AECC-13FF5EFB98CD}"/>
               </a:ext>
             </a:extLst>
           </p:cNvPr>
@@ -8828,7 +9193,7 @@
           <p:cNvPr id="4" name="Title 3">
             <a:extLst>
               <a:ext uri="{FF2B5EF4-FFF2-40B4-BE49-F238E27FC236}">
-                <a16:creationId xmlns:a16="http://schemas.microsoft.com/office/drawing/2014/main" xmlns="" id="{6902F030-5D44-4CDC-9100-D7B3677548C6}"/>
+                <a16:creationId xmlns:a16="http://schemas.microsoft.com/office/drawing/2014/main" id="{6902F030-5D44-4CDC-9100-D7B3677548C6}"/>
               </a:ext>
             </a:extLst>
           </p:cNvPr>
@@ -8856,7 +9221,7 @@
           <p:cNvPr id="5" name="Text Placeholder 4">
             <a:extLst>
               <a:ext uri="{FF2B5EF4-FFF2-40B4-BE49-F238E27FC236}">
-                <a16:creationId xmlns:a16="http://schemas.microsoft.com/office/drawing/2014/main" xmlns="" id="{1BE6CE75-2136-48E4-A1FC-7B0263D4E8FF}"/>
+                <a16:creationId xmlns:a16="http://schemas.microsoft.com/office/drawing/2014/main" id="{1BE6CE75-2136-48E4-A1FC-7B0263D4E8FF}"/>
               </a:ext>
             </a:extLst>
           </p:cNvPr>

--- a/doc/ReactiveProgramming.Java.pptx
+++ b/doc/ReactiveProgramming.Java.pptx
@@ -164,7 +164,7 @@
           <p:cNvPr id="2" name="Title 1">
             <a:extLst>
               <a:ext uri="{FF2B5EF4-FFF2-40B4-BE49-F238E27FC236}">
-                <a16:creationId xmlns:a16="http://schemas.microsoft.com/office/drawing/2014/main" id="{881CC160-A023-4BD3-987E-5DAB522A9317}"/>
+                <a16:creationId xmlns:a16="http://schemas.microsoft.com/office/drawing/2014/main" xmlns="" id="{881CC160-A023-4BD3-987E-5DAB522A9317}"/>
               </a:ext>
             </a:extLst>
           </p:cNvPr>
@@ -201,7 +201,7 @@
           <p:cNvPr id="3" name="Subtitle 2">
             <a:extLst>
               <a:ext uri="{FF2B5EF4-FFF2-40B4-BE49-F238E27FC236}">
-                <a16:creationId xmlns:a16="http://schemas.microsoft.com/office/drawing/2014/main" id="{82365BDE-C618-4A06-AD43-D2FD51BBB8FC}"/>
+                <a16:creationId xmlns:a16="http://schemas.microsoft.com/office/drawing/2014/main" xmlns="" id="{82365BDE-C618-4A06-AD43-D2FD51BBB8FC}"/>
               </a:ext>
             </a:extLst>
           </p:cNvPr>
@@ -271,7 +271,7 @@
           <p:cNvPr id="4" name="Date Placeholder 3">
             <a:extLst>
               <a:ext uri="{FF2B5EF4-FFF2-40B4-BE49-F238E27FC236}">
-                <a16:creationId xmlns:a16="http://schemas.microsoft.com/office/drawing/2014/main" id="{0BC88934-B24F-4848-B453-D2226A23BB99}"/>
+                <a16:creationId xmlns:a16="http://schemas.microsoft.com/office/drawing/2014/main" xmlns="" id="{0BC88934-B24F-4848-B453-D2226A23BB99}"/>
               </a:ext>
             </a:extLst>
           </p:cNvPr>
@@ -289,7 +289,7 @@
           <a:p>
             <a:fld id="{7F4C86DC-7761-441C-AE29-7E0FE6656867}" type="datetimeFigureOut">
               <a:rPr lang="en-US" smtClean="0"/>
-              <a:t>1/25/2022</a:t>
+              <a:t>1/26/2022</a:t>
             </a:fld>
             <a:endParaRPr lang="en-US"/>
           </a:p>
@@ -300,7 +300,7 @@
           <p:cNvPr id="5" name="Footer Placeholder 4">
             <a:extLst>
               <a:ext uri="{FF2B5EF4-FFF2-40B4-BE49-F238E27FC236}">
-                <a16:creationId xmlns:a16="http://schemas.microsoft.com/office/drawing/2014/main" id="{70F989B4-4F06-47B9-957B-EFE8BFEFDDD3}"/>
+                <a16:creationId xmlns:a16="http://schemas.microsoft.com/office/drawing/2014/main" xmlns="" id="{70F989B4-4F06-47B9-957B-EFE8BFEFDDD3}"/>
               </a:ext>
             </a:extLst>
           </p:cNvPr>
@@ -325,7 +325,7 @@
           <p:cNvPr id="6" name="Slide Number Placeholder 5">
             <a:extLst>
               <a:ext uri="{FF2B5EF4-FFF2-40B4-BE49-F238E27FC236}">
-                <a16:creationId xmlns:a16="http://schemas.microsoft.com/office/drawing/2014/main" id="{CBF6B042-69E7-474C-8319-6FEA2A800D93}"/>
+                <a16:creationId xmlns:a16="http://schemas.microsoft.com/office/drawing/2014/main" xmlns="" id="{CBF6B042-69E7-474C-8319-6FEA2A800D93}"/>
               </a:ext>
             </a:extLst>
           </p:cNvPr>
@@ -384,7 +384,7 @@
           <p:cNvPr id="2" name="Title 1">
             <a:extLst>
               <a:ext uri="{FF2B5EF4-FFF2-40B4-BE49-F238E27FC236}">
-                <a16:creationId xmlns:a16="http://schemas.microsoft.com/office/drawing/2014/main" id="{E7C6C24B-44AD-4167-AAA5-73331D6A389F}"/>
+                <a16:creationId xmlns:a16="http://schemas.microsoft.com/office/drawing/2014/main" xmlns="" id="{E7C6C24B-44AD-4167-AAA5-73331D6A389F}"/>
               </a:ext>
             </a:extLst>
           </p:cNvPr>
@@ -412,7 +412,7 @@
           <p:cNvPr id="3" name="Vertical Text Placeholder 2">
             <a:extLst>
               <a:ext uri="{FF2B5EF4-FFF2-40B4-BE49-F238E27FC236}">
-                <a16:creationId xmlns:a16="http://schemas.microsoft.com/office/drawing/2014/main" id="{90EF67BF-728D-4DD5-802C-414E777B525E}"/>
+                <a16:creationId xmlns:a16="http://schemas.microsoft.com/office/drawing/2014/main" xmlns="" id="{90EF67BF-728D-4DD5-802C-414E777B525E}"/>
               </a:ext>
             </a:extLst>
           </p:cNvPr>
@@ -469,7 +469,7 @@
           <p:cNvPr id="4" name="Date Placeholder 3">
             <a:extLst>
               <a:ext uri="{FF2B5EF4-FFF2-40B4-BE49-F238E27FC236}">
-                <a16:creationId xmlns:a16="http://schemas.microsoft.com/office/drawing/2014/main" id="{86167305-D068-4BEB-A1D7-A3C3BE92439A}"/>
+                <a16:creationId xmlns:a16="http://schemas.microsoft.com/office/drawing/2014/main" xmlns="" id="{86167305-D068-4BEB-A1D7-A3C3BE92439A}"/>
               </a:ext>
             </a:extLst>
           </p:cNvPr>
@@ -487,7 +487,7 @@
           <a:p>
             <a:fld id="{7F4C86DC-7761-441C-AE29-7E0FE6656867}" type="datetimeFigureOut">
               <a:rPr lang="en-US" smtClean="0"/>
-              <a:t>1/25/2022</a:t>
+              <a:t>1/26/2022</a:t>
             </a:fld>
             <a:endParaRPr lang="en-US"/>
           </a:p>
@@ -498,7 +498,7 @@
           <p:cNvPr id="5" name="Footer Placeholder 4">
             <a:extLst>
               <a:ext uri="{FF2B5EF4-FFF2-40B4-BE49-F238E27FC236}">
-                <a16:creationId xmlns:a16="http://schemas.microsoft.com/office/drawing/2014/main" id="{FE8B8193-D367-4FBC-B2B0-D21CA70899B6}"/>
+                <a16:creationId xmlns:a16="http://schemas.microsoft.com/office/drawing/2014/main" xmlns="" id="{FE8B8193-D367-4FBC-B2B0-D21CA70899B6}"/>
               </a:ext>
             </a:extLst>
           </p:cNvPr>
@@ -523,7 +523,7 @@
           <p:cNvPr id="6" name="Slide Number Placeholder 5">
             <a:extLst>
               <a:ext uri="{FF2B5EF4-FFF2-40B4-BE49-F238E27FC236}">
-                <a16:creationId xmlns:a16="http://schemas.microsoft.com/office/drawing/2014/main" id="{D3E41184-B503-417D-9382-0A763102549E}"/>
+                <a16:creationId xmlns:a16="http://schemas.microsoft.com/office/drawing/2014/main" xmlns="" id="{D3E41184-B503-417D-9382-0A763102549E}"/>
               </a:ext>
             </a:extLst>
           </p:cNvPr>
@@ -582,7 +582,7 @@
           <p:cNvPr id="2" name="Vertical Title 1">
             <a:extLst>
               <a:ext uri="{FF2B5EF4-FFF2-40B4-BE49-F238E27FC236}">
-                <a16:creationId xmlns:a16="http://schemas.microsoft.com/office/drawing/2014/main" id="{A48E752B-27AD-4CC0-869C-BE905AC6F292}"/>
+                <a16:creationId xmlns:a16="http://schemas.microsoft.com/office/drawing/2014/main" xmlns="" id="{A48E752B-27AD-4CC0-869C-BE905AC6F292}"/>
               </a:ext>
             </a:extLst>
           </p:cNvPr>
@@ -615,7 +615,7 @@
           <p:cNvPr id="3" name="Vertical Text Placeholder 2">
             <a:extLst>
               <a:ext uri="{FF2B5EF4-FFF2-40B4-BE49-F238E27FC236}">
-                <a16:creationId xmlns:a16="http://schemas.microsoft.com/office/drawing/2014/main" id="{CE6BBB67-81E5-4602-9A18-8EE066A2E02B}"/>
+                <a16:creationId xmlns:a16="http://schemas.microsoft.com/office/drawing/2014/main" xmlns="" id="{CE6BBB67-81E5-4602-9A18-8EE066A2E02B}"/>
               </a:ext>
             </a:extLst>
           </p:cNvPr>
@@ -677,7 +677,7 @@
           <p:cNvPr id="4" name="Date Placeholder 3">
             <a:extLst>
               <a:ext uri="{FF2B5EF4-FFF2-40B4-BE49-F238E27FC236}">
-                <a16:creationId xmlns:a16="http://schemas.microsoft.com/office/drawing/2014/main" id="{C0B7D880-18DF-4452-B9DE-6664BD3EDC22}"/>
+                <a16:creationId xmlns:a16="http://schemas.microsoft.com/office/drawing/2014/main" xmlns="" id="{C0B7D880-18DF-4452-B9DE-6664BD3EDC22}"/>
               </a:ext>
             </a:extLst>
           </p:cNvPr>
@@ -695,7 +695,7 @@
           <a:p>
             <a:fld id="{7F4C86DC-7761-441C-AE29-7E0FE6656867}" type="datetimeFigureOut">
               <a:rPr lang="en-US" smtClean="0"/>
-              <a:t>1/25/2022</a:t>
+              <a:t>1/26/2022</a:t>
             </a:fld>
             <a:endParaRPr lang="en-US"/>
           </a:p>
@@ -706,7 +706,7 @@
           <p:cNvPr id="5" name="Footer Placeholder 4">
             <a:extLst>
               <a:ext uri="{FF2B5EF4-FFF2-40B4-BE49-F238E27FC236}">
-                <a16:creationId xmlns:a16="http://schemas.microsoft.com/office/drawing/2014/main" id="{C54EBD4A-74FF-45CD-B07A-834948DB53CD}"/>
+                <a16:creationId xmlns:a16="http://schemas.microsoft.com/office/drawing/2014/main" xmlns="" id="{C54EBD4A-74FF-45CD-B07A-834948DB53CD}"/>
               </a:ext>
             </a:extLst>
           </p:cNvPr>
@@ -731,7 +731,7 @@
           <p:cNvPr id="6" name="Slide Number Placeholder 5">
             <a:extLst>
               <a:ext uri="{FF2B5EF4-FFF2-40B4-BE49-F238E27FC236}">
-                <a16:creationId xmlns:a16="http://schemas.microsoft.com/office/drawing/2014/main" id="{B400F4DA-AA92-46AF-BDE8-0E83B115EA24}"/>
+                <a16:creationId xmlns:a16="http://schemas.microsoft.com/office/drawing/2014/main" xmlns="" id="{B400F4DA-AA92-46AF-BDE8-0E83B115EA24}"/>
               </a:ext>
             </a:extLst>
           </p:cNvPr>
@@ -790,7 +790,7 @@
           <p:cNvPr id="2" name="Title 1">
             <a:extLst>
               <a:ext uri="{FF2B5EF4-FFF2-40B4-BE49-F238E27FC236}">
-                <a16:creationId xmlns:a16="http://schemas.microsoft.com/office/drawing/2014/main" id="{B923032F-FE13-4A7F-A0AB-EFB09B287AC5}"/>
+                <a16:creationId xmlns:a16="http://schemas.microsoft.com/office/drawing/2014/main" xmlns="" id="{B923032F-FE13-4A7F-A0AB-EFB09B287AC5}"/>
               </a:ext>
             </a:extLst>
           </p:cNvPr>
@@ -818,7 +818,7 @@
           <p:cNvPr id="3" name="Content Placeholder 2">
             <a:extLst>
               <a:ext uri="{FF2B5EF4-FFF2-40B4-BE49-F238E27FC236}">
-                <a16:creationId xmlns:a16="http://schemas.microsoft.com/office/drawing/2014/main" id="{38D8595C-4FF7-4FBA-8375-907AFCA27B9B}"/>
+                <a16:creationId xmlns:a16="http://schemas.microsoft.com/office/drawing/2014/main" xmlns="" id="{38D8595C-4FF7-4FBA-8375-907AFCA27B9B}"/>
               </a:ext>
             </a:extLst>
           </p:cNvPr>
@@ -875,7 +875,7 @@
           <p:cNvPr id="4" name="Date Placeholder 3">
             <a:extLst>
               <a:ext uri="{FF2B5EF4-FFF2-40B4-BE49-F238E27FC236}">
-                <a16:creationId xmlns:a16="http://schemas.microsoft.com/office/drawing/2014/main" id="{BA1B9BDA-6B92-4BB4-BE82-420207500984}"/>
+                <a16:creationId xmlns:a16="http://schemas.microsoft.com/office/drawing/2014/main" xmlns="" id="{BA1B9BDA-6B92-4BB4-BE82-420207500984}"/>
               </a:ext>
             </a:extLst>
           </p:cNvPr>
@@ -893,7 +893,7 @@
           <a:p>
             <a:fld id="{7F4C86DC-7761-441C-AE29-7E0FE6656867}" type="datetimeFigureOut">
               <a:rPr lang="en-US" smtClean="0"/>
-              <a:t>1/25/2022</a:t>
+              <a:t>1/26/2022</a:t>
             </a:fld>
             <a:endParaRPr lang="en-US"/>
           </a:p>
@@ -904,7 +904,7 @@
           <p:cNvPr id="5" name="Footer Placeholder 4">
             <a:extLst>
               <a:ext uri="{FF2B5EF4-FFF2-40B4-BE49-F238E27FC236}">
-                <a16:creationId xmlns:a16="http://schemas.microsoft.com/office/drawing/2014/main" id="{BDD6E0D1-72BF-4A32-A904-BC7BBEFAADB6}"/>
+                <a16:creationId xmlns:a16="http://schemas.microsoft.com/office/drawing/2014/main" xmlns="" id="{BDD6E0D1-72BF-4A32-A904-BC7BBEFAADB6}"/>
               </a:ext>
             </a:extLst>
           </p:cNvPr>
@@ -929,7 +929,7 @@
           <p:cNvPr id="6" name="Slide Number Placeholder 5">
             <a:extLst>
               <a:ext uri="{FF2B5EF4-FFF2-40B4-BE49-F238E27FC236}">
-                <a16:creationId xmlns:a16="http://schemas.microsoft.com/office/drawing/2014/main" id="{C893C988-37AC-4904-B0DE-B21EC77D41FE}"/>
+                <a16:creationId xmlns:a16="http://schemas.microsoft.com/office/drawing/2014/main" xmlns="" id="{C893C988-37AC-4904-B0DE-B21EC77D41FE}"/>
               </a:ext>
             </a:extLst>
           </p:cNvPr>
@@ -988,7 +988,7 @@
           <p:cNvPr id="2" name="Title 1">
             <a:extLst>
               <a:ext uri="{FF2B5EF4-FFF2-40B4-BE49-F238E27FC236}">
-                <a16:creationId xmlns:a16="http://schemas.microsoft.com/office/drawing/2014/main" id="{C3B721EC-CB29-484B-8017-5AB6DEDF0F60}"/>
+                <a16:creationId xmlns:a16="http://schemas.microsoft.com/office/drawing/2014/main" xmlns="" id="{C3B721EC-CB29-484B-8017-5AB6DEDF0F60}"/>
               </a:ext>
             </a:extLst>
           </p:cNvPr>
@@ -1025,7 +1025,7 @@
           <p:cNvPr id="3" name="Text Placeholder 2">
             <a:extLst>
               <a:ext uri="{FF2B5EF4-FFF2-40B4-BE49-F238E27FC236}">
-                <a16:creationId xmlns:a16="http://schemas.microsoft.com/office/drawing/2014/main" id="{096BA09D-4A28-4771-8519-92FFE230D8C2}"/>
+                <a16:creationId xmlns:a16="http://schemas.microsoft.com/office/drawing/2014/main" xmlns="" id="{096BA09D-4A28-4771-8519-92FFE230D8C2}"/>
               </a:ext>
             </a:extLst>
           </p:cNvPr>
@@ -1150,7 +1150,7 @@
           <p:cNvPr id="4" name="Date Placeholder 3">
             <a:extLst>
               <a:ext uri="{FF2B5EF4-FFF2-40B4-BE49-F238E27FC236}">
-                <a16:creationId xmlns:a16="http://schemas.microsoft.com/office/drawing/2014/main" id="{2FF8D35A-D5EF-4057-9423-76E7DDE71667}"/>
+                <a16:creationId xmlns:a16="http://schemas.microsoft.com/office/drawing/2014/main" xmlns="" id="{2FF8D35A-D5EF-4057-9423-76E7DDE71667}"/>
               </a:ext>
             </a:extLst>
           </p:cNvPr>
@@ -1168,7 +1168,7 @@
           <a:p>
             <a:fld id="{7F4C86DC-7761-441C-AE29-7E0FE6656867}" type="datetimeFigureOut">
               <a:rPr lang="en-US" smtClean="0"/>
-              <a:t>1/25/2022</a:t>
+              <a:t>1/26/2022</a:t>
             </a:fld>
             <a:endParaRPr lang="en-US"/>
           </a:p>
@@ -1179,7 +1179,7 @@
           <p:cNvPr id="5" name="Footer Placeholder 4">
             <a:extLst>
               <a:ext uri="{FF2B5EF4-FFF2-40B4-BE49-F238E27FC236}">
-                <a16:creationId xmlns:a16="http://schemas.microsoft.com/office/drawing/2014/main" id="{B4B63EEF-84CA-4CD2-BF17-7FDAEFBB722B}"/>
+                <a16:creationId xmlns:a16="http://schemas.microsoft.com/office/drawing/2014/main" xmlns="" id="{B4B63EEF-84CA-4CD2-BF17-7FDAEFBB722B}"/>
               </a:ext>
             </a:extLst>
           </p:cNvPr>
@@ -1204,7 +1204,7 @@
           <p:cNvPr id="6" name="Slide Number Placeholder 5">
             <a:extLst>
               <a:ext uri="{FF2B5EF4-FFF2-40B4-BE49-F238E27FC236}">
-                <a16:creationId xmlns:a16="http://schemas.microsoft.com/office/drawing/2014/main" id="{EA86C215-6249-4C84-A7FB-D145454B1C88}"/>
+                <a16:creationId xmlns:a16="http://schemas.microsoft.com/office/drawing/2014/main" xmlns="" id="{EA86C215-6249-4C84-A7FB-D145454B1C88}"/>
               </a:ext>
             </a:extLst>
           </p:cNvPr>
@@ -1263,7 +1263,7 @@
           <p:cNvPr id="2" name="Title 1">
             <a:extLst>
               <a:ext uri="{FF2B5EF4-FFF2-40B4-BE49-F238E27FC236}">
-                <a16:creationId xmlns:a16="http://schemas.microsoft.com/office/drawing/2014/main" id="{85ED6B29-BB83-4F0E-9B58-3E978DF08543}"/>
+                <a16:creationId xmlns:a16="http://schemas.microsoft.com/office/drawing/2014/main" xmlns="" id="{85ED6B29-BB83-4F0E-9B58-3E978DF08543}"/>
               </a:ext>
             </a:extLst>
           </p:cNvPr>
@@ -1291,7 +1291,7 @@
           <p:cNvPr id="3" name="Content Placeholder 2">
             <a:extLst>
               <a:ext uri="{FF2B5EF4-FFF2-40B4-BE49-F238E27FC236}">
-                <a16:creationId xmlns:a16="http://schemas.microsoft.com/office/drawing/2014/main" id="{56C1D611-9F8F-40F2-B548-378D8420BFBD}"/>
+                <a16:creationId xmlns:a16="http://schemas.microsoft.com/office/drawing/2014/main" xmlns="" id="{56C1D611-9F8F-40F2-B548-378D8420BFBD}"/>
               </a:ext>
             </a:extLst>
           </p:cNvPr>
@@ -1353,7 +1353,7 @@
           <p:cNvPr id="4" name="Content Placeholder 3">
             <a:extLst>
               <a:ext uri="{FF2B5EF4-FFF2-40B4-BE49-F238E27FC236}">
-                <a16:creationId xmlns:a16="http://schemas.microsoft.com/office/drawing/2014/main" id="{FA70804A-81C2-400B-812C-E8D4EC7ED4A0}"/>
+                <a16:creationId xmlns:a16="http://schemas.microsoft.com/office/drawing/2014/main" xmlns="" id="{FA70804A-81C2-400B-812C-E8D4EC7ED4A0}"/>
               </a:ext>
             </a:extLst>
           </p:cNvPr>
@@ -1415,7 +1415,7 @@
           <p:cNvPr id="5" name="Date Placeholder 4">
             <a:extLst>
               <a:ext uri="{FF2B5EF4-FFF2-40B4-BE49-F238E27FC236}">
-                <a16:creationId xmlns:a16="http://schemas.microsoft.com/office/drawing/2014/main" id="{23D72BB6-F28B-43F5-B46D-65AFA1F54F8C}"/>
+                <a16:creationId xmlns:a16="http://schemas.microsoft.com/office/drawing/2014/main" xmlns="" id="{23D72BB6-F28B-43F5-B46D-65AFA1F54F8C}"/>
               </a:ext>
             </a:extLst>
           </p:cNvPr>
@@ -1433,7 +1433,7 @@
           <a:p>
             <a:fld id="{7F4C86DC-7761-441C-AE29-7E0FE6656867}" type="datetimeFigureOut">
               <a:rPr lang="en-US" smtClean="0"/>
-              <a:t>1/25/2022</a:t>
+              <a:t>1/26/2022</a:t>
             </a:fld>
             <a:endParaRPr lang="en-US"/>
           </a:p>
@@ -1444,7 +1444,7 @@
           <p:cNvPr id="6" name="Footer Placeholder 5">
             <a:extLst>
               <a:ext uri="{FF2B5EF4-FFF2-40B4-BE49-F238E27FC236}">
-                <a16:creationId xmlns:a16="http://schemas.microsoft.com/office/drawing/2014/main" id="{7C3D01E4-B053-4D56-B26F-23F71B071E27}"/>
+                <a16:creationId xmlns:a16="http://schemas.microsoft.com/office/drawing/2014/main" xmlns="" id="{7C3D01E4-B053-4D56-B26F-23F71B071E27}"/>
               </a:ext>
             </a:extLst>
           </p:cNvPr>
@@ -1469,7 +1469,7 @@
           <p:cNvPr id="7" name="Slide Number Placeholder 6">
             <a:extLst>
               <a:ext uri="{FF2B5EF4-FFF2-40B4-BE49-F238E27FC236}">
-                <a16:creationId xmlns:a16="http://schemas.microsoft.com/office/drawing/2014/main" id="{836411B2-5DC9-4F9F-91A2-57A5C67232A1}"/>
+                <a16:creationId xmlns:a16="http://schemas.microsoft.com/office/drawing/2014/main" xmlns="" id="{836411B2-5DC9-4F9F-91A2-57A5C67232A1}"/>
               </a:ext>
             </a:extLst>
           </p:cNvPr>
@@ -1528,7 +1528,7 @@
           <p:cNvPr id="2" name="Title 1">
             <a:extLst>
               <a:ext uri="{FF2B5EF4-FFF2-40B4-BE49-F238E27FC236}">
-                <a16:creationId xmlns:a16="http://schemas.microsoft.com/office/drawing/2014/main" id="{A78FEA31-73A4-4646-974A-4F03A5A3F19A}"/>
+                <a16:creationId xmlns:a16="http://schemas.microsoft.com/office/drawing/2014/main" xmlns="" id="{A78FEA31-73A4-4646-974A-4F03A5A3F19A}"/>
               </a:ext>
             </a:extLst>
           </p:cNvPr>
@@ -1561,7 +1561,7 @@
           <p:cNvPr id="3" name="Text Placeholder 2">
             <a:extLst>
               <a:ext uri="{FF2B5EF4-FFF2-40B4-BE49-F238E27FC236}">
-                <a16:creationId xmlns:a16="http://schemas.microsoft.com/office/drawing/2014/main" id="{16B1EDB0-26B8-4AD6-887C-C4B984C13DF4}"/>
+                <a16:creationId xmlns:a16="http://schemas.microsoft.com/office/drawing/2014/main" xmlns="" id="{16B1EDB0-26B8-4AD6-887C-C4B984C13DF4}"/>
               </a:ext>
             </a:extLst>
           </p:cNvPr>
@@ -1632,7 +1632,7 @@
           <p:cNvPr id="4" name="Content Placeholder 3">
             <a:extLst>
               <a:ext uri="{FF2B5EF4-FFF2-40B4-BE49-F238E27FC236}">
-                <a16:creationId xmlns:a16="http://schemas.microsoft.com/office/drawing/2014/main" id="{516D63C3-C564-4B11-9247-E11B8EFA6957}"/>
+                <a16:creationId xmlns:a16="http://schemas.microsoft.com/office/drawing/2014/main" xmlns="" id="{516D63C3-C564-4B11-9247-E11B8EFA6957}"/>
               </a:ext>
             </a:extLst>
           </p:cNvPr>
@@ -1694,7 +1694,7 @@
           <p:cNvPr id="5" name="Text Placeholder 4">
             <a:extLst>
               <a:ext uri="{FF2B5EF4-FFF2-40B4-BE49-F238E27FC236}">
-                <a16:creationId xmlns:a16="http://schemas.microsoft.com/office/drawing/2014/main" id="{7FB81653-DF17-44E8-A53B-A9D119E2DAF7}"/>
+                <a16:creationId xmlns:a16="http://schemas.microsoft.com/office/drawing/2014/main" xmlns="" id="{7FB81653-DF17-44E8-A53B-A9D119E2DAF7}"/>
               </a:ext>
             </a:extLst>
           </p:cNvPr>
@@ -1765,7 +1765,7 @@
           <p:cNvPr id="6" name="Content Placeholder 5">
             <a:extLst>
               <a:ext uri="{FF2B5EF4-FFF2-40B4-BE49-F238E27FC236}">
-                <a16:creationId xmlns:a16="http://schemas.microsoft.com/office/drawing/2014/main" id="{AE5B1BB2-ED81-47C2-A0D5-EE96698F08A4}"/>
+                <a16:creationId xmlns:a16="http://schemas.microsoft.com/office/drawing/2014/main" xmlns="" id="{AE5B1BB2-ED81-47C2-A0D5-EE96698F08A4}"/>
               </a:ext>
             </a:extLst>
           </p:cNvPr>
@@ -1827,7 +1827,7 @@
           <p:cNvPr id="7" name="Date Placeholder 6">
             <a:extLst>
               <a:ext uri="{FF2B5EF4-FFF2-40B4-BE49-F238E27FC236}">
-                <a16:creationId xmlns:a16="http://schemas.microsoft.com/office/drawing/2014/main" id="{A1C06915-BA7D-4A2C-AB7C-02C1146220A9}"/>
+                <a16:creationId xmlns:a16="http://schemas.microsoft.com/office/drawing/2014/main" xmlns="" id="{A1C06915-BA7D-4A2C-AB7C-02C1146220A9}"/>
               </a:ext>
             </a:extLst>
           </p:cNvPr>
@@ -1845,7 +1845,7 @@
           <a:p>
             <a:fld id="{7F4C86DC-7761-441C-AE29-7E0FE6656867}" type="datetimeFigureOut">
               <a:rPr lang="en-US" smtClean="0"/>
-              <a:t>1/25/2022</a:t>
+              <a:t>1/26/2022</a:t>
             </a:fld>
             <a:endParaRPr lang="en-US"/>
           </a:p>
@@ -1856,7 +1856,7 @@
           <p:cNvPr id="8" name="Footer Placeholder 7">
             <a:extLst>
               <a:ext uri="{FF2B5EF4-FFF2-40B4-BE49-F238E27FC236}">
-                <a16:creationId xmlns:a16="http://schemas.microsoft.com/office/drawing/2014/main" id="{048C4DCA-4AE6-485D-81B4-4AD7B67E017E}"/>
+                <a16:creationId xmlns:a16="http://schemas.microsoft.com/office/drawing/2014/main" xmlns="" id="{048C4DCA-4AE6-485D-81B4-4AD7B67E017E}"/>
               </a:ext>
             </a:extLst>
           </p:cNvPr>
@@ -1881,7 +1881,7 @@
           <p:cNvPr id="9" name="Slide Number Placeholder 8">
             <a:extLst>
               <a:ext uri="{FF2B5EF4-FFF2-40B4-BE49-F238E27FC236}">
-                <a16:creationId xmlns:a16="http://schemas.microsoft.com/office/drawing/2014/main" id="{B74DC810-3BD2-4653-B457-7AAD4767242A}"/>
+                <a16:creationId xmlns:a16="http://schemas.microsoft.com/office/drawing/2014/main" xmlns="" id="{B74DC810-3BD2-4653-B457-7AAD4767242A}"/>
               </a:ext>
             </a:extLst>
           </p:cNvPr>
@@ -1940,7 +1940,7 @@
           <p:cNvPr id="2" name="Title 1">
             <a:extLst>
               <a:ext uri="{FF2B5EF4-FFF2-40B4-BE49-F238E27FC236}">
-                <a16:creationId xmlns:a16="http://schemas.microsoft.com/office/drawing/2014/main" id="{4DE9CD8A-362F-422C-AA6D-CCA511E91AF1}"/>
+                <a16:creationId xmlns:a16="http://schemas.microsoft.com/office/drawing/2014/main" xmlns="" id="{4DE9CD8A-362F-422C-AA6D-CCA511E91AF1}"/>
               </a:ext>
             </a:extLst>
           </p:cNvPr>
@@ -1968,7 +1968,7 @@
           <p:cNvPr id="3" name="Date Placeholder 2">
             <a:extLst>
               <a:ext uri="{FF2B5EF4-FFF2-40B4-BE49-F238E27FC236}">
-                <a16:creationId xmlns:a16="http://schemas.microsoft.com/office/drawing/2014/main" id="{7C4E5867-EB85-4B89-8CBD-456BEDEB7093}"/>
+                <a16:creationId xmlns:a16="http://schemas.microsoft.com/office/drawing/2014/main" xmlns="" id="{7C4E5867-EB85-4B89-8CBD-456BEDEB7093}"/>
               </a:ext>
             </a:extLst>
           </p:cNvPr>
@@ -1986,7 +1986,7 @@
           <a:p>
             <a:fld id="{7F4C86DC-7761-441C-AE29-7E0FE6656867}" type="datetimeFigureOut">
               <a:rPr lang="en-US" smtClean="0"/>
-              <a:t>1/25/2022</a:t>
+              <a:t>1/26/2022</a:t>
             </a:fld>
             <a:endParaRPr lang="en-US"/>
           </a:p>
@@ -1997,7 +1997,7 @@
           <p:cNvPr id="4" name="Footer Placeholder 3">
             <a:extLst>
               <a:ext uri="{FF2B5EF4-FFF2-40B4-BE49-F238E27FC236}">
-                <a16:creationId xmlns:a16="http://schemas.microsoft.com/office/drawing/2014/main" id="{445D90C5-EF2B-4A40-9299-D146DCAC8988}"/>
+                <a16:creationId xmlns:a16="http://schemas.microsoft.com/office/drawing/2014/main" xmlns="" id="{445D90C5-EF2B-4A40-9299-D146DCAC8988}"/>
               </a:ext>
             </a:extLst>
           </p:cNvPr>
@@ -2022,7 +2022,7 @@
           <p:cNvPr id="5" name="Slide Number Placeholder 4">
             <a:extLst>
               <a:ext uri="{FF2B5EF4-FFF2-40B4-BE49-F238E27FC236}">
-                <a16:creationId xmlns:a16="http://schemas.microsoft.com/office/drawing/2014/main" id="{EDE91B9D-6A42-4248-B817-3613794451A9}"/>
+                <a16:creationId xmlns:a16="http://schemas.microsoft.com/office/drawing/2014/main" xmlns="" id="{EDE91B9D-6A42-4248-B817-3613794451A9}"/>
               </a:ext>
             </a:extLst>
           </p:cNvPr>
@@ -2081,7 +2081,7 @@
           <p:cNvPr id="2" name="Date Placeholder 1">
             <a:extLst>
               <a:ext uri="{FF2B5EF4-FFF2-40B4-BE49-F238E27FC236}">
-                <a16:creationId xmlns:a16="http://schemas.microsoft.com/office/drawing/2014/main" id="{E98AA9E1-5174-438E-9EB3-9CF08A361778}"/>
+                <a16:creationId xmlns:a16="http://schemas.microsoft.com/office/drawing/2014/main" xmlns="" id="{E98AA9E1-5174-438E-9EB3-9CF08A361778}"/>
               </a:ext>
             </a:extLst>
           </p:cNvPr>
@@ -2099,7 +2099,7 @@
           <a:p>
             <a:fld id="{7F4C86DC-7761-441C-AE29-7E0FE6656867}" type="datetimeFigureOut">
               <a:rPr lang="en-US" smtClean="0"/>
-              <a:t>1/25/2022</a:t>
+              <a:t>1/26/2022</a:t>
             </a:fld>
             <a:endParaRPr lang="en-US"/>
           </a:p>
@@ -2110,7 +2110,7 @@
           <p:cNvPr id="3" name="Footer Placeholder 2">
             <a:extLst>
               <a:ext uri="{FF2B5EF4-FFF2-40B4-BE49-F238E27FC236}">
-                <a16:creationId xmlns:a16="http://schemas.microsoft.com/office/drawing/2014/main" id="{8559051B-4CEB-48FA-B6AC-5E405FABCF81}"/>
+                <a16:creationId xmlns:a16="http://schemas.microsoft.com/office/drawing/2014/main" xmlns="" id="{8559051B-4CEB-48FA-B6AC-5E405FABCF81}"/>
               </a:ext>
             </a:extLst>
           </p:cNvPr>
@@ -2135,7 +2135,7 @@
           <p:cNvPr id="4" name="Slide Number Placeholder 3">
             <a:extLst>
               <a:ext uri="{FF2B5EF4-FFF2-40B4-BE49-F238E27FC236}">
-                <a16:creationId xmlns:a16="http://schemas.microsoft.com/office/drawing/2014/main" id="{9675973B-F1BD-4814-8F8B-62AD9DDA5ECB}"/>
+                <a16:creationId xmlns:a16="http://schemas.microsoft.com/office/drawing/2014/main" xmlns="" id="{9675973B-F1BD-4814-8F8B-62AD9DDA5ECB}"/>
               </a:ext>
             </a:extLst>
           </p:cNvPr>
@@ -2194,7 +2194,7 @@
           <p:cNvPr id="2" name="Title 1">
             <a:extLst>
               <a:ext uri="{FF2B5EF4-FFF2-40B4-BE49-F238E27FC236}">
-                <a16:creationId xmlns:a16="http://schemas.microsoft.com/office/drawing/2014/main" id="{309D74ED-783B-46B8-A107-DF2F72BE7C1C}"/>
+                <a16:creationId xmlns:a16="http://schemas.microsoft.com/office/drawing/2014/main" xmlns="" id="{309D74ED-783B-46B8-A107-DF2F72BE7C1C}"/>
               </a:ext>
             </a:extLst>
           </p:cNvPr>
@@ -2231,7 +2231,7 @@
           <p:cNvPr id="3" name="Content Placeholder 2">
             <a:extLst>
               <a:ext uri="{FF2B5EF4-FFF2-40B4-BE49-F238E27FC236}">
-                <a16:creationId xmlns:a16="http://schemas.microsoft.com/office/drawing/2014/main" id="{FF557F81-1AA4-40CA-9212-6772E4223FA6}"/>
+                <a16:creationId xmlns:a16="http://schemas.microsoft.com/office/drawing/2014/main" xmlns="" id="{FF557F81-1AA4-40CA-9212-6772E4223FA6}"/>
               </a:ext>
             </a:extLst>
           </p:cNvPr>
@@ -2321,7 +2321,7 @@
           <p:cNvPr id="4" name="Text Placeholder 3">
             <a:extLst>
               <a:ext uri="{FF2B5EF4-FFF2-40B4-BE49-F238E27FC236}">
-                <a16:creationId xmlns:a16="http://schemas.microsoft.com/office/drawing/2014/main" id="{26AF4AE1-06F9-416E-BC29-0207ACD6BEFF}"/>
+                <a16:creationId xmlns:a16="http://schemas.microsoft.com/office/drawing/2014/main" xmlns="" id="{26AF4AE1-06F9-416E-BC29-0207ACD6BEFF}"/>
               </a:ext>
             </a:extLst>
           </p:cNvPr>
@@ -2392,7 +2392,7 @@
           <p:cNvPr id="5" name="Date Placeholder 4">
             <a:extLst>
               <a:ext uri="{FF2B5EF4-FFF2-40B4-BE49-F238E27FC236}">
-                <a16:creationId xmlns:a16="http://schemas.microsoft.com/office/drawing/2014/main" id="{76064B37-E109-48BD-AFD6-24FDEAD88178}"/>
+                <a16:creationId xmlns:a16="http://schemas.microsoft.com/office/drawing/2014/main" xmlns="" id="{76064B37-E109-48BD-AFD6-24FDEAD88178}"/>
               </a:ext>
             </a:extLst>
           </p:cNvPr>
@@ -2410,7 +2410,7 @@
           <a:p>
             <a:fld id="{7F4C86DC-7761-441C-AE29-7E0FE6656867}" type="datetimeFigureOut">
               <a:rPr lang="en-US" smtClean="0"/>
-              <a:t>1/25/2022</a:t>
+              <a:t>1/26/2022</a:t>
             </a:fld>
             <a:endParaRPr lang="en-US"/>
           </a:p>
@@ -2421,7 +2421,7 @@
           <p:cNvPr id="6" name="Footer Placeholder 5">
             <a:extLst>
               <a:ext uri="{FF2B5EF4-FFF2-40B4-BE49-F238E27FC236}">
-                <a16:creationId xmlns:a16="http://schemas.microsoft.com/office/drawing/2014/main" id="{0738E4D3-2CDC-49E7-8F6B-16B2EDAA456A}"/>
+                <a16:creationId xmlns:a16="http://schemas.microsoft.com/office/drawing/2014/main" xmlns="" id="{0738E4D3-2CDC-49E7-8F6B-16B2EDAA456A}"/>
               </a:ext>
             </a:extLst>
           </p:cNvPr>
@@ -2446,7 +2446,7 @@
           <p:cNvPr id="7" name="Slide Number Placeholder 6">
             <a:extLst>
               <a:ext uri="{FF2B5EF4-FFF2-40B4-BE49-F238E27FC236}">
-                <a16:creationId xmlns:a16="http://schemas.microsoft.com/office/drawing/2014/main" id="{80FDA9F9-52AF-40F4-93E0-0A46A678951C}"/>
+                <a16:creationId xmlns:a16="http://schemas.microsoft.com/office/drawing/2014/main" xmlns="" id="{80FDA9F9-52AF-40F4-93E0-0A46A678951C}"/>
               </a:ext>
             </a:extLst>
           </p:cNvPr>
@@ -2505,7 +2505,7 @@
           <p:cNvPr id="2" name="Title 1">
             <a:extLst>
               <a:ext uri="{FF2B5EF4-FFF2-40B4-BE49-F238E27FC236}">
-                <a16:creationId xmlns:a16="http://schemas.microsoft.com/office/drawing/2014/main" id="{6E10A5A0-24E9-41A1-A9FA-5C39D70607BD}"/>
+                <a16:creationId xmlns:a16="http://schemas.microsoft.com/office/drawing/2014/main" xmlns="" id="{6E10A5A0-24E9-41A1-A9FA-5C39D70607BD}"/>
               </a:ext>
             </a:extLst>
           </p:cNvPr>
@@ -2542,7 +2542,7 @@
           <p:cNvPr id="3" name="Picture Placeholder 2">
             <a:extLst>
               <a:ext uri="{FF2B5EF4-FFF2-40B4-BE49-F238E27FC236}">
-                <a16:creationId xmlns:a16="http://schemas.microsoft.com/office/drawing/2014/main" id="{7AA506BA-2D94-42C1-8CCD-5D88D804AF3E}"/>
+                <a16:creationId xmlns:a16="http://schemas.microsoft.com/office/drawing/2014/main" xmlns="" id="{7AA506BA-2D94-42C1-8CCD-5D88D804AF3E}"/>
               </a:ext>
             </a:extLst>
           </p:cNvPr>
@@ -2609,7 +2609,7 @@
           <p:cNvPr id="4" name="Text Placeholder 3">
             <a:extLst>
               <a:ext uri="{FF2B5EF4-FFF2-40B4-BE49-F238E27FC236}">
-                <a16:creationId xmlns:a16="http://schemas.microsoft.com/office/drawing/2014/main" id="{8AB2D86E-91D5-4237-BC10-7ED451CB0803}"/>
+                <a16:creationId xmlns:a16="http://schemas.microsoft.com/office/drawing/2014/main" xmlns="" id="{8AB2D86E-91D5-4237-BC10-7ED451CB0803}"/>
               </a:ext>
             </a:extLst>
           </p:cNvPr>
@@ -2680,7 +2680,7 @@
           <p:cNvPr id="5" name="Date Placeholder 4">
             <a:extLst>
               <a:ext uri="{FF2B5EF4-FFF2-40B4-BE49-F238E27FC236}">
-                <a16:creationId xmlns:a16="http://schemas.microsoft.com/office/drawing/2014/main" id="{5ABFFFEB-371F-4C9F-ABA8-7E4DF901A064}"/>
+                <a16:creationId xmlns:a16="http://schemas.microsoft.com/office/drawing/2014/main" xmlns="" id="{5ABFFFEB-371F-4C9F-ABA8-7E4DF901A064}"/>
               </a:ext>
             </a:extLst>
           </p:cNvPr>
@@ -2698,7 +2698,7 @@
           <a:p>
             <a:fld id="{7F4C86DC-7761-441C-AE29-7E0FE6656867}" type="datetimeFigureOut">
               <a:rPr lang="en-US" smtClean="0"/>
-              <a:t>1/25/2022</a:t>
+              <a:t>1/26/2022</a:t>
             </a:fld>
             <a:endParaRPr lang="en-US"/>
           </a:p>
@@ -2709,7 +2709,7 @@
           <p:cNvPr id="6" name="Footer Placeholder 5">
             <a:extLst>
               <a:ext uri="{FF2B5EF4-FFF2-40B4-BE49-F238E27FC236}">
-                <a16:creationId xmlns:a16="http://schemas.microsoft.com/office/drawing/2014/main" id="{6F0DF431-886E-43F4-B5E2-DDF6602D306E}"/>
+                <a16:creationId xmlns:a16="http://schemas.microsoft.com/office/drawing/2014/main" xmlns="" id="{6F0DF431-886E-43F4-B5E2-DDF6602D306E}"/>
               </a:ext>
             </a:extLst>
           </p:cNvPr>
@@ -2734,7 +2734,7 @@
           <p:cNvPr id="7" name="Slide Number Placeholder 6">
             <a:extLst>
               <a:ext uri="{FF2B5EF4-FFF2-40B4-BE49-F238E27FC236}">
-                <a16:creationId xmlns:a16="http://schemas.microsoft.com/office/drawing/2014/main" id="{211CC860-F7EC-4E96-92CC-307291BC4CA8}"/>
+                <a16:creationId xmlns:a16="http://schemas.microsoft.com/office/drawing/2014/main" xmlns="" id="{211CC860-F7EC-4E96-92CC-307291BC4CA8}"/>
               </a:ext>
             </a:extLst>
           </p:cNvPr>
@@ -2798,7 +2798,7 @@
           <p:cNvPr id="2" name="Title Placeholder 1">
             <a:extLst>
               <a:ext uri="{FF2B5EF4-FFF2-40B4-BE49-F238E27FC236}">
-                <a16:creationId xmlns:a16="http://schemas.microsoft.com/office/drawing/2014/main" id="{E552E40F-8A42-4F56-A4BD-B087AA0A9340}"/>
+                <a16:creationId xmlns:a16="http://schemas.microsoft.com/office/drawing/2014/main" xmlns="" id="{E552E40F-8A42-4F56-A4BD-B087AA0A9340}"/>
               </a:ext>
             </a:extLst>
           </p:cNvPr>
@@ -2836,7 +2836,7 @@
           <p:cNvPr id="3" name="Text Placeholder 2">
             <a:extLst>
               <a:ext uri="{FF2B5EF4-FFF2-40B4-BE49-F238E27FC236}">
-                <a16:creationId xmlns:a16="http://schemas.microsoft.com/office/drawing/2014/main" id="{08918BA9-D461-495A-84BE-6DEA967D45BF}"/>
+                <a16:creationId xmlns:a16="http://schemas.microsoft.com/office/drawing/2014/main" xmlns="" id="{08918BA9-D461-495A-84BE-6DEA967D45BF}"/>
               </a:ext>
             </a:extLst>
           </p:cNvPr>
@@ -2903,7 +2903,7 @@
           <p:cNvPr id="4" name="Date Placeholder 3">
             <a:extLst>
               <a:ext uri="{FF2B5EF4-FFF2-40B4-BE49-F238E27FC236}">
-                <a16:creationId xmlns:a16="http://schemas.microsoft.com/office/drawing/2014/main" id="{7C86D937-D344-4A82-8D79-B2753177D88C}"/>
+                <a16:creationId xmlns:a16="http://schemas.microsoft.com/office/drawing/2014/main" xmlns="" id="{7C86D937-D344-4A82-8D79-B2753177D88C}"/>
               </a:ext>
             </a:extLst>
           </p:cNvPr>
@@ -2939,7 +2939,7 @@
           <a:p>
             <a:fld id="{7F4C86DC-7761-441C-AE29-7E0FE6656867}" type="datetimeFigureOut">
               <a:rPr lang="en-US" smtClean="0"/>
-              <a:t>1/25/2022</a:t>
+              <a:t>1/26/2022</a:t>
             </a:fld>
             <a:endParaRPr lang="en-US"/>
           </a:p>
@@ -2950,7 +2950,7 @@
           <p:cNvPr id="5" name="Footer Placeholder 4">
             <a:extLst>
               <a:ext uri="{FF2B5EF4-FFF2-40B4-BE49-F238E27FC236}">
-                <a16:creationId xmlns:a16="http://schemas.microsoft.com/office/drawing/2014/main" id="{B8C1440F-6742-4269-AB18-6F4C04C121DA}"/>
+                <a16:creationId xmlns:a16="http://schemas.microsoft.com/office/drawing/2014/main" xmlns="" id="{B8C1440F-6742-4269-AB18-6F4C04C121DA}"/>
               </a:ext>
             </a:extLst>
           </p:cNvPr>
@@ -2993,7 +2993,7 @@
           <p:cNvPr id="6" name="Slide Number Placeholder 5">
             <a:extLst>
               <a:ext uri="{FF2B5EF4-FFF2-40B4-BE49-F238E27FC236}">
-                <a16:creationId xmlns:a16="http://schemas.microsoft.com/office/drawing/2014/main" id="{E7B764D5-93D3-42A5-A70B-4E8C0B79EAB5}"/>
+                <a16:creationId xmlns:a16="http://schemas.microsoft.com/office/drawing/2014/main" xmlns="" id="{E7B764D5-93D3-42A5-A70B-4E8C0B79EAB5}"/>
               </a:ext>
             </a:extLst>
           </p:cNvPr>
@@ -3361,7 +3361,7 @@
           <p:cNvPr id="2" name="Title 1">
             <a:extLst>
               <a:ext uri="{FF2B5EF4-FFF2-40B4-BE49-F238E27FC236}">
-                <a16:creationId xmlns:a16="http://schemas.microsoft.com/office/drawing/2014/main" id="{4CC28DEB-C11A-45B1-A082-FA38CFC4FB6B}"/>
+                <a16:creationId xmlns:a16="http://schemas.microsoft.com/office/drawing/2014/main" xmlns="" id="{4CC28DEB-C11A-45B1-A082-FA38CFC4FB6B}"/>
               </a:ext>
             </a:extLst>
           </p:cNvPr>
@@ -3396,7 +3396,7 @@
           <p:cNvPr id="3" name="Subtitle 2">
             <a:extLst>
               <a:ext uri="{FF2B5EF4-FFF2-40B4-BE49-F238E27FC236}">
-                <a16:creationId xmlns:a16="http://schemas.microsoft.com/office/drawing/2014/main" id="{72009F95-80CE-4F64-8C1F-B38DA9456C93}"/>
+                <a16:creationId xmlns:a16="http://schemas.microsoft.com/office/drawing/2014/main" xmlns="" id="{72009F95-80CE-4F64-8C1F-B38DA9456C93}"/>
               </a:ext>
             </a:extLst>
           </p:cNvPr>
@@ -3454,7 +3454,7 @@
           <p:cNvPr id="5" name="Title 4">
             <a:extLst>
               <a:ext uri="{FF2B5EF4-FFF2-40B4-BE49-F238E27FC236}">
-                <a16:creationId xmlns:a16="http://schemas.microsoft.com/office/drawing/2014/main" id="{332A0F13-1C8E-4813-9480-5B5E601A0F7A}"/>
+                <a16:creationId xmlns:a16="http://schemas.microsoft.com/office/drawing/2014/main" xmlns="" id="{332A0F13-1C8E-4813-9480-5B5E601A0F7A}"/>
               </a:ext>
             </a:extLst>
           </p:cNvPr>
@@ -3483,7 +3483,7 @@
           <p:cNvPr id="6" name="Content Placeholder 5">
             <a:extLst>
               <a:ext uri="{FF2B5EF4-FFF2-40B4-BE49-F238E27FC236}">
-                <a16:creationId xmlns:a16="http://schemas.microsoft.com/office/drawing/2014/main" id="{DB9C97A1-76D6-4709-BC38-ACD85E4CECE8}"/>
+                <a16:creationId xmlns:a16="http://schemas.microsoft.com/office/drawing/2014/main" xmlns="" id="{DB9C97A1-76D6-4709-BC38-ACD85E4CECE8}"/>
               </a:ext>
             </a:extLst>
           </p:cNvPr>
@@ -3571,7 +3571,7 @@
           <p:cNvPr id="9" name="Content Placeholder 8">
             <a:extLst>
               <a:ext uri="{FF2B5EF4-FFF2-40B4-BE49-F238E27FC236}">
-                <a16:creationId xmlns:a16="http://schemas.microsoft.com/office/drawing/2014/main" id="{C42A872C-5E16-4B77-A027-E097DF1DEAD2}"/>
+                <a16:creationId xmlns:a16="http://schemas.microsoft.com/office/drawing/2014/main" xmlns="" id="{C42A872C-5E16-4B77-A027-E097DF1DEAD2}"/>
               </a:ext>
             </a:extLst>
           </p:cNvPr>
@@ -3630,7 +3630,7 @@
           <p:cNvPr id="2" name="Title 1">
             <a:extLst>
               <a:ext uri="{FF2B5EF4-FFF2-40B4-BE49-F238E27FC236}">
-                <a16:creationId xmlns:a16="http://schemas.microsoft.com/office/drawing/2014/main" id="{906D3A6C-3DD5-4F97-BEB4-C330DAAEB4C6}"/>
+                <a16:creationId xmlns:a16="http://schemas.microsoft.com/office/drawing/2014/main" xmlns="" id="{906D3A6C-3DD5-4F97-BEB4-C330DAAEB4C6}"/>
               </a:ext>
             </a:extLst>
           </p:cNvPr>
@@ -3659,7 +3659,7 @@
           <p:cNvPr id="4" name="Content Placeholder 3">
             <a:extLst>
               <a:ext uri="{FF2B5EF4-FFF2-40B4-BE49-F238E27FC236}">
-                <a16:creationId xmlns:a16="http://schemas.microsoft.com/office/drawing/2014/main" id="{A91BFE5C-9258-493F-8EBA-0F157646EC6E}"/>
+                <a16:creationId xmlns:a16="http://schemas.microsoft.com/office/drawing/2014/main" xmlns="" id="{A91BFE5C-9258-493F-8EBA-0F157646EC6E}"/>
               </a:ext>
             </a:extLst>
           </p:cNvPr>
@@ -3768,7 +3768,7 @@
           <p:cNvPr id="11" name="Content Placeholder 13">
             <a:extLst>
               <a:ext uri="{FF2B5EF4-FFF2-40B4-BE49-F238E27FC236}">
-                <a16:creationId xmlns:a16="http://schemas.microsoft.com/office/drawing/2014/main" id="{64B8D181-C25C-40E1-A555-EAFF1FA98730}"/>
+                <a16:creationId xmlns:a16="http://schemas.microsoft.com/office/drawing/2014/main" xmlns="" id="{64B8D181-C25C-40E1-A555-EAFF1FA98730}"/>
               </a:ext>
             </a:extLst>
           </p:cNvPr>
@@ -4366,7 +4366,7 @@
           <p:cNvPr id="2" name="Title 1">
             <a:extLst>
               <a:ext uri="{FF2B5EF4-FFF2-40B4-BE49-F238E27FC236}">
-                <a16:creationId xmlns:a16="http://schemas.microsoft.com/office/drawing/2014/main" id="{906D3A6C-3DD5-4F97-BEB4-C330DAAEB4C6}"/>
+                <a16:creationId xmlns:a16="http://schemas.microsoft.com/office/drawing/2014/main" xmlns="" id="{906D3A6C-3DD5-4F97-BEB4-C330DAAEB4C6}"/>
               </a:ext>
             </a:extLst>
           </p:cNvPr>
@@ -4394,7 +4394,7 @@
           <p:cNvPr id="4" name="Content Placeholder 3">
             <a:extLst>
               <a:ext uri="{FF2B5EF4-FFF2-40B4-BE49-F238E27FC236}">
-                <a16:creationId xmlns:a16="http://schemas.microsoft.com/office/drawing/2014/main" id="{A91BFE5C-9258-493F-8EBA-0F157646EC6E}"/>
+                <a16:creationId xmlns:a16="http://schemas.microsoft.com/office/drawing/2014/main" xmlns="" id="{A91BFE5C-9258-493F-8EBA-0F157646EC6E}"/>
               </a:ext>
             </a:extLst>
           </p:cNvPr>
@@ -4489,7 +4489,7 @@
           <p:cNvPr id="7" name="Content Placeholder 6">
             <a:extLst>
               <a:ext uri="{FF2B5EF4-FFF2-40B4-BE49-F238E27FC236}">
-                <a16:creationId xmlns:a16="http://schemas.microsoft.com/office/drawing/2014/main" id="{6B3521CE-05C1-4798-96E1-BFFF4485CC9E}"/>
+                <a16:creationId xmlns:a16="http://schemas.microsoft.com/office/drawing/2014/main" xmlns="" id="{6B3521CE-05C1-4798-96E1-BFFF4485CC9E}"/>
               </a:ext>
             </a:extLst>
           </p:cNvPr>
@@ -5661,7 +5661,7 @@
           <p:cNvPr id="2" name="Title 1">
             <a:extLst>
               <a:ext uri="{FF2B5EF4-FFF2-40B4-BE49-F238E27FC236}">
-                <a16:creationId xmlns:a16="http://schemas.microsoft.com/office/drawing/2014/main" id="{3E3F5DC8-E31C-44B5-B975-07F80F41D6B2}"/>
+                <a16:creationId xmlns:a16="http://schemas.microsoft.com/office/drawing/2014/main" xmlns="" id="{3E3F5DC8-E31C-44B5-B975-07F80F41D6B2}"/>
               </a:ext>
             </a:extLst>
           </p:cNvPr>
@@ -5689,7 +5689,7 @@
           <p:cNvPr id="3" name="Content Placeholder 2">
             <a:extLst>
               <a:ext uri="{FF2B5EF4-FFF2-40B4-BE49-F238E27FC236}">
-                <a16:creationId xmlns:a16="http://schemas.microsoft.com/office/drawing/2014/main" id="{9812DECB-E4E4-4D03-879C-88F9CF4811DF}"/>
+                <a16:creationId xmlns:a16="http://schemas.microsoft.com/office/drawing/2014/main" xmlns="" id="{9812DECB-E4E4-4D03-879C-88F9CF4811DF}"/>
               </a:ext>
             </a:extLst>
           </p:cNvPr>
@@ -7809,6 +7809,54 @@
           <a:chExt cx="0" cy="0"/>
         </a:xfrm>
       </p:grpSpPr>
+      <p:pic>
+        <p:nvPicPr>
+          <p:cNvPr id="44" name="Picture 43"/>
+          <p:cNvPicPr>
+            <a:picLocks noChangeAspect="1"/>
+          </p:cNvPicPr>
+          <p:nvPr/>
+        </p:nvPicPr>
+        <p:blipFill>
+          <a:blip r:embed="rId2"/>
+          <a:stretch>
+            <a:fillRect/>
+          </a:stretch>
+        </p:blipFill>
+        <p:spPr>
+          <a:xfrm>
+            <a:off x="958637" y="3310250"/>
+            <a:ext cx="4009605" cy="3200154"/>
+          </a:xfrm>
+          <a:prstGeom prst="rect">
+            <a:avLst/>
+          </a:prstGeom>
+        </p:spPr>
+      </p:pic>
+      <p:pic>
+        <p:nvPicPr>
+          <p:cNvPr id="28" name="Picture 27"/>
+          <p:cNvPicPr>
+            <a:picLocks noChangeAspect="1"/>
+          </p:cNvPicPr>
+          <p:nvPr/>
+        </p:nvPicPr>
+        <p:blipFill>
+          <a:blip r:embed="rId3"/>
+          <a:stretch>
+            <a:fillRect/>
+          </a:stretch>
+        </p:blipFill>
+        <p:spPr>
+          <a:xfrm>
+            <a:off x="6435632" y="4326290"/>
+            <a:ext cx="5286105" cy="2304772"/>
+          </a:xfrm>
+          <a:prstGeom prst="rect">
+            <a:avLst/>
+          </a:prstGeom>
+        </p:spPr>
+      </p:pic>
       <p:sp>
         <p:nvSpPr>
           <p:cNvPr id="2" name="Title 1"/>
@@ -7846,34 +7894,562 @@
             <a:spLocks noGrp="1"/>
           </p:cNvSpPr>
           <p:nvPr>
-            <p:ph sz="half" idx="1"/>
+            <p:ph idx="1"/>
           </p:nvPr>
         </p:nvSpPr>
         <p:spPr/>
         <p:txBody>
-          <a:bodyPr/>
-          <a:lstStyle/>
-          <a:p>
+          <a:bodyPr>
+            <a:normAutofit/>
+          </a:bodyPr>
+          <a:lstStyle/>
+          <a:p>
+            <a:r>
+              <a:rPr lang="en-US" sz="2000" b="1" i="1" dirty="0" err="1"/>
+              <a:t>publishOn</a:t>
+            </a:r>
+            <a:r>
+              <a:rPr lang="en-US" sz="2000" dirty="0"/>
+              <a:t> affects where the subsequent operators execute</a:t>
+            </a:r>
+            <a:r>
+              <a:rPr lang="en-US" sz="2000" dirty="0" smtClean="0"/>
+              <a:t>:</a:t>
+            </a:r>
+            <a:endParaRPr lang="en-US" sz="2000" dirty="0"/>
+          </a:p>
+          <a:p>
+            <a:pPr lvl="1"/>
+            <a:r>
+              <a:rPr lang="en-US" sz="1800" dirty="0" smtClean="0"/>
+              <a:t>Changes </a:t>
+            </a:r>
+            <a:r>
+              <a:rPr lang="en-US" sz="1800" dirty="0"/>
+              <a:t>the execution context to one Thread picked by the Scheduler</a:t>
+            </a:r>
+          </a:p>
+          <a:p>
+            <a:pPr lvl="1"/>
+            <a:r>
+              <a:rPr lang="en-US" sz="1800" dirty="0" smtClean="0"/>
+              <a:t>as </a:t>
+            </a:r>
+            <a:r>
+              <a:rPr lang="en-US" sz="1800" dirty="0"/>
+              <a:t>per the specification, </a:t>
+            </a:r>
+            <a:r>
+              <a:rPr lang="en-US" sz="1800" dirty="0" err="1"/>
+              <a:t>onNext</a:t>
+            </a:r>
+            <a:r>
+              <a:rPr lang="en-US" sz="1800" dirty="0"/>
+              <a:t> calls happen in sequence, so this uses up a single thread</a:t>
+            </a:r>
+          </a:p>
+          <a:p>
+            <a:pPr lvl="1"/>
+            <a:r>
+              <a:rPr lang="en-US" sz="1800" dirty="0" smtClean="0"/>
+              <a:t>unless </a:t>
+            </a:r>
+            <a:r>
+              <a:rPr lang="en-US" sz="1800" dirty="0"/>
+              <a:t>they work on a specific Scheduler, operators after </a:t>
+            </a:r>
+            <a:r>
+              <a:rPr lang="en-US" sz="1800" dirty="0" err="1"/>
+              <a:t>publishOn</a:t>
+            </a:r>
+            <a:r>
+              <a:rPr lang="en-US" sz="1800" dirty="0"/>
+              <a:t> continue execution on that same thread</a:t>
+            </a:r>
+            <a:endParaRPr lang="en-US" sz="1800" dirty="0"/>
+          </a:p>
+        </p:txBody>
+      </p:sp>
+      <p:sp>
+        <p:nvSpPr>
+          <p:cNvPr id="8" name="Rectangle 7"/>
+          <p:cNvSpPr/>
+          <p:nvPr/>
+        </p:nvSpPr>
+        <p:spPr>
+          <a:xfrm>
+            <a:off x="1314995" y="4774955"/>
+            <a:ext cx="1254033" cy="270744"/>
+          </a:xfrm>
+          <a:prstGeom prst="rect">
+            <a:avLst/>
+          </a:prstGeom>
+          <a:noFill/>
+          <a:ln w="9525"/>
+        </p:spPr>
+        <p:style>
+          <a:lnRef idx="2">
+            <a:schemeClr val="accent5"/>
+          </a:lnRef>
+          <a:fillRef idx="1">
+            <a:schemeClr val="lt1"/>
+          </a:fillRef>
+          <a:effectRef idx="0">
+            <a:schemeClr val="accent5"/>
+          </a:effectRef>
+          <a:fontRef idx="minor">
+            <a:schemeClr val="dk1"/>
+          </a:fontRef>
+        </p:style>
+        <p:txBody>
+          <a:bodyPr rtlCol="0" anchor="ctr"/>
+          <a:lstStyle/>
+          <a:p>
+            <a:pPr algn="ctr"/>
             <a:endParaRPr lang="en-US"/>
           </a:p>
         </p:txBody>
       </p:sp>
       <p:sp>
         <p:nvSpPr>
-          <p:cNvPr id="4" name="Content Placeholder 3"/>
-          <p:cNvSpPr>
-            <a:spLocks noGrp="1"/>
-          </p:cNvSpPr>
-          <p:nvPr>
-            <p:ph sz="half" idx="2"/>
-          </p:nvPr>
-        </p:nvSpPr>
-        <p:spPr/>
-        <p:txBody>
-          <a:bodyPr/>
-          <a:lstStyle/>
-          <a:p>
+          <p:cNvPr id="9" name="Rectangle 8"/>
+          <p:cNvSpPr/>
+          <p:nvPr/>
+        </p:nvSpPr>
+        <p:spPr>
+          <a:xfrm>
+            <a:off x="1314995" y="5097525"/>
+            <a:ext cx="2778034" cy="513805"/>
+          </a:xfrm>
+          <a:prstGeom prst="rect">
+            <a:avLst/>
+          </a:prstGeom>
+          <a:noFill/>
+          <a:ln w="9525">
+            <a:solidFill>
+              <a:schemeClr val="accent6"/>
+            </a:solidFill>
+          </a:ln>
+        </p:spPr>
+        <p:style>
+          <a:lnRef idx="2">
+            <a:schemeClr val="accent5"/>
+          </a:lnRef>
+          <a:fillRef idx="1">
+            <a:schemeClr val="lt1"/>
+          </a:fillRef>
+          <a:effectRef idx="0">
+            <a:schemeClr val="accent5"/>
+          </a:effectRef>
+          <a:fontRef idx="minor">
+            <a:schemeClr val="dk1"/>
+          </a:fontRef>
+        </p:style>
+        <p:txBody>
+          <a:bodyPr rtlCol="0" anchor="ctr"/>
+          <a:lstStyle/>
+          <a:p>
+            <a:pPr algn="ctr"/>
             <a:endParaRPr lang="en-US"/>
+          </a:p>
+        </p:txBody>
+      </p:sp>
+      <p:sp>
+        <p:nvSpPr>
+          <p:cNvPr id="10" name="Rectangle 9"/>
+          <p:cNvSpPr/>
+          <p:nvPr/>
+        </p:nvSpPr>
+        <p:spPr>
+          <a:xfrm>
+            <a:off x="1314995" y="5672869"/>
+            <a:ext cx="2778034" cy="513805"/>
+          </a:xfrm>
+          <a:prstGeom prst="rect">
+            <a:avLst/>
+          </a:prstGeom>
+          <a:noFill/>
+          <a:ln w="9525">
+            <a:solidFill>
+              <a:schemeClr val="accent2"/>
+            </a:solidFill>
+          </a:ln>
+        </p:spPr>
+        <p:style>
+          <a:lnRef idx="2">
+            <a:schemeClr val="accent5"/>
+          </a:lnRef>
+          <a:fillRef idx="1">
+            <a:schemeClr val="lt1"/>
+          </a:fillRef>
+          <a:effectRef idx="0">
+            <a:schemeClr val="accent5"/>
+          </a:effectRef>
+          <a:fontRef idx="minor">
+            <a:schemeClr val="dk1"/>
+          </a:fontRef>
+        </p:style>
+        <p:txBody>
+          <a:bodyPr rtlCol="0" anchor="ctr"/>
+          <a:lstStyle/>
+          <a:p>
+            <a:pPr algn="ctr"/>
+            <a:endParaRPr lang="en-US"/>
+          </a:p>
+        </p:txBody>
+      </p:sp>
+      <p:sp>
+        <p:nvSpPr>
+          <p:cNvPr id="11" name="Rectangle 10"/>
+          <p:cNvSpPr/>
+          <p:nvPr/>
+        </p:nvSpPr>
+        <p:spPr>
+          <a:xfrm>
+            <a:off x="6453051" y="4525572"/>
+            <a:ext cx="3675018" cy="314859"/>
+          </a:xfrm>
+          <a:prstGeom prst="rect">
+            <a:avLst/>
+          </a:prstGeom>
+          <a:noFill/>
+          <a:ln w="9525"/>
+        </p:spPr>
+        <p:style>
+          <a:lnRef idx="2">
+            <a:schemeClr val="accent5"/>
+          </a:lnRef>
+          <a:fillRef idx="1">
+            <a:schemeClr val="lt1"/>
+          </a:fillRef>
+          <a:effectRef idx="0">
+            <a:schemeClr val="accent5"/>
+          </a:effectRef>
+          <a:fontRef idx="minor">
+            <a:schemeClr val="dk1"/>
+          </a:fontRef>
+        </p:style>
+        <p:txBody>
+          <a:bodyPr rtlCol="0" anchor="ctr"/>
+          <a:lstStyle/>
+          <a:p>
+            <a:pPr algn="ctr"/>
+            <a:endParaRPr lang="en-US"/>
+          </a:p>
+        </p:txBody>
+      </p:sp>
+      <p:sp>
+        <p:nvSpPr>
+          <p:cNvPr id="12" name="Rectangle 11"/>
+          <p:cNvSpPr/>
+          <p:nvPr/>
+        </p:nvSpPr>
+        <p:spPr>
+          <a:xfrm>
+            <a:off x="6453051" y="4975368"/>
+            <a:ext cx="3675018" cy="156495"/>
+          </a:xfrm>
+          <a:prstGeom prst="rect">
+            <a:avLst/>
+          </a:prstGeom>
+          <a:noFill/>
+          <a:ln w="9525">
+            <a:solidFill>
+              <a:schemeClr val="accent6"/>
+            </a:solidFill>
+          </a:ln>
+        </p:spPr>
+        <p:style>
+          <a:lnRef idx="2">
+            <a:schemeClr val="accent5"/>
+          </a:lnRef>
+          <a:fillRef idx="1">
+            <a:schemeClr val="lt1"/>
+          </a:fillRef>
+          <a:effectRef idx="0">
+            <a:schemeClr val="accent5"/>
+          </a:effectRef>
+          <a:fontRef idx="minor">
+            <a:schemeClr val="dk1"/>
+          </a:fontRef>
+        </p:style>
+        <p:txBody>
+          <a:bodyPr rtlCol="0" anchor="ctr"/>
+          <a:lstStyle/>
+          <a:p>
+            <a:pPr algn="ctr"/>
+            <a:endParaRPr lang="en-US"/>
+          </a:p>
+        </p:txBody>
+      </p:sp>
+      <p:sp>
+        <p:nvSpPr>
+          <p:cNvPr id="13" name="Rectangle 12"/>
+          <p:cNvSpPr/>
+          <p:nvPr/>
+        </p:nvSpPr>
+        <p:spPr>
+          <a:xfrm>
+            <a:off x="6444342" y="5478676"/>
+            <a:ext cx="3997234" cy="161965"/>
+          </a:xfrm>
+          <a:prstGeom prst="rect">
+            <a:avLst/>
+          </a:prstGeom>
+          <a:noFill/>
+          <a:ln w="9525">
+            <a:solidFill>
+              <a:schemeClr val="accent2"/>
+            </a:solidFill>
+          </a:ln>
+        </p:spPr>
+        <p:style>
+          <a:lnRef idx="2">
+            <a:schemeClr val="accent5"/>
+          </a:lnRef>
+          <a:fillRef idx="1">
+            <a:schemeClr val="lt1"/>
+          </a:fillRef>
+          <a:effectRef idx="0">
+            <a:schemeClr val="accent5"/>
+          </a:effectRef>
+          <a:fontRef idx="minor">
+            <a:schemeClr val="dk1"/>
+          </a:fontRef>
+        </p:style>
+        <p:txBody>
+          <a:bodyPr rtlCol="0" anchor="ctr"/>
+          <a:lstStyle/>
+          <a:p>
+            <a:pPr algn="ctr"/>
+            <a:endParaRPr lang="en-US"/>
+          </a:p>
+        </p:txBody>
+      </p:sp>
+      <p:cxnSp>
+        <p:nvCxnSpPr>
+          <p:cNvPr id="15" name="Straight Arrow Connector 14"/>
+          <p:cNvCxnSpPr/>
+          <p:nvPr/>
+        </p:nvCxnSpPr>
+        <p:spPr>
+          <a:xfrm flipV="1">
+            <a:off x="2569028" y="4641927"/>
+            <a:ext cx="3884023" cy="339280"/>
+          </a:xfrm>
+          <a:prstGeom prst="straightConnector1">
+            <a:avLst/>
+          </a:prstGeom>
+          <a:ln w="19050">
+            <a:tailEnd type="triangle"/>
+          </a:ln>
+        </p:spPr>
+        <p:style>
+          <a:lnRef idx="1">
+            <a:schemeClr val="accent1"/>
+          </a:lnRef>
+          <a:fillRef idx="0">
+            <a:schemeClr val="accent1"/>
+          </a:fillRef>
+          <a:effectRef idx="0">
+            <a:schemeClr val="accent1"/>
+          </a:effectRef>
+          <a:fontRef idx="minor">
+            <a:schemeClr val="tx1"/>
+          </a:fontRef>
+        </p:style>
+      </p:cxnSp>
+      <p:cxnSp>
+        <p:nvCxnSpPr>
+          <p:cNvPr id="18" name="Straight Arrow Connector 17"/>
+          <p:cNvCxnSpPr>
+            <a:endCxn id="12" idx="1"/>
+          </p:cNvCxnSpPr>
+          <p:nvPr/>
+        </p:nvCxnSpPr>
+        <p:spPr>
+          <a:xfrm flipV="1">
+            <a:off x="4093029" y="5053616"/>
+            <a:ext cx="2360022" cy="207186"/>
+          </a:xfrm>
+          <a:prstGeom prst="straightConnector1">
+            <a:avLst/>
+          </a:prstGeom>
+          <a:ln w="19050">
+            <a:solidFill>
+              <a:schemeClr val="accent6"/>
+            </a:solidFill>
+            <a:tailEnd type="triangle"/>
+          </a:ln>
+        </p:spPr>
+        <p:style>
+          <a:lnRef idx="1">
+            <a:schemeClr val="accent1"/>
+          </a:lnRef>
+          <a:fillRef idx="0">
+            <a:schemeClr val="accent1"/>
+          </a:fillRef>
+          <a:effectRef idx="0">
+            <a:schemeClr val="accent1"/>
+          </a:effectRef>
+          <a:fontRef idx="minor">
+            <a:schemeClr val="tx1"/>
+          </a:fontRef>
+        </p:style>
+      </p:cxnSp>
+      <p:cxnSp>
+        <p:nvCxnSpPr>
+          <p:cNvPr id="21" name="Straight Arrow Connector 20"/>
+          <p:cNvCxnSpPr>
+            <a:endCxn id="13" idx="1"/>
+          </p:cNvCxnSpPr>
+          <p:nvPr/>
+        </p:nvCxnSpPr>
+        <p:spPr>
+          <a:xfrm flipV="1">
+            <a:off x="4093029" y="5559659"/>
+            <a:ext cx="2351313" cy="205230"/>
+          </a:xfrm>
+          <a:prstGeom prst="straightConnector1">
+            <a:avLst/>
+          </a:prstGeom>
+          <a:ln w="19050">
+            <a:solidFill>
+              <a:schemeClr val="accent2"/>
+            </a:solidFill>
+            <a:tailEnd type="triangle"/>
+          </a:ln>
+        </p:spPr>
+        <p:style>
+          <a:lnRef idx="1">
+            <a:schemeClr val="accent1"/>
+          </a:lnRef>
+          <a:fillRef idx="0">
+            <a:schemeClr val="accent1"/>
+          </a:fillRef>
+          <a:effectRef idx="0">
+            <a:schemeClr val="accent1"/>
+          </a:effectRef>
+          <a:fontRef idx="minor">
+            <a:schemeClr val="tx1"/>
+          </a:fontRef>
+        </p:style>
+      </p:cxnSp>
+      <p:sp>
+        <p:nvSpPr>
+          <p:cNvPr id="34" name="Rectangle 33"/>
+          <p:cNvSpPr/>
+          <p:nvPr/>
+        </p:nvSpPr>
+        <p:spPr>
+          <a:xfrm>
+            <a:off x="6435631" y="5819407"/>
+            <a:ext cx="4005945" cy="138502"/>
+          </a:xfrm>
+          <a:prstGeom prst="rect">
+            <a:avLst/>
+          </a:prstGeom>
+          <a:noFill/>
+          <a:ln w="9525">
+            <a:solidFill>
+              <a:schemeClr val="accent2"/>
+            </a:solidFill>
+          </a:ln>
+        </p:spPr>
+        <p:style>
+          <a:lnRef idx="2">
+            <a:schemeClr val="accent5"/>
+          </a:lnRef>
+          <a:fillRef idx="1">
+            <a:schemeClr val="lt1"/>
+          </a:fillRef>
+          <a:effectRef idx="0">
+            <a:schemeClr val="accent5"/>
+          </a:effectRef>
+          <a:fontRef idx="minor">
+            <a:schemeClr val="dk1"/>
+          </a:fontRef>
+        </p:style>
+        <p:txBody>
+          <a:bodyPr rtlCol="0" anchor="ctr"/>
+          <a:lstStyle/>
+          <a:p>
+            <a:pPr algn="ctr"/>
+            <a:endParaRPr lang="en-US"/>
+          </a:p>
+        </p:txBody>
+      </p:sp>
+      <p:cxnSp>
+        <p:nvCxnSpPr>
+          <p:cNvPr id="36" name="Straight Arrow Connector 35"/>
+          <p:cNvCxnSpPr/>
+          <p:nvPr/>
+        </p:nvCxnSpPr>
+        <p:spPr>
+          <a:xfrm flipV="1">
+            <a:off x="4093029" y="5913808"/>
+            <a:ext cx="2342602" cy="183516"/>
+          </a:xfrm>
+          <a:prstGeom prst="straightConnector1">
+            <a:avLst/>
+          </a:prstGeom>
+          <a:ln w="19050">
+            <a:solidFill>
+              <a:schemeClr val="accent2"/>
+            </a:solidFill>
+            <a:tailEnd type="triangle"/>
+          </a:ln>
+        </p:spPr>
+        <p:style>
+          <a:lnRef idx="1">
+            <a:schemeClr val="accent1"/>
+          </a:lnRef>
+          <a:fillRef idx="0">
+            <a:schemeClr val="accent1"/>
+          </a:fillRef>
+          <a:effectRef idx="0">
+            <a:schemeClr val="accent1"/>
+          </a:effectRef>
+          <a:fontRef idx="minor">
+            <a:schemeClr val="tx1"/>
+          </a:fontRef>
+        </p:style>
+      </p:cxnSp>
+      <p:sp>
+        <p:nvSpPr>
+          <p:cNvPr id="43" name="TextBox 42"/>
+          <p:cNvSpPr txBox="1"/>
+          <p:nvPr/>
+        </p:nvSpPr>
+        <p:spPr>
+          <a:xfrm>
+            <a:off x="4925785" y="5662582"/>
+            <a:ext cx="1100814" cy="307777"/>
+          </a:xfrm>
+          <a:prstGeom prst="rect">
+            <a:avLst/>
+          </a:prstGeom>
+          <a:noFill/>
+        </p:spPr>
+        <p:txBody>
+          <a:bodyPr wrap="none" rtlCol="0">
+            <a:spAutoFit/>
+          </a:bodyPr>
+          <a:lstStyle/>
+          <a:p>
+            <a:r>
+              <a:rPr lang="en-US" sz="1400" dirty="0" smtClean="0">
+                <a:solidFill>
+                  <a:schemeClr val="accent2"/>
+                </a:solidFill>
+              </a:rPr>
+              <a:t>same thread</a:t>
+            </a:r>
+            <a:endParaRPr lang="en-US" sz="1400" dirty="0">
+              <a:solidFill>
+                <a:schemeClr val="accent2"/>
+              </a:solidFill>
+            </a:endParaRPr>
           </a:p>
         </p:txBody>
       </p:sp>
@@ -7939,12 +8515,12 @@
       </p:sp>
       <p:sp>
         <p:nvSpPr>
-          <p:cNvPr id="3" name="Content Placeholder 2"/>
-          <p:cNvSpPr>
-            <a:spLocks noGrp="1"/>
-          </p:cNvSpPr>
-          <p:nvPr>
-            <p:ph sz="half" idx="1"/>
+          <p:cNvPr id="5" name="Content Placeholder 4"/>
+          <p:cNvSpPr>
+            <a:spLocks noGrp="1"/>
+          </p:cNvSpPr>
+          <p:nvPr>
+            <p:ph idx="1"/>
           </p:nvPr>
         </p:nvSpPr>
         <p:spPr/>
@@ -7952,26 +8528,464 @@
           <a:bodyPr/>
           <a:lstStyle/>
           <a:p>
+            <a:r>
+              <a:rPr lang="en-US" sz="2000" b="1" i="1" dirty="0" err="1" smtClean="0"/>
+              <a:t>subscribeOn</a:t>
+            </a:r>
+            <a:r>
+              <a:rPr lang="en-US" sz="2000" b="1" i="1" dirty="0" smtClean="0"/>
+              <a:t> </a:t>
+            </a:r>
+            <a:r>
+              <a:rPr lang="en-US" sz="2000" dirty="0"/>
+              <a:t>affects the context of the source emission:</a:t>
+            </a:r>
+          </a:p>
+          <a:p>
+            <a:pPr lvl="1"/>
+            <a:r>
+              <a:rPr lang="en-US" sz="1800" dirty="0"/>
+              <a:t>Changes the Thread from which the whole chain of operators subscribes</a:t>
+            </a:r>
+          </a:p>
+          <a:p>
+            <a:pPr lvl="1"/>
+            <a:r>
+              <a:rPr lang="en-US" sz="1800" dirty="0"/>
+              <a:t>Picks one thread from the Scheduler</a:t>
+            </a:r>
+          </a:p>
+          <a:p>
+            <a:endParaRPr lang="en-US" dirty="0"/>
+          </a:p>
+        </p:txBody>
+      </p:sp>
+      <p:pic>
+        <p:nvPicPr>
+          <p:cNvPr id="6" name="Picture 5"/>
+          <p:cNvPicPr>
+            <a:picLocks noChangeAspect="1"/>
+          </p:cNvPicPr>
+          <p:nvPr/>
+        </p:nvPicPr>
+        <p:blipFill>
+          <a:blip r:embed="rId2"/>
+          <a:stretch>
+            <a:fillRect/>
+          </a:stretch>
+        </p:blipFill>
+        <p:spPr>
+          <a:xfrm>
+            <a:off x="722809" y="2907622"/>
+            <a:ext cx="5012991" cy="3269342"/>
+          </a:xfrm>
+          <a:prstGeom prst="rect">
+            <a:avLst/>
+          </a:prstGeom>
+        </p:spPr>
+      </p:pic>
+      <p:pic>
+        <p:nvPicPr>
+          <p:cNvPr id="7" name="Picture 6"/>
+          <p:cNvPicPr>
+            <a:picLocks noChangeAspect="1"/>
+          </p:cNvPicPr>
+          <p:nvPr/>
+        </p:nvPicPr>
+        <p:blipFill>
+          <a:blip r:embed="rId3"/>
+          <a:stretch>
+            <a:fillRect/>
+          </a:stretch>
+        </p:blipFill>
+        <p:spPr>
+          <a:xfrm>
+            <a:off x="6173405" y="4103282"/>
+            <a:ext cx="5790945" cy="2073681"/>
+          </a:xfrm>
+          <a:prstGeom prst="rect">
+            <a:avLst/>
+          </a:prstGeom>
+        </p:spPr>
+      </p:pic>
+      <p:sp>
+        <p:nvSpPr>
+          <p:cNvPr id="8" name="Rectangle 7"/>
+          <p:cNvSpPr/>
+          <p:nvPr/>
+        </p:nvSpPr>
+        <p:spPr>
+          <a:xfrm>
+            <a:off x="1384663" y="4441371"/>
+            <a:ext cx="2804160" cy="296092"/>
+          </a:xfrm>
+          <a:prstGeom prst="rect">
+            <a:avLst/>
+          </a:prstGeom>
+          <a:noFill/>
+          <a:ln>
+            <a:solidFill>
+              <a:schemeClr val="accent2"/>
+            </a:solidFill>
+          </a:ln>
+        </p:spPr>
+        <p:style>
+          <a:lnRef idx="2">
+            <a:schemeClr val="accent5"/>
+          </a:lnRef>
+          <a:fillRef idx="1">
+            <a:schemeClr val="lt1"/>
+          </a:fillRef>
+          <a:effectRef idx="0">
+            <a:schemeClr val="accent5"/>
+          </a:effectRef>
+          <a:fontRef idx="minor">
+            <a:schemeClr val="dk1"/>
+          </a:fontRef>
+        </p:style>
+        <p:txBody>
+          <a:bodyPr rtlCol="0" anchor="ctr"/>
+          <a:lstStyle/>
+          <a:p>
+            <a:pPr algn="ctr"/>
             <a:endParaRPr lang="en-US"/>
           </a:p>
         </p:txBody>
       </p:sp>
       <p:sp>
         <p:nvSpPr>
-          <p:cNvPr id="4" name="Content Placeholder 3"/>
-          <p:cNvSpPr>
-            <a:spLocks noGrp="1"/>
-          </p:cNvSpPr>
-          <p:nvPr>
-            <p:ph sz="half" idx="2"/>
-          </p:nvPr>
-        </p:nvSpPr>
-        <p:spPr/>
-        <p:txBody>
-          <a:bodyPr/>
-          <a:lstStyle/>
-          <a:p>
+          <p:cNvPr id="9" name="Rectangle 8"/>
+          <p:cNvSpPr/>
+          <p:nvPr/>
+        </p:nvSpPr>
+        <p:spPr>
+          <a:xfrm>
+            <a:off x="6199533" y="4441371"/>
+            <a:ext cx="4477175" cy="487680"/>
+          </a:xfrm>
+          <a:prstGeom prst="rect">
+            <a:avLst/>
+          </a:prstGeom>
+          <a:noFill/>
+          <a:ln>
+            <a:solidFill>
+              <a:schemeClr val="accent2"/>
+            </a:solidFill>
+          </a:ln>
+        </p:spPr>
+        <p:style>
+          <a:lnRef idx="2">
+            <a:schemeClr val="accent5"/>
+          </a:lnRef>
+          <a:fillRef idx="1">
+            <a:schemeClr val="lt1"/>
+          </a:fillRef>
+          <a:effectRef idx="0">
+            <a:schemeClr val="accent5"/>
+          </a:effectRef>
+          <a:fontRef idx="minor">
+            <a:schemeClr val="dk1"/>
+          </a:fontRef>
+        </p:style>
+        <p:txBody>
+          <a:bodyPr rtlCol="0" anchor="ctr"/>
+          <a:lstStyle/>
+          <a:p>
+            <a:pPr algn="ctr"/>
             <a:endParaRPr lang="en-US"/>
+          </a:p>
+        </p:txBody>
+      </p:sp>
+      <p:sp>
+        <p:nvSpPr>
+          <p:cNvPr id="10" name="Rectangle 9"/>
+          <p:cNvSpPr/>
+          <p:nvPr/>
+        </p:nvSpPr>
+        <p:spPr>
+          <a:xfrm>
+            <a:off x="6199532" y="4963887"/>
+            <a:ext cx="5705085" cy="992776"/>
+          </a:xfrm>
+          <a:prstGeom prst="rect">
+            <a:avLst/>
+          </a:prstGeom>
+          <a:noFill/>
+          <a:ln>
+            <a:solidFill>
+              <a:schemeClr val="accent1"/>
+            </a:solidFill>
+          </a:ln>
+        </p:spPr>
+        <p:style>
+          <a:lnRef idx="2">
+            <a:schemeClr val="accent6"/>
+          </a:lnRef>
+          <a:fillRef idx="1">
+            <a:schemeClr val="lt1"/>
+          </a:fillRef>
+          <a:effectRef idx="0">
+            <a:schemeClr val="accent6"/>
+          </a:effectRef>
+          <a:fontRef idx="minor">
+            <a:schemeClr val="dk1"/>
+          </a:fontRef>
+        </p:style>
+        <p:txBody>
+          <a:bodyPr rtlCol="0" anchor="ctr"/>
+          <a:lstStyle/>
+          <a:p>
+            <a:pPr algn="ctr"/>
+            <a:endParaRPr lang="en-US"/>
+          </a:p>
+        </p:txBody>
+      </p:sp>
+      <p:cxnSp>
+        <p:nvCxnSpPr>
+          <p:cNvPr id="12" name="Straight Arrow Connector 11"/>
+          <p:cNvCxnSpPr>
+            <a:stCxn id="8" idx="3"/>
+            <a:endCxn id="9" idx="1"/>
+          </p:cNvCxnSpPr>
+          <p:nvPr/>
+        </p:nvCxnSpPr>
+        <p:spPr>
+          <a:xfrm>
+            <a:off x="4188823" y="4589417"/>
+            <a:ext cx="2010710" cy="95794"/>
+          </a:xfrm>
+          <a:prstGeom prst="straightConnector1">
+            <a:avLst/>
+          </a:prstGeom>
+          <a:ln w="19050">
+            <a:solidFill>
+              <a:schemeClr val="accent2"/>
+            </a:solidFill>
+            <a:tailEnd type="triangle"/>
+          </a:ln>
+        </p:spPr>
+        <p:style>
+          <a:lnRef idx="1">
+            <a:schemeClr val="accent1"/>
+          </a:lnRef>
+          <a:fillRef idx="0">
+            <a:schemeClr val="accent1"/>
+          </a:fillRef>
+          <a:effectRef idx="0">
+            <a:schemeClr val="accent1"/>
+          </a:effectRef>
+          <a:fontRef idx="minor">
+            <a:schemeClr val="tx1"/>
+          </a:fontRef>
+        </p:style>
+      </p:cxnSp>
+      <p:sp>
+        <p:nvSpPr>
+          <p:cNvPr id="19" name="Rectangle 18"/>
+          <p:cNvSpPr/>
+          <p:nvPr/>
+        </p:nvSpPr>
+        <p:spPr>
+          <a:xfrm>
+            <a:off x="1384664" y="4820148"/>
+            <a:ext cx="3753394" cy="509498"/>
+          </a:xfrm>
+          <a:prstGeom prst="rect">
+            <a:avLst/>
+          </a:prstGeom>
+          <a:noFill/>
+          <a:ln>
+            <a:solidFill>
+              <a:schemeClr val="accent1"/>
+            </a:solidFill>
+          </a:ln>
+        </p:spPr>
+        <p:style>
+          <a:lnRef idx="2">
+            <a:schemeClr val="accent6"/>
+          </a:lnRef>
+          <a:fillRef idx="1">
+            <a:schemeClr val="lt1"/>
+          </a:fillRef>
+          <a:effectRef idx="0">
+            <a:schemeClr val="accent6"/>
+          </a:effectRef>
+          <a:fontRef idx="minor">
+            <a:schemeClr val="dk1"/>
+          </a:fontRef>
+        </p:style>
+        <p:txBody>
+          <a:bodyPr rtlCol="0" anchor="ctr"/>
+          <a:lstStyle/>
+          <a:p>
+            <a:pPr algn="ctr"/>
+            <a:endParaRPr lang="en-US"/>
+          </a:p>
+        </p:txBody>
+      </p:sp>
+      <p:cxnSp>
+        <p:nvCxnSpPr>
+          <p:cNvPr id="20" name="Straight Arrow Connector 19"/>
+          <p:cNvCxnSpPr>
+            <a:stCxn id="19" idx="3"/>
+            <a:endCxn id="7" idx="1"/>
+          </p:cNvCxnSpPr>
+          <p:nvPr/>
+        </p:nvCxnSpPr>
+        <p:spPr>
+          <a:xfrm>
+            <a:off x="5138058" y="5074897"/>
+            <a:ext cx="1035347" cy="65226"/>
+          </a:xfrm>
+          <a:prstGeom prst="straightConnector1">
+            <a:avLst/>
+          </a:prstGeom>
+          <a:ln w="19050">
+            <a:solidFill>
+              <a:schemeClr val="accent1"/>
+            </a:solidFill>
+            <a:tailEnd type="triangle"/>
+          </a:ln>
+        </p:spPr>
+        <p:style>
+          <a:lnRef idx="1">
+            <a:schemeClr val="accent1"/>
+          </a:lnRef>
+          <a:fillRef idx="0">
+            <a:schemeClr val="accent1"/>
+          </a:fillRef>
+          <a:effectRef idx="0">
+            <a:schemeClr val="accent1"/>
+          </a:effectRef>
+          <a:fontRef idx="minor">
+            <a:schemeClr val="tx1"/>
+          </a:fontRef>
+        </p:style>
+      </p:cxnSp>
+      <p:sp>
+        <p:nvSpPr>
+          <p:cNvPr id="23" name="Rectangle 22"/>
+          <p:cNvSpPr/>
+          <p:nvPr/>
+        </p:nvSpPr>
+        <p:spPr>
+          <a:xfrm>
+            <a:off x="1388534" y="5412331"/>
+            <a:ext cx="3753394" cy="407129"/>
+          </a:xfrm>
+          <a:prstGeom prst="rect">
+            <a:avLst/>
+          </a:prstGeom>
+          <a:noFill/>
+          <a:ln>
+            <a:solidFill>
+              <a:schemeClr val="accent2"/>
+            </a:solidFill>
+          </a:ln>
+        </p:spPr>
+        <p:style>
+          <a:lnRef idx="2">
+            <a:schemeClr val="accent6"/>
+          </a:lnRef>
+          <a:fillRef idx="1">
+            <a:schemeClr val="lt1"/>
+          </a:fillRef>
+          <a:effectRef idx="0">
+            <a:schemeClr val="accent6"/>
+          </a:effectRef>
+          <a:fontRef idx="minor">
+            <a:schemeClr val="dk1"/>
+          </a:fontRef>
+        </p:style>
+        <p:txBody>
+          <a:bodyPr rtlCol="0" anchor="ctr"/>
+          <a:lstStyle/>
+          <a:p>
+            <a:pPr algn="ctr"/>
+            <a:endParaRPr lang="en-US">
+              <a:solidFill>
+                <a:schemeClr val="accent6"/>
+              </a:solidFill>
+            </a:endParaRPr>
+          </a:p>
+        </p:txBody>
+      </p:sp>
+      <p:cxnSp>
+        <p:nvCxnSpPr>
+          <p:cNvPr id="29" name="Curved Connector 28"/>
+          <p:cNvCxnSpPr>
+            <a:stCxn id="23" idx="1"/>
+            <a:endCxn id="8" idx="1"/>
+          </p:cNvCxnSpPr>
+          <p:nvPr/>
+        </p:nvCxnSpPr>
+        <p:spPr>
+          <a:xfrm rot="10800000">
+            <a:off x="1384664" y="4589418"/>
+            <a:ext cx="3871" cy="1026479"/>
+          </a:xfrm>
+          <a:prstGeom prst="curvedConnector3">
+            <a:avLst>
+              <a:gd name="adj1" fmla="val 13429424"/>
+            </a:avLst>
+          </a:prstGeom>
+          <a:ln w="28575">
+            <a:solidFill>
+              <a:schemeClr val="accent2"/>
+            </a:solidFill>
+            <a:tailEnd type="triangle"/>
+          </a:ln>
+        </p:spPr>
+        <p:style>
+          <a:lnRef idx="1">
+            <a:schemeClr val="accent1"/>
+          </a:lnRef>
+          <a:fillRef idx="0">
+            <a:schemeClr val="accent1"/>
+          </a:fillRef>
+          <a:effectRef idx="0">
+            <a:schemeClr val="accent1"/>
+          </a:effectRef>
+          <a:fontRef idx="minor">
+            <a:schemeClr val="tx1"/>
+          </a:fontRef>
+        </p:style>
+      </p:cxnSp>
+      <p:sp>
+        <p:nvSpPr>
+          <p:cNvPr id="32" name="TextBox 31"/>
+          <p:cNvSpPr txBox="1"/>
+          <p:nvPr/>
+        </p:nvSpPr>
+        <p:spPr>
+          <a:xfrm>
+            <a:off x="1302674" y="5763944"/>
+            <a:ext cx="1693092" cy="261610"/>
+          </a:xfrm>
+          <a:prstGeom prst="rect">
+            <a:avLst/>
+          </a:prstGeom>
+          <a:noFill/>
+        </p:spPr>
+        <p:txBody>
+          <a:bodyPr wrap="none" rtlCol="0">
+            <a:spAutoFit/>
+          </a:bodyPr>
+          <a:lstStyle/>
+          <a:p>
+            <a:r>
+              <a:rPr lang="en-US" sz="1100" dirty="0" smtClean="0">
+                <a:solidFill>
+                  <a:schemeClr val="accent2"/>
+                </a:solidFill>
+              </a:rPr>
+              <a:t>Affects to Source Emission</a:t>
+            </a:r>
+            <a:endParaRPr lang="en-US" sz="1100" dirty="0">
+              <a:solidFill>
+                <a:schemeClr val="accent2"/>
+              </a:solidFill>
+            </a:endParaRPr>
           </a:p>
         </p:txBody>
       </p:sp>
@@ -8086,7 +9100,7 @@
           <p:cNvPr id="6" name="Title 5">
             <a:extLst>
               <a:ext uri="{FF2B5EF4-FFF2-40B4-BE49-F238E27FC236}">
-                <a16:creationId xmlns:a16="http://schemas.microsoft.com/office/drawing/2014/main" id="{983E8B40-E689-4DDA-82EB-1E120EA4ECA6}"/>
+                <a16:creationId xmlns:a16="http://schemas.microsoft.com/office/drawing/2014/main" xmlns="" id="{983E8B40-E689-4DDA-82EB-1E120EA4ECA6}"/>
               </a:ext>
             </a:extLst>
           </p:cNvPr>
@@ -8116,7 +9130,7 @@
           <p:cNvPr id="7" name="Text Placeholder 6">
             <a:extLst>
               <a:ext uri="{FF2B5EF4-FFF2-40B4-BE49-F238E27FC236}">
-                <a16:creationId xmlns:a16="http://schemas.microsoft.com/office/drawing/2014/main" id="{E5A9D391-AE1D-4608-8F33-1F63B85E0D6A}"/>
+                <a16:creationId xmlns:a16="http://schemas.microsoft.com/office/drawing/2014/main" xmlns="" id="{E5A9D391-AE1D-4608-8F33-1F63B85E0D6A}"/>
               </a:ext>
             </a:extLst>
           </p:cNvPr>
@@ -8193,12 +9207,12 @@
       </p:sp>
       <p:sp>
         <p:nvSpPr>
-          <p:cNvPr id="3" name="Content Placeholder 2"/>
-          <p:cNvSpPr>
-            <a:spLocks noGrp="1"/>
-          </p:cNvSpPr>
-          <p:nvPr>
-            <p:ph sz="half" idx="1"/>
+          <p:cNvPr id="5" name="Content Placeholder 4"/>
+          <p:cNvSpPr>
+            <a:spLocks noGrp="1"/>
+          </p:cNvSpPr>
+          <p:nvPr>
+            <p:ph idx="1"/>
           </p:nvPr>
         </p:nvSpPr>
         <p:spPr/>
@@ -8206,29 +9220,331 @@
           <a:bodyPr/>
           <a:lstStyle/>
           <a:p>
-            <a:endParaRPr lang="en-US"/>
-          </a:p>
-        </p:txBody>
-      </p:sp>
-      <p:sp>
-        <p:nvSpPr>
-          <p:cNvPr id="4" name="Content Placeholder 3"/>
-          <p:cNvSpPr>
-            <a:spLocks noGrp="1"/>
-          </p:cNvSpPr>
-          <p:nvPr>
-            <p:ph sz="half" idx="2"/>
-          </p:nvPr>
-        </p:nvSpPr>
-        <p:spPr/>
-        <p:txBody>
-          <a:bodyPr/>
-          <a:lstStyle/>
-          <a:p>
-            <a:endParaRPr lang="en-US"/>
-          </a:p>
-        </p:txBody>
-      </p:sp>
+            <a:r>
+              <a:rPr lang="en-US" dirty="0"/>
+              <a:t>Using </a:t>
+            </a:r>
+            <a:r>
+              <a:rPr lang="en-US" b="1" i="1" dirty="0" err="1" smtClean="0"/>
+              <a:t>StepVerifier</a:t>
+            </a:r>
+            <a:r>
+              <a:rPr lang="en-US" dirty="0" smtClean="0"/>
+              <a:t> to </a:t>
+            </a:r>
+            <a:r>
+              <a:rPr lang="en-US" dirty="0"/>
+              <a:t>verify Scenario </a:t>
+            </a:r>
+            <a:r>
+              <a:rPr lang="en-US" dirty="0" smtClean="0"/>
+              <a:t>of stream processing</a:t>
+            </a:r>
+            <a:endParaRPr lang="en-US" dirty="0"/>
+          </a:p>
+        </p:txBody>
+      </p:sp>
+      <p:grpSp>
+        <p:nvGrpSpPr>
+          <p:cNvPr id="22" name="Group 21"/>
+          <p:cNvGrpSpPr/>
+          <p:nvPr/>
+        </p:nvGrpSpPr>
+        <p:grpSpPr>
+          <a:xfrm>
+            <a:off x="1029751" y="2573169"/>
+            <a:ext cx="7652694" cy="3418328"/>
+            <a:chOff x="1029751" y="2573169"/>
+            <a:chExt cx="7652694" cy="3418328"/>
+          </a:xfrm>
+        </p:grpSpPr>
+        <p:pic>
+          <p:nvPicPr>
+            <p:cNvPr id="21" name="Picture 20"/>
+            <p:cNvPicPr>
+              <a:picLocks noChangeAspect="1"/>
+            </p:cNvPicPr>
+            <p:nvPr/>
+          </p:nvPicPr>
+          <p:blipFill>
+            <a:blip r:embed="rId2"/>
+            <a:stretch>
+              <a:fillRect/>
+            </a:stretch>
+          </p:blipFill>
+          <p:spPr>
+            <a:xfrm>
+              <a:off x="1029751" y="2573169"/>
+              <a:ext cx="4196910" cy="1659871"/>
+            </a:xfrm>
+            <a:prstGeom prst="rect">
+              <a:avLst/>
+            </a:prstGeom>
+          </p:spPr>
+        </p:pic>
+        <p:pic>
+          <p:nvPicPr>
+            <p:cNvPr id="7" name="Picture 6"/>
+            <p:cNvPicPr>
+              <a:picLocks noChangeAspect="1"/>
+            </p:cNvPicPr>
+            <p:nvPr/>
+          </p:nvPicPr>
+          <p:blipFill>
+            <a:blip r:embed="rId3"/>
+            <a:stretch>
+              <a:fillRect/>
+            </a:stretch>
+          </p:blipFill>
+          <p:spPr>
+            <a:xfrm>
+              <a:off x="1029751" y="4464786"/>
+              <a:ext cx="4196910" cy="1526711"/>
+            </a:xfrm>
+            <a:prstGeom prst="rect">
+              <a:avLst/>
+            </a:prstGeom>
+          </p:spPr>
+        </p:pic>
+        <p:sp>
+          <p:nvSpPr>
+            <p:cNvPr id="8" name="Rectangle 7"/>
+            <p:cNvSpPr/>
+            <p:nvPr/>
+          </p:nvSpPr>
+          <p:spPr>
+            <a:xfrm>
+              <a:off x="1465541" y="3735977"/>
+              <a:ext cx="3393842" cy="265317"/>
+            </a:xfrm>
+            <a:prstGeom prst="rect">
+              <a:avLst/>
+            </a:prstGeom>
+            <a:noFill/>
+          </p:spPr>
+          <p:style>
+            <a:lnRef idx="2">
+              <a:schemeClr val="accent5"/>
+            </a:lnRef>
+            <a:fillRef idx="1">
+              <a:schemeClr val="lt1"/>
+            </a:fillRef>
+            <a:effectRef idx="0">
+              <a:schemeClr val="accent5"/>
+            </a:effectRef>
+            <a:fontRef idx="minor">
+              <a:schemeClr val="dk1"/>
+            </a:fontRef>
+          </p:style>
+          <p:txBody>
+            <a:bodyPr rtlCol="0" anchor="ctr"/>
+            <a:lstStyle/>
+            <a:p>
+              <a:pPr algn="ctr"/>
+              <a:endParaRPr lang="en-US"/>
+            </a:p>
+          </p:txBody>
+        </p:sp>
+        <p:sp>
+          <p:nvSpPr>
+            <p:cNvPr id="9" name="TextBox 8"/>
+            <p:cNvSpPr txBox="1"/>
+            <p:nvPr/>
+          </p:nvSpPr>
+          <p:spPr>
+            <a:xfrm>
+              <a:off x="5682666" y="3702226"/>
+              <a:ext cx="2999779" cy="307777"/>
+            </a:xfrm>
+            <a:prstGeom prst="rect">
+              <a:avLst/>
+            </a:prstGeom>
+          </p:spPr>
+          <p:style>
+            <a:lnRef idx="3">
+              <a:schemeClr val="lt1"/>
+            </a:lnRef>
+            <a:fillRef idx="1">
+              <a:schemeClr val="accent5"/>
+            </a:fillRef>
+            <a:effectRef idx="1">
+              <a:schemeClr val="accent5"/>
+            </a:effectRef>
+            <a:fontRef idx="minor">
+              <a:schemeClr val="lt1"/>
+            </a:fontRef>
+          </p:style>
+          <p:txBody>
+            <a:bodyPr wrap="square" rtlCol="0">
+              <a:spAutoFit/>
+            </a:bodyPr>
+            <a:lstStyle/>
+            <a:p>
+              <a:r>
+                <a:rPr lang="en-US" sz="1400" dirty="0" smtClean="0"/>
+                <a:t>Verify the success processing flow </a:t>
+              </a:r>
+              <a:endParaRPr lang="en-US" sz="1400" dirty="0"/>
+            </a:p>
+          </p:txBody>
+        </p:sp>
+        <p:sp>
+          <p:nvSpPr>
+            <p:cNvPr id="10" name="TextBox 9"/>
+            <p:cNvSpPr txBox="1"/>
+            <p:nvPr/>
+          </p:nvSpPr>
+          <p:spPr>
+            <a:xfrm>
+              <a:off x="5662451" y="5464425"/>
+              <a:ext cx="2999779" cy="307777"/>
+            </a:xfrm>
+            <a:prstGeom prst="rect">
+              <a:avLst/>
+            </a:prstGeom>
+          </p:spPr>
+          <p:style>
+            <a:lnRef idx="3">
+              <a:schemeClr val="lt1"/>
+            </a:lnRef>
+            <a:fillRef idx="1">
+              <a:schemeClr val="accent2"/>
+            </a:fillRef>
+            <a:effectRef idx="1">
+              <a:schemeClr val="accent2"/>
+            </a:effectRef>
+            <a:fontRef idx="minor">
+              <a:schemeClr val="lt1"/>
+            </a:fontRef>
+          </p:style>
+          <p:txBody>
+            <a:bodyPr wrap="square" rtlCol="0">
+              <a:spAutoFit/>
+            </a:bodyPr>
+            <a:lstStyle/>
+            <a:p>
+              <a:r>
+                <a:rPr lang="en-US" sz="1400" dirty="0" smtClean="0"/>
+                <a:t>Verify the error processing flow </a:t>
+              </a:r>
+              <a:endParaRPr lang="en-US" sz="1400" dirty="0"/>
+            </a:p>
+          </p:txBody>
+        </p:sp>
+        <p:sp>
+          <p:nvSpPr>
+            <p:cNvPr id="11" name="Rectangle 10"/>
+            <p:cNvSpPr/>
+            <p:nvPr/>
+          </p:nvSpPr>
+          <p:spPr>
+            <a:xfrm>
+              <a:off x="1465541" y="5506387"/>
+              <a:ext cx="3402550" cy="223854"/>
+            </a:xfrm>
+            <a:prstGeom prst="rect">
+              <a:avLst/>
+            </a:prstGeom>
+            <a:noFill/>
+          </p:spPr>
+          <p:style>
+            <a:lnRef idx="2">
+              <a:schemeClr val="accent2"/>
+            </a:lnRef>
+            <a:fillRef idx="1">
+              <a:schemeClr val="lt1"/>
+            </a:fillRef>
+            <a:effectRef idx="0">
+              <a:schemeClr val="accent2"/>
+            </a:effectRef>
+            <a:fontRef idx="minor">
+              <a:schemeClr val="dk1"/>
+            </a:fontRef>
+          </p:style>
+          <p:txBody>
+            <a:bodyPr rtlCol="0" anchor="ctr"/>
+            <a:lstStyle/>
+            <a:p>
+              <a:pPr algn="ctr"/>
+              <a:endParaRPr lang="en-US"/>
+            </a:p>
+          </p:txBody>
+        </p:sp>
+        <p:cxnSp>
+          <p:nvCxnSpPr>
+            <p:cNvPr id="13" name="Straight Arrow Connector 12"/>
+            <p:cNvCxnSpPr>
+              <a:endCxn id="9" idx="1"/>
+            </p:cNvCxnSpPr>
+            <p:nvPr/>
+          </p:nvCxnSpPr>
+          <p:spPr>
+            <a:xfrm>
+              <a:off x="4868091" y="3856114"/>
+              <a:ext cx="814575" cy="1"/>
+            </a:xfrm>
+            <a:prstGeom prst="straightConnector1">
+              <a:avLst/>
+            </a:prstGeom>
+            <a:ln w="19050">
+              <a:tailEnd type="triangle"/>
+            </a:ln>
+          </p:spPr>
+          <p:style>
+            <a:lnRef idx="1">
+              <a:schemeClr val="accent1"/>
+            </a:lnRef>
+            <a:fillRef idx="0">
+              <a:schemeClr val="accent1"/>
+            </a:fillRef>
+            <a:effectRef idx="0">
+              <a:schemeClr val="accent1"/>
+            </a:effectRef>
+            <a:fontRef idx="minor">
+              <a:schemeClr val="tx1"/>
+            </a:fontRef>
+          </p:style>
+        </p:cxnSp>
+        <p:cxnSp>
+          <p:nvCxnSpPr>
+            <p:cNvPr id="17" name="Straight Arrow Connector 16"/>
+            <p:cNvCxnSpPr>
+              <a:stCxn id="11" idx="3"/>
+              <a:endCxn id="10" idx="1"/>
+            </p:cNvCxnSpPr>
+            <p:nvPr/>
+          </p:nvCxnSpPr>
+          <p:spPr>
+            <a:xfrm>
+              <a:off x="4868091" y="5618314"/>
+              <a:ext cx="794360" cy="0"/>
+            </a:xfrm>
+            <a:prstGeom prst="straightConnector1">
+              <a:avLst/>
+            </a:prstGeom>
+            <a:ln w="19050">
+              <a:solidFill>
+                <a:schemeClr val="accent2"/>
+              </a:solidFill>
+              <a:tailEnd type="triangle"/>
+            </a:ln>
+          </p:spPr>
+          <p:style>
+            <a:lnRef idx="1">
+              <a:schemeClr val="accent1"/>
+            </a:lnRef>
+            <a:fillRef idx="0">
+              <a:schemeClr val="accent1"/>
+            </a:fillRef>
+            <a:effectRef idx="0">
+              <a:schemeClr val="accent1"/>
+            </a:effectRef>
+            <a:fontRef idx="minor">
+              <a:schemeClr val="tx1"/>
+            </a:fontRef>
+          </p:style>
+        </p:cxnSp>
+      </p:grpSp>
     </p:spTree>
     <p:extLst>
       <p:ext uri="{BB962C8B-B14F-4D97-AF65-F5344CB8AC3E}">
@@ -8264,7 +9580,7 @@
           <p:cNvPr id="2" name="Title 1">
             <a:extLst>
               <a:ext uri="{FF2B5EF4-FFF2-40B4-BE49-F238E27FC236}">
-                <a16:creationId xmlns:a16="http://schemas.microsoft.com/office/drawing/2014/main" id="{991DD00B-C80A-4C37-9B90-F34672F17AF6}"/>
+                <a16:creationId xmlns:a16="http://schemas.microsoft.com/office/drawing/2014/main" xmlns="" id="{991DD00B-C80A-4C37-9B90-F34672F17AF6}"/>
               </a:ext>
             </a:extLst>
           </p:cNvPr>
@@ -8289,7 +9605,7 @@
           <p:cNvPr id="3" name="Text Placeholder 2">
             <a:extLst>
               <a:ext uri="{FF2B5EF4-FFF2-40B4-BE49-F238E27FC236}">
-                <a16:creationId xmlns:a16="http://schemas.microsoft.com/office/drawing/2014/main" id="{CA3A04D4-0681-4FA1-ABC5-FE3C5B63AD2E}"/>
+                <a16:creationId xmlns:a16="http://schemas.microsoft.com/office/drawing/2014/main" xmlns="" id="{CA3A04D4-0681-4FA1-ABC5-FE3C5B63AD2E}"/>
               </a:ext>
             </a:extLst>
           </p:cNvPr>
@@ -8314,7 +9630,7 @@
           <p:cNvPr id="4" name="Content Placeholder 3">
             <a:extLst>
               <a:ext uri="{FF2B5EF4-FFF2-40B4-BE49-F238E27FC236}">
-                <a16:creationId xmlns:a16="http://schemas.microsoft.com/office/drawing/2014/main" id="{96A72ED2-0E10-4B10-88DD-EC4AB93A6006}"/>
+                <a16:creationId xmlns:a16="http://schemas.microsoft.com/office/drawing/2014/main" xmlns="" id="{96A72ED2-0E10-4B10-88DD-EC4AB93A6006}"/>
               </a:ext>
             </a:extLst>
           </p:cNvPr>
@@ -8339,7 +9655,7 @@
           <p:cNvPr id="5" name="Text Placeholder 4">
             <a:extLst>
               <a:ext uri="{FF2B5EF4-FFF2-40B4-BE49-F238E27FC236}">
-                <a16:creationId xmlns:a16="http://schemas.microsoft.com/office/drawing/2014/main" id="{7C0ACC84-5D45-440B-BAAB-C03B5ADB6196}"/>
+                <a16:creationId xmlns:a16="http://schemas.microsoft.com/office/drawing/2014/main" xmlns="" id="{7C0ACC84-5D45-440B-BAAB-C03B5ADB6196}"/>
               </a:ext>
             </a:extLst>
           </p:cNvPr>
@@ -8364,7 +9680,7 @@
           <p:cNvPr id="6" name="Content Placeholder 5">
             <a:extLst>
               <a:ext uri="{FF2B5EF4-FFF2-40B4-BE49-F238E27FC236}">
-                <a16:creationId xmlns:a16="http://schemas.microsoft.com/office/drawing/2014/main" id="{AAB01861-EC0C-4528-9411-2375DD1BC430}"/>
+                <a16:creationId xmlns:a16="http://schemas.microsoft.com/office/drawing/2014/main" xmlns="" id="{AAB01861-EC0C-4528-9411-2375DD1BC430}"/>
               </a:ext>
             </a:extLst>
           </p:cNvPr>
@@ -8419,7 +9735,7 @@
           <p:cNvPr id="2" name="Title 1">
             <a:extLst>
               <a:ext uri="{FF2B5EF4-FFF2-40B4-BE49-F238E27FC236}">
-                <a16:creationId xmlns:a16="http://schemas.microsoft.com/office/drawing/2014/main" id="{6BAD0E3B-FBEA-47F3-BA3F-8CACC195F920}"/>
+                <a16:creationId xmlns:a16="http://schemas.microsoft.com/office/drawing/2014/main" xmlns="" id="{6BAD0E3B-FBEA-47F3-BA3F-8CACC195F920}"/>
               </a:ext>
             </a:extLst>
           </p:cNvPr>
@@ -8444,7 +9760,7 @@
           <p:cNvPr id="3" name="Content Placeholder 2">
             <a:extLst>
               <a:ext uri="{FF2B5EF4-FFF2-40B4-BE49-F238E27FC236}">
-                <a16:creationId xmlns:a16="http://schemas.microsoft.com/office/drawing/2014/main" id="{131BACCE-1925-46F2-8DC3-268367F233FE}"/>
+                <a16:creationId xmlns:a16="http://schemas.microsoft.com/office/drawing/2014/main" xmlns="" id="{131BACCE-1925-46F2-8DC3-268367F233FE}"/>
               </a:ext>
             </a:extLst>
           </p:cNvPr>
@@ -8499,7 +9815,7 @@
           <p:cNvPr id="4" name="Title 3">
             <a:extLst>
               <a:ext uri="{FF2B5EF4-FFF2-40B4-BE49-F238E27FC236}">
-                <a16:creationId xmlns:a16="http://schemas.microsoft.com/office/drawing/2014/main" id="{6902F030-5D44-4CDC-9100-D7B3677548C6}"/>
+                <a16:creationId xmlns:a16="http://schemas.microsoft.com/office/drawing/2014/main" xmlns="" id="{6902F030-5D44-4CDC-9100-D7B3677548C6}"/>
               </a:ext>
             </a:extLst>
           </p:cNvPr>
@@ -8528,7 +9844,7 @@
           <p:cNvPr id="5" name="Text Placeholder 4">
             <a:extLst>
               <a:ext uri="{FF2B5EF4-FFF2-40B4-BE49-F238E27FC236}">
-                <a16:creationId xmlns:a16="http://schemas.microsoft.com/office/drawing/2014/main" id="{1BE6CE75-2136-48E4-A1FC-7B0263D4E8FF}"/>
+                <a16:creationId xmlns:a16="http://schemas.microsoft.com/office/drawing/2014/main" xmlns="" id="{1BE6CE75-2136-48E4-A1FC-7B0263D4E8FF}"/>
               </a:ext>
             </a:extLst>
           </p:cNvPr>
@@ -8586,7 +9902,7 @@
           <p:cNvPr id="2" name="Title 1">
             <a:extLst>
               <a:ext uri="{FF2B5EF4-FFF2-40B4-BE49-F238E27FC236}">
-                <a16:creationId xmlns:a16="http://schemas.microsoft.com/office/drawing/2014/main" id="{C0FAAF85-B666-413A-A18E-43D4112A6DFD}"/>
+                <a16:creationId xmlns:a16="http://schemas.microsoft.com/office/drawing/2014/main" xmlns="" id="{C0FAAF85-B666-413A-A18E-43D4112A6DFD}"/>
               </a:ext>
             </a:extLst>
           </p:cNvPr>
@@ -8614,7 +9930,7 @@
           <p:cNvPr id="3" name="Content Placeholder 2">
             <a:extLst>
               <a:ext uri="{FF2B5EF4-FFF2-40B4-BE49-F238E27FC236}">
-                <a16:creationId xmlns:a16="http://schemas.microsoft.com/office/drawing/2014/main" id="{43E0AF3B-81D6-4441-A27B-34604976D534}"/>
+                <a16:creationId xmlns:a16="http://schemas.microsoft.com/office/drawing/2014/main" xmlns="" id="{43E0AF3B-81D6-4441-A27B-34604976D534}"/>
               </a:ext>
             </a:extLst>
           </p:cNvPr>
@@ -8724,7 +10040,7 @@
           <p:cNvPr id="5" name="Rectangle 4">
             <a:extLst>
               <a:ext uri="{FF2B5EF4-FFF2-40B4-BE49-F238E27FC236}">
-                <a16:creationId xmlns:a16="http://schemas.microsoft.com/office/drawing/2014/main" id="{AE667C73-8CAD-4AE5-9333-B3F591C05345}"/>
+                <a16:creationId xmlns:a16="http://schemas.microsoft.com/office/drawing/2014/main" xmlns="" id="{AE667C73-8CAD-4AE5-9333-B3F591C05345}"/>
               </a:ext>
             </a:extLst>
           </p:cNvPr>
@@ -8803,7 +10119,7 @@
           <p:cNvPr id="7" name="Content Placeholder 8">
             <a:extLst>
               <a:ext uri="{FF2B5EF4-FFF2-40B4-BE49-F238E27FC236}">
-                <a16:creationId xmlns:a16="http://schemas.microsoft.com/office/drawing/2014/main" id="{3B8D0216-F7E1-46A3-9270-7D793C1A72F0}"/>
+                <a16:creationId xmlns:a16="http://schemas.microsoft.com/office/drawing/2014/main" xmlns="" id="{3B8D0216-F7E1-46A3-9270-7D793C1A72F0}"/>
               </a:ext>
             </a:extLst>
           </p:cNvPr>
@@ -8862,7 +10178,7 @@
           <p:cNvPr id="2" name="Title 1">
             <a:extLst>
               <a:ext uri="{FF2B5EF4-FFF2-40B4-BE49-F238E27FC236}">
-                <a16:creationId xmlns:a16="http://schemas.microsoft.com/office/drawing/2014/main" id="{454D2DD0-F719-4297-A668-7361789B8CE4}"/>
+                <a16:creationId xmlns:a16="http://schemas.microsoft.com/office/drawing/2014/main" xmlns="" id="{454D2DD0-F719-4297-A668-7361789B8CE4}"/>
               </a:ext>
             </a:extLst>
           </p:cNvPr>
@@ -8891,7 +10207,7 @@
           <p:cNvPr id="3" name="Content Placeholder 2">
             <a:extLst>
               <a:ext uri="{FF2B5EF4-FFF2-40B4-BE49-F238E27FC236}">
-                <a16:creationId xmlns:a16="http://schemas.microsoft.com/office/drawing/2014/main" id="{5A736875-50D3-49ED-8E2D-9993DDC210AD}"/>
+                <a16:creationId xmlns:a16="http://schemas.microsoft.com/office/drawing/2014/main" xmlns="" id="{5A736875-50D3-49ED-8E2D-9993DDC210AD}"/>
               </a:ext>
             </a:extLst>
           </p:cNvPr>
@@ -8981,7 +10297,7 @@
           <p:cNvPr id="8" name="Content Placeholder 7">
             <a:extLst>
               <a:ext uri="{FF2B5EF4-FFF2-40B4-BE49-F238E27FC236}">
-                <a16:creationId xmlns:a16="http://schemas.microsoft.com/office/drawing/2014/main" id="{4F4F376A-3BD6-4012-894D-0A25D4CA2F7A}"/>
+                <a16:creationId xmlns:a16="http://schemas.microsoft.com/office/drawing/2014/main" xmlns="" id="{4F4F376A-3BD6-4012-894D-0A25D4CA2F7A}"/>
               </a:ext>
             </a:extLst>
           </p:cNvPr>
@@ -9045,7 +10361,7 @@
           <p:cNvPr id="2" name="Title 1">
             <a:extLst>
               <a:ext uri="{FF2B5EF4-FFF2-40B4-BE49-F238E27FC236}">
-                <a16:creationId xmlns:a16="http://schemas.microsoft.com/office/drawing/2014/main" id="{DCB77033-BE21-4796-9CE7-DC93885407B2}"/>
+                <a16:creationId xmlns:a16="http://schemas.microsoft.com/office/drawing/2014/main" xmlns="" id="{DCB77033-BE21-4796-9CE7-DC93885407B2}"/>
               </a:ext>
             </a:extLst>
           </p:cNvPr>
@@ -9073,7 +10389,7 @@
           <p:cNvPr id="3" name="Content Placeholder 2">
             <a:extLst>
               <a:ext uri="{FF2B5EF4-FFF2-40B4-BE49-F238E27FC236}">
-                <a16:creationId xmlns:a16="http://schemas.microsoft.com/office/drawing/2014/main" id="{A67472E8-5C77-4748-91F4-AC5940189DC3}"/>
+                <a16:creationId xmlns:a16="http://schemas.microsoft.com/office/drawing/2014/main" xmlns="" id="{A67472E8-5C77-4748-91F4-AC5940189DC3}"/>
               </a:ext>
             </a:extLst>
           </p:cNvPr>
@@ -9134,7 +10450,7 @@
           <p:cNvPr id="6" name="Content Placeholder 5">
             <a:extLst>
               <a:ext uri="{FF2B5EF4-FFF2-40B4-BE49-F238E27FC236}">
-                <a16:creationId xmlns:a16="http://schemas.microsoft.com/office/drawing/2014/main" id="{DFE1E715-2701-4A53-AECC-13FF5EFB98CD}"/>
+                <a16:creationId xmlns:a16="http://schemas.microsoft.com/office/drawing/2014/main" xmlns="" id="{DFE1E715-2701-4A53-AECC-13FF5EFB98CD}"/>
               </a:ext>
             </a:extLst>
           </p:cNvPr>
@@ -9193,7 +10509,7 @@
           <p:cNvPr id="4" name="Title 3">
             <a:extLst>
               <a:ext uri="{FF2B5EF4-FFF2-40B4-BE49-F238E27FC236}">
-                <a16:creationId xmlns:a16="http://schemas.microsoft.com/office/drawing/2014/main" id="{6902F030-5D44-4CDC-9100-D7B3677548C6}"/>
+                <a16:creationId xmlns:a16="http://schemas.microsoft.com/office/drawing/2014/main" xmlns="" id="{6902F030-5D44-4CDC-9100-D7B3677548C6}"/>
               </a:ext>
             </a:extLst>
           </p:cNvPr>
@@ -9221,7 +10537,7 @@
           <p:cNvPr id="5" name="Text Placeholder 4">
             <a:extLst>
               <a:ext uri="{FF2B5EF4-FFF2-40B4-BE49-F238E27FC236}">
-                <a16:creationId xmlns:a16="http://schemas.microsoft.com/office/drawing/2014/main" id="{1BE6CE75-2136-48E4-A1FC-7B0263D4E8FF}"/>
+                <a16:creationId xmlns:a16="http://schemas.microsoft.com/office/drawing/2014/main" xmlns="" id="{1BE6CE75-2136-48E4-A1FC-7B0263D4E8FF}"/>
               </a:ext>
             </a:extLst>
           </p:cNvPr>

--- a/doc/ReactiveProgramming.Java.pptx
+++ b/doc/ReactiveProgramming.Java.pptx
@@ -14,28 +14,32 @@
     <p:sldId id="262" r:id="rId8"/>
     <p:sldId id="266" r:id="rId9"/>
     <p:sldId id="265" r:id="rId10"/>
-    <p:sldId id="264" r:id="rId11"/>
-    <p:sldId id="269" r:id="rId12"/>
-    <p:sldId id="272" r:id="rId13"/>
-    <p:sldId id="271" r:id="rId14"/>
-    <p:sldId id="281" r:id="rId15"/>
-    <p:sldId id="282" r:id="rId16"/>
-    <p:sldId id="275" r:id="rId17"/>
-    <p:sldId id="283" r:id="rId18"/>
-    <p:sldId id="278" r:id="rId19"/>
-    <p:sldId id="284" r:id="rId20"/>
-    <p:sldId id="285" r:id="rId21"/>
-    <p:sldId id="286" r:id="rId22"/>
-    <p:sldId id="276" r:id="rId23"/>
-    <p:sldId id="288" r:id="rId24"/>
-    <p:sldId id="289" r:id="rId25"/>
-    <p:sldId id="291" r:id="rId26"/>
-    <p:sldId id="280" r:id="rId27"/>
-    <p:sldId id="293" r:id="rId28"/>
-    <p:sldId id="292" r:id="rId29"/>
-    <p:sldId id="294" r:id="rId30"/>
-    <p:sldId id="290" r:id="rId31"/>
-    <p:sldId id="270" r:id="rId32"/>
+    <p:sldId id="297" r:id="rId11"/>
+    <p:sldId id="298" r:id="rId12"/>
+    <p:sldId id="264" r:id="rId13"/>
+    <p:sldId id="269" r:id="rId14"/>
+    <p:sldId id="272" r:id="rId15"/>
+    <p:sldId id="271" r:id="rId16"/>
+    <p:sldId id="281" r:id="rId17"/>
+    <p:sldId id="282" r:id="rId18"/>
+    <p:sldId id="275" r:id="rId19"/>
+    <p:sldId id="283" r:id="rId20"/>
+    <p:sldId id="278" r:id="rId21"/>
+    <p:sldId id="284" r:id="rId22"/>
+    <p:sldId id="285" r:id="rId23"/>
+    <p:sldId id="286" r:id="rId24"/>
+    <p:sldId id="276" r:id="rId25"/>
+    <p:sldId id="288" r:id="rId26"/>
+    <p:sldId id="289" r:id="rId27"/>
+    <p:sldId id="291" r:id="rId28"/>
+    <p:sldId id="280" r:id="rId29"/>
+    <p:sldId id="293" r:id="rId30"/>
+    <p:sldId id="292" r:id="rId31"/>
+    <p:sldId id="294" r:id="rId32"/>
+    <p:sldId id="290" r:id="rId33"/>
+    <p:sldId id="295" r:id="rId34"/>
+    <p:sldId id="296" r:id="rId35"/>
+    <p:sldId id="270" r:id="rId36"/>
   </p:sldIdLst>
   <p:sldSz cx="12192000" cy="6858000"/>
   <p:notesSz cx="6858000" cy="9144000"/>
@@ -164,7 +168,7 @@
           <p:cNvPr id="2" name="Title 1">
             <a:extLst>
               <a:ext uri="{FF2B5EF4-FFF2-40B4-BE49-F238E27FC236}">
-                <a16:creationId xmlns:a16="http://schemas.microsoft.com/office/drawing/2014/main" xmlns="" id="{881CC160-A023-4BD3-987E-5DAB522A9317}"/>
+                <a16:creationId xmlns="" xmlns:a16="http://schemas.microsoft.com/office/drawing/2014/main" id="{881CC160-A023-4BD3-987E-5DAB522A9317}"/>
               </a:ext>
             </a:extLst>
           </p:cNvPr>
@@ -201,7 +205,7 @@
           <p:cNvPr id="3" name="Subtitle 2">
             <a:extLst>
               <a:ext uri="{FF2B5EF4-FFF2-40B4-BE49-F238E27FC236}">
-                <a16:creationId xmlns:a16="http://schemas.microsoft.com/office/drawing/2014/main" xmlns="" id="{82365BDE-C618-4A06-AD43-D2FD51BBB8FC}"/>
+                <a16:creationId xmlns="" xmlns:a16="http://schemas.microsoft.com/office/drawing/2014/main" id="{82365BDE-C618-4A06-AD43-D2FD51BBB8FC}"/>
               </a:ext>
             </a:extLst>
           </p:cNvPr>
@@ -271,7 +275,7 @@
           <p:cNvPr id="4" name="Date Placeholder 3">
             <a:extLst>
               <a:ext uri="{FF2B5EF4-FFF2-40B4-BE49-F238E27FC236}">
-                <a16:creationId xmlns:a16="http://schemas.microsoft.com/office/drawing/2014/main" xmlns="" id="{0BC88934-B24F-4848-B453-D2226A23BB99}"/>
+                <a16:creationId xmlns="" xmlns:a16="http://schemas.microsoft.com/office/drawing/2014/main" id="{0BC88934-B24F-4848-B453-D2226A23BB99}"/>
               </a:ext>
             </a:extLst>
           </p:cNvPr>
@@ -289,7 +293,7 @@
           <a:p>
             <a:fld id="{7F4C86DC-7761-441C-AE29-7E0FE6656867}" type="datetimeFigureOut">
               <a:rPr lang="en-US" smtClean="0"/>
-              <a:t>1/26/2022</a:t>
+              <a:t>1/27/2022</a:t>
             </a:fld>
             <a:endParaRPr lang="en-US"/>
           </a:p>
@@ -300,7 +304,7 @@
           <p:cNvPr id="5" name="Footer Placeholder 4">
             <a:extLst>
               <a:ext uri="{FF2B5EF4-FFF2-40B4-BE49-F238E27FC236}">
-                <a16:creationId xmlns:a16="http://schemas.microsoft.com/office/drawing/2014/main" xmlns="" id="{70F989B4-4F06-47B9-957B-EFE8BFEFDDD3}"/>
+                <a16:creationId xmlns="" xmlns:a16="http://schemas.microsoft.com/office/drawing/2014/main" id="{70F989B4-4F06-47B9-957B-EFE8BFEFDDD3}"/>
               </a:ext>
             </a:extLst>
           </p:cNvPr>
@@ -325,7 +329,7 @@
           <p:cNvPr id="6" name="Slide Number Placeholder 5">
             <a:extLst>
               <a:ext uri="{FF2B5EF4-FFF2-40B4-BE49-F238E27FC236}">
-                <a16:creationId xmlns:a16="http://schemas.microsoft.com/office/drawing/2014/main" xmlns="" id="{CBF6B042-69E7-474C-8319-6FEA2A800D93}"/>
+                <a16:creationId xmlns="" xmlns:a16="http://schemas.microsoft.com/office/drawing/2014/main" id="{CBF6B042-69E7-474C-8319-6FEA2A800D93}"/>
               </a:ext>
             </a:extLst>
           </p:cNvPr>
@@ -384,7 +388,7 @@
           <p:cNvPr id="2" name="Title 1">
             <a:extLst>
               <a:ext uri="{FF2B5EF4-FFF2-40B4-BE49-F238E27FC236}">
-                <a16:creationId xmlns:a16="http://schemas.microsoft.com/office/drawing/2014/main" xmlns="" id="{E7C6C24B-44AD-4167-AAA5-73331D6A389F}"/>
+                <a16:creationId xmlns="" xmlns:a16="http://schemas.microsoft.com/office/drawing/2014/main" id="{E7C6C24B-44AD-4167-AAA5-73331D6A389F}"/>
               </a:ext>
             </a:extLst>
           </p:cNvPr>
@@ -412,7 +416,7 @@
           <p:cNvPr id="3" name="Vertical Text Placeholder 2">
             <a:extLst>
               <a:ext uri="{FF2B5EF4-FFF2-40B4-BE49-F238E27FC236}">
-                <a16:creationId xmlns:a16="http://schemas.microsoft.com/office/drawing/2014/main" xmlns="" id="{90EF67BF-728D-4DD5-802C-414E777B525E}"/>
+                <a16:creationId xmlns="" xmlns:a16="http://schemas.microsoft.com/office/drawing/2014/main" id="{90EF67BF-728D-4DD5-802C-414E777B525E}"/>
               </a:ext>
             </a:extLst>
           </p:cNvPr>
@@ -469,7 +473,7 @@
           <p:cNvPr id="4" name="Date Placeholder 3">
             <a:extLst>
               <a:ext uri="{FF2B5EF4-FFF2-40B4-BE49-F238E27FC236}">
-                <a16:creationId xmlns:a16="http://schemas.microsoft.com/office/drawing/2014/main" xmlns="" id="{86167305-D068-4BEB-A1D7-A3C3BE92439A}"/>
+                <a16:creationId xmlns="" xmlns:a16="http://schemas.microsoft.com/office/drawing/2014/main" id="{86167305-D068-4BEB-A1D7-A3C3BE92439A}"/>
               </a:ext>
             </a:extLst>
           </p:cNvPr>
@@ -487,7 +491,7 @@
           <a:p>
             <a:fld id="{7F4C86DC-7761-441C-AE29-7E0FE6656867}" type="datetimeFigureOut">
               <a:rPr lang="en-US" smtClean="0"/>
-              <a:t>1/26/2022</a:t>
+              <a:t>1/27/2022</a:t>
             </a:fld>
             <a:endParaRPr lang="en-US"/>
           </a:p>
@@ -498,7 +502,7 @@
           <p:cNvPr id="5" name="Footer Placeholder 4">
             <a:extLst>
               <a:ext uri="{FF2B5EF4-FFF2-40B4-BE49-F238E27FC236}">
-                <a16:creationId xmlns:a16="http://schemas.microsoft.com/office/drawing/2014/main" xmlns="" id="{FE8B8193-D367-4FBC-B2B0-D21CA70899B6}"/>
+                <a16:creationId xmlns="" xmlns:a16="http://schemas.microsoft.com/office/drawing/2014/main" id="{FE8B8193-D367-4FBC-B2B0-D21CA70899B6}"/>
               </a:ext>
             </a:extLst>
           </p:cNvPr>
@@ -523,7 +527,7 @@
           <p:cNvPr id="6" name="Slide Number Placeholder 5">
             <a:extLst>
               <a:ext uri="{FF2B5EF4-FFF2-40B4-BE49-F238E27FC236}">
-                <a16:creationId xmlns:a16="http://schemas.microsoft.com/office/drawing/2014/main" xmlns="" id="{D3E41184-B503-417D-9382-0A763102549E}"/>
+                <a16:creationId xmlns="" xmlns:a16="http://schemas.microsoft.com/office/drawing/2014/main" id="{D3E41184-B503-417D-9382-0A763102549E}"/>
               </a:ext>
             </a:extLst>
           </p:cNvPr>
@@ -582,7 +586,7 @@
           <p:cNvPr id="2" name="Vertical Title 1">
             <a:extLst>
               <a:ext uri="{FF2B5EF4-FFF2-40B4-BE49-F238E27FC236}">
-                <a16:creationId xmlns:a16="http://schemas.microsoft.com/office/drawing/2014/main" xmlns="" id="{A48E752B-27AD-4CC0-869C-BE905AC6F292}"/>
+                <a16:creationId xmlns="" xmlns:a16="http://schemas.microsoft.com/office/drawing/2014/main" id="{A48E752B-27AD-4CC0-869C-BE905AC6F292}"/>
               </a:ext>
             </a:extLst>
           </p:cNvPr>
@@ -615,7 +619,7 @@
           <p:cNvPr id="3" name="Vertical Text Placeholder 2">
             <a:extLst>
               <a:ext uri="{FF2B5EF4-FFF2-40B4-BE49-F238E27FC236}">
-                <a16:creationId xmlns:a16="http://schemas.microsoft.com/office/drawing/2014/main" xmlns="" id="{CE6BBB67-81E5-4602-9A18-8EE066A2E02B}"/>
+                <a16:creationId xmlns="" xmlns:a16="http://schemas.microsoft.com/office/drawing/2014/main" id="{CE6BBB67-81E5-4602-9A18-8EE066A2E02B}"/>
               </a:ext>
             </a:extLst>
           </p:cNvPr>
@@ -677,7 +681,7 @@
           <p:cNvPr id="4" name="Date Placeholder 3">
             <a:extLst>
               <a:ext uri="{FF2B5EF4-FFF2-40B4-BE49-F238E27FC236}">
-                <a16:creationId xmlns:a16="http://schemas.microsoft.com/office/drawing/2014/main" xmlns="" id="{C0B7D880-18DF-4452-B9DE-6664BD3EDC22}"/>
+                <a16:creationId xmlns="" xmlns:a16="http://schemas.microsoft.com/office/drawing/2014/main" id="{C0B7D880-18DF-4452-B9DE-6664BD3EDC22}"/>
               </a:ext>
             </a:extLst>
           </p:cNvPr>
@@ -695,7 +699,7 @@
           <a:p>
             <a:fld id="{7F4C86DC-7761-441C-AE29-7E0FE6656867}" type="datetimeFigureOut">
               <a:rPr lang="en-US" smtClean="0"/>
-              <a:t>1/26/2022</a:t>
+              <a:t>1/27/2022</a:t>
             </a:fld>
             <a:endParaRPr lang="en-US"/>
           </a:p>
@@ -706,7 +710,7 @@
           <p:cNvPr id="5" name="Footer Placeholder 4">
             <a:extLst>
               <a:ext uri="{FF2B5EF4-FFF2-40B4-BE49-F238E27FC236}">
-                <a16:creationId xmlns:a16="http://schemas.microsoft.com/office/drawing/2014/main" xmlns="" id="{C54EBD4A-74FF-45CD-B07A-834948DB53CD}"/>
+                <a16:creationId xmlns="" xmlns:a16="http://schemas.microsoft.com/office/drawing/2014/main" id="{C54EBD4A-74FF-45CD-B07A-834948DB53CD}"/>
               </a:ext>
             </a:extLst>
           </p:cNvPr>
@@ -731,7 +735,7 @@
           <p:cNvPr id="6" name="Slide Number Placeholder 5">
             <a:extLst>
               <a:ext uri="{FF2B5EF4-FFF2-40B4-BE49-F238E27FC236}">
-                <a16:creationId xmlns:a16="http://schemas.microsoft.com/office/drawing/2014/main" xmlns="" id="{B400F4DA-AA92-46AF-BDE8-0E83B115EA24}"/>
+                <a16:creationId xmlns="" xmlns:a16="http://schemas.microsoft.com/office/drawing/2014/main" id="{B400F4DA-AA92-46AF-BDE8-0E83B115EA24}"/>
               </a:ext>
             </a:extLst>
           </p:cNvPr>
@@ -790,7 +794,7 @@
           <p:cNvPr id="2" name="Title 1">
             <a:extLst>
               <a:ext uri="{FF2B5EF4-FFF2-40B4-BE49-F238E27FC236}">
-                <a16:creationId xmlns:a16="http://schemas.microsoft.com/office/drawing/2014/main" xmlns="" id="{B923032F-FE13-4A7F-A0AB-EFB09B287AC5}"/>
+                <a16:creationId xmlns="" xmlns:a16="http://schemas.microsoft.com/office/drawing/2014/main" id="{B923032F-FE13-4A7F-A0AB-EFB09B287AC5}"/>
               </a:ext>
             </a:extLst>
           </p:cNvPr>
@@ -818,7 +822,7 @@
           <p:cNvPr id="3" name="Content Placeholder 2">
             <a:extLst>
               <a:ext uri="{FF2B5EF4-FFF2-40B4-BE49-F238E27FC236}">
-                <a16:creationId xmlns:a16="http://schemas.microsoft.com/office/drawing/2014/main" xmlns="" id="{38D8595C-4FF7-4FBA-8375-907AFCA27B9B}"/>
+                <a16:creationId xmlns="" xmlns:a16="http://schemas.microsoft.com/office/drawing/2014/main" id="{38D8595C-4FF7-4FBA-8375-907AFCA27B9B}"/>
               </a:ext>
             </a:extLst>
           </p:cNvPr>
@@ -875,7 +879,7 @@
           <p:cNvPr id="4" name="Date Placeholder 3">
             <a:extLst>
               <a:ext uri="{FF2B5EF4-FFF2-40B4-BE49-F238E27FC236}">
-                <a16:creationId xmlns:a16="http://schemas.microsoft.com/office/drawing/2014/main" xmlns="" id="{BA1B9BDA-6B92-4BB4-BE82-420207500984}"/>
+                <a16:creationId xmlns="" xmlns:a16="http://schemas.microsoft.com/office/drawing/2014/main" id="{BA1B9BDA-6B92-4BB4-BE82-420207500984}"/>
               </a:ext>
             </a:extLst>
           </p:cNvPr>
@@ -893,7 +897,7 @@
           <a:p>
             <a:fld id="{7F4C86DC-7761-441C-AE29-7E0FE6656867}" type="datetimeFigureOut">
               <a:rPr lang="en-US" smtClean="0"/>
-              <a:t>1/26/2022</a:t>
+              <a:t>1/27/2022</a:t>
             </a:fld>
             <a:endParaRPr lang="en-US"/>
           </a:p>
@@ -904,7 +908,7 @@
           <p:cNvPr id="5" name="Footer Placeholder 4">
             <a:extLst>
               <a:ext uri="{FF2B5EF4-FFF2-40B4-BE49-F238E27FC236}">
-                <a16:creationId xmlns:a16="http://schemas.microsoft.com/office/drawing/2014/main" xmlns="" id="{BDD6E0D1-72BF-4A32-A904-BC7BBEFAADB6}"/>
+                <a16:creationId xmlns="" xmlns:a16="http://schemas.microsoft.com/office/drawing/2014/main" id="{BDD6E0D1-72BF-4A32-A904-BC7BBEFAADB6}"/>
               </a:ext>
             </a:extLst>
           </p:cNvPr>
@@ -929,7 +933,7 @@
           <p:cNvPr id="6" name="Slide Number Placeholder 5">
             <a:extLst>
               <a:ext uri="{FF2B5EF4-FFF2-40B4-BE49-F238E27FC236}">
-                <a16:creationId xmlns:a16="http://schemas.microsoft.com/office/drawing/2014/main" xmlns="" id="{C893C988-37AC-4904-B0DE-B21EC77D41FE}"/>
+                <a16:creationId xmlns="" xmlns:a16="http://schemas.microsoft.com/office/drawing/2014/main" id="{C893C988-37AC-4904-B0DE-B21EC77D41FE}"/>
               </a:ext>
             </a:extLst>
           </p:cNvPr>
@@ -988,7 +992,7 @@
           <p:cNvPr id="2" name="Title 1">
             <a:extLst>
               <a:ext uri="{FF2B5EF4-FFF2-40B4-BE49-F238E27FC236}">
-                <a16:creationId xmlns:a16="http://schemas.microsoft.com/office/drawing/2014/main" xmlns="" id="{C3B721EC-CB29-484B-8017-5AB6DEDF0F60}"/>
+                <a16:creationId xmlns="" xmlns:a16="http://schemas.microsoft.com/office/drawing/2014/main" id="{C3B721EC-CB29-484B-8017-5AB6DEDF0F60}"/>
               </a:ext>
             </a:extLst>
           </p:cNvPr>
@@ -1025,7 +1029,7 @@
           <p:cNvPr id="3" name="Text Placeholder 2">
             <a:extLst>
               <a:ext uri="{FF2B5EF4-FFF2-40B4-BE49-F238E27FC236}">
-                <a16:creationId xmlns:a16="http://schemas.microsoft.com/office/drawing/2014/main" xmlns="" id="{096BA09D-4A28-4771-8519-92FFE230D8C2}"/>
+                <a16:creationId xmlns="" xmlns:a16="http://schemas.microsoft.com/office/drawing/2014/main" id="{096BA09D-4A28-4771-8519-92FFE230D8C2}"/>
               </a:ext>
             </a:extLst>
           </p:cNvPr>
@@ -1150,7 +1154,7 @@
           <p:cNvPr id="4" name="Date Placeholder 3">
             <a:extLst>
               <a:ext uri="{FF2B5EF4-FFF2-40B4-BE49-F238E27FC236}">
-                <a16:creationId xmlns:a16="http://schemas.microsoft.com/office/drawing/2014/main" xmlns="" id="{2FF8D35A-D5EF-4057-9423-76E7DDE71667}"/>
+                <a16:creationId xmlns="" xmlns:a16="http://schemas.microsoft.com/office/drawing/2014/main" id="{2FF8D35A-D5EF-4057-9423-76E7DDE71667}"/>
               </a:ext>
             </a:extLst>
           </p:cNvPr>
@@ -1168,7 +1172,7 @@
           <a:p>
             <a:fld id="{7F4C86DC-7761-441C-AE29-7E0FE6656867}" type="datetimeFigureOut">
               <a:rPr lang="en-US" smtClean="0"/>
-              <a:t>1/26/2022</a:t>
+              <a:t>1/27/2022</a:t>
             </a:fld>
             <a:endParaRPr lang="en-US"/>
           </a:p>
@@ -1179,7 +1183,7 @@
           <p:cNvPr id="5" name="Footer Placeholder 4">
             <a:extLst>
               <a:ext uri="{FF2B5EF4-FFF2-40B4-BE49-F238E27FC236}">
-                <a16:creationId xmlns:a16="http://schemas.microsoft.com/office/drawing/2014/main" xmlns="" id="{B4B63EEF-84CA-4CD2-BF17-7FDAEFBB722B}"/>
+                <a16:creationId xmlns="" xmlns:a16="http://schemas.microsoft.com/office/drawing/2014/main" id="{B4B63EEF-84CA-4CD2-BF17-7FDAEFBB722B}"/>
               </a:ext>
             </a:extLst>
           </p:cNvPr>
@@ -1204,7 +1208,7 @@
           <p:cNvPr id="6" name="Slide Number Placeholder 5">
             <a:extLst>
               <a:ext uri="{FF2B5EF4-FFF2-40B4-BE49-F238E27FC236}">
-                <a16:creationId xmlns:a16="http://schemas.microsoft.com/office/drawing/2014/main" xmlns="" id="{EA86C215-6249-4C84-A7FB-D145454B1C88}"/>
+                <a16:creationId xmlns="" xmlns:a16="http://schemas.microsoft.com/office/drawing/2014/main" id="{EA86C215-6249-4C84-A7FB-D145454B1C88}"/>
               </a:ext>
             </a:extLst>
           </p:cNvPr>
@@ -1263,7 +1267,7 @@
           <p:cNvPr id="2" name="Title 1">
             <a:extLst>
               <a:ext uri="{FF2B5EF4-FFF2-40B4-BE49-F238E27FC236}">
-                <a16:creationId xmlns:a16="http://schemas.microsoft.com/office/drawing/2014/main" xmlns="" id="{85ED6B29-BB83-4F0E-9B58-3E978DF08543}"/>
+                <a16:creationId xmlns="" xmlns:a16="http://schemas.microsoft.com/office/drawing/2014/main" id="{85ED6B29-BB83-4F0E-9B58-3E978DF08543}"/>
               </a:ext>
             </a:extLst>
           </p:cNvPr>
@@ -1291,7 +1295,7 @@
           <p:cNvPr id="3" name="Content Placeholder 2">
             <a:extLst>
               <a:ext uri="{FF2B5EF4-FFF2-40B4-BE49-F238E27FC236}">
-                <a16:creationId xmlns:a16="http://schemas.microsoft.com/office/drawing/2014/main" xmlns="" id="{56C1D611-9F8F-40F2-B548-378D8420BFBD}"/>
+                <a16:creationId xmlns="" xmlns:a16="http://schemas.microsoft.com/office/drawing/2014/main" id="{56C1D611-9F8F-40F2-B548-378D8420BFBD}"/>
               </a:ext>
             </a:extLst>
           </p:cNvPr>
@@ -1353,7 +1357,7 @@
           <p:cNvPr id="4" name="Content Placeholder 3">
             <a:extLst>
               <a:ext uri="{FF2B5EF4-FFF2-40B4-BE49-F238E27FC236}">
-                <a16:creationId xmlns:a16="http://schemas.microsoft.com/office/drawing/2014/main" xmlns="" id="{FA70804A-81C2-400B-812C-E8D4EC7ED4A0}"/>
+                <a16:creationId xmlns="" xmlns:a16="http://schemas.microsoft.com/office/drawing/2014/main" id="{FA70804A-81C2-400B-812C-E8D4EC7ED4A0}"/>
               </a:ext>
             </a:extLst>
           </p:cNvPr>
@@ -1415,7 +1419,7 @@
           <p:cNvPr id="5" name="Date Placeholder 4">
             <a:extLst>
               <a:ext uri="{FF2B5EF4-FFF2-40B4-BE49-F238E27FC236}">
-                <a16:creationId xmlns:a16="http://schemas.microsoft.com/office/drawing/2014/main" xmlns="" id="{23D72BB6-F28B-43F5-B46D-65AFA1F54F8C}"/>
+                <a16:creationId xmlns="" xmlns:a16="http://schemas.microsoft.com/office/drawing/2014/main" id="{23D72BB6-F28B-43F5-B46D-65AFA1F54F8C}"/>
               </a:ext>
             </a:extLst>
           </p:cNvPr>
@@ -1433,7 +1437,7 @@
           <a:p>
             <a:fld id="{7F4C86DC-7761-441C-AE29-7E0FE6656867}" type="datetimeFigureOut">
               <a:rPr lang="en-US" smtClean="0"/>
-              <a:t>1/26/2022</a:t>
+              <a:t>1/27/2022</a:t>
             </a:fld>
             <a:endParaRPr lang="en-US"/>
           </a:p>
@@ -1444,7 +1448,7 @@
           <p:cNvPr id="6" name="Footer Placeholder 5">
             <a:extLst>
               <a:ext uri="{FF2B5EF4-FFF2-40B4-BE49-F238E27FC236}">
-                <a16:creationId xmlns:a16="http://schemas.microsoft.com/office/drawing/2014/main" xmlns="" id="{7C3D01E4-B053-4D56-B26F-23F71B071E27}"/>
+                <a16:creationId xmlns="" xmlns:a16="http://schemas.microsoft.com/office/drawing/2014/main" id="{7C3D01E4-B053-4D56-B26F-23F71B071E27}"/>
               </a:ext>
             </a:extLst>
           </p:cNvPr>
@@ -1469,7 +1473,7 @@
           <p:cNvPr id="7" name="Slide Number Placeholder 6">
             <a:extLst>
               <a:ext uri="{FF2B5EF4-FFF2-40B4-BE49-F238E27FC236}">
-                <a16:creationId xmlns:a16="http://schemas.microsoft.com/office/drawing/2014/main" xmlns="" id="{836411B2-5DC9-4F9F-91A2-57A5C67232A1}"/>
+                <a16:creationId xmlns="" xmlns:a16="http://schemas.microsoft.com/office/drawing/2014/main" id="{836411B2-5DC9-4F9F-91A2-57A5C67232A1}"/>
               </a:ext>
             </a:extLst>
           </p:cNvPr>
@@ -1528,7 +1532,7 @@
           <p:cNvPr id="2" name="Title 1">
             <a:extLst>
               <a:ext uri="{FF2B5EF4-FFF2-40B4-BE49-F238E27FC236}">
-                <a16:creationId xmlns:a16="http://schemas.microsoft.com/office/drawing/2014/main" xmlns="" id="{A78FEA31-73A4-4646-974A-4F03A5A3F19A}"/>
+                <a16:creationId xmlns="" xmlns:a16="http://schemas.microsoft.com/office/drawing/2014/main" id="{A78FEA31-73A4-4646-974A-4F03A5A3F19A}"/>
               </a:ext>
             </a:extLst>
           </p:cNvPr>
@@ -1561,7 +1565,7 @@
           <p:cNvPr id="3" name="Text Placeholder 2">
             <a:extLst>
               <a:ext uri="{FF2B5EF4-FFF2-40B4-BE49-F238E27FC236}">
-                <a16:creationId xmlns:a16="http://schemas.microsoft.com/office/drawing/2014/main" xmlns="" id="{16B1EDB0-26B8-4AD6-887C-C4B984C13DF4}"/>
+                <a16:creationId xmlns="" xmlns:a16="http://schemas.microsoft.com/office/drawing/2014/main" id="{16B1EDB0-26B8-4AD6-887C-C4B984C13DF4}"/>
               </a:ext>
             </a:extLst>
           </p:cNvPr>
@@ -1632,7 +1636,7 @@
           <p:cNvPr id="4" name="Content Placeholder 3">
             <a:extLst>
               <a:ext uri="{FF2B5EF4-FFF2-40B4-BE49-F238E27FC236}">
-                <a16:creationId xmlns:a16="http://schemas.microsoft.com/office/drawing/2014/main" xmlns="" id="{516D63C3-C564-4B11-9247-E11B8EFA6957}"/>
+                <a16:creationId xmlns="" xmlns:a16="http://schemas.microsoft.com/office/drawing/2014/main" id="{516D63C3-C564-4B11-9247-E11B8EFA6957}"/>
               </a:ext>
             </a:extLst>
           </p:cNvPr>
@@ -1694,7 +1698,7 @@
           <p:cNvPr id="5" name="Text Placeholder 4">
             <a:extLst>
               <a:ext uri="{FF2B5EF4-FFF2-40B4-BE49-F238E27FC236}">
-                <a16:creationId xmlns:a16="http://schemas.microsoft.com/office/drawing/2014/main" xmlns="" id="{7FB81653-DF17-44E8-A53B-A9D119E2DAF7}"/>
+                <a16:creationId xmlns="" xmlns:a16="http://schemas.microsoft.com/office/drawing/2014/main" id="{7FB81653-DF17-44E8-A53B-A9D119E2DAF7}"/>
               </a:ext>
             </a:extLst>
           </p:cNvPr>
@@ -1765,7 +1769,7 @@
           <p:cNvPr id="6" name="Content Placeholder 5">
             <a:extLst>
               <a:ext uri="{FF2B5EF4-FFF2-40B4-BE49-F238E27FC236}">
-                <a16:creationId xmlns:a16="http://schemas.microsoft.com/office/drawing/2014/main" xmlns="" id="{AE5B1BB2-ED81-47C2-A0D5-EE96698F08A4}"/>
+                <a16:creationId xmlns="" xmlns:a16="http://schemas.microsoft.com/office/drawing/2014/main" id="{AE5B1BB2-ED81-47C2-A0D5-EE96698F08A4}"/>
               </a:ext>
             </a:extLst>
           </p:cNvPr>
@@ -1827,7 +1831,7 @@
           <p:cNvPr id="7" name="Date Placeholder 6">
             <a:extLst>
               <a:ext uri="{FF2B5EF4-FFF2-40B4-BE49-F238E27FC236}">
-                <a16:creationId xmlns:a16="http://schemas.microsoft.com/office/drawing/2014/main" xmlns="" id="{A1C06915-BA7D-4A2C-AB7C-02C1146220A9}"/>
+                <a16:creationId xmlns="" xmlns:a16="http://schemas.microsoft.com/office/drawing/2014/main" id="{A1C06915-BA7D-4A2C-AB7C-02C1146220A9}"/>
               </a:ext>
             </a:extLst>
           </p:cNvPr>
@@ -1845,7 +1849,7 @@
           <a:p>
             <a:fld id="{7F4C86DC-7761-441C-AE29-7E0FE6656867}" type="datetimeFigureOut">
               <a:rPr lang="en-US" smtClean="0"/>
-              <a:t>1/26/2022</a:t>
+              <a:t>1/27/2022</a:t>
             </a:fld>
             <a:endParaRPr lang="en-US"/>
           </a:p>
@@ -1856,7 +1860,7 @@
           <p:cNvPr id="8" name="Footer Placeholder 7">
             <a:extLst>
               <a:ext uri="{FF2B5EF4-FFF2-40B4-BE49-F238E27FC236}">
-                <a16:creationId xmlns:a16="http://schemas.microsoft.com/office/drawing/2014/main" xmlns="" id="{048C4DCA-4AE6-485D-81B4-4AD7B67E017E}"/>
+                <a16:creationId xmlns="" xmlns:a16="http://schemas.microsoft.com/office/drawing/2014/main" id="{048C4DCA-4AE6-485D-81B4-4AD7B67E017E}"/>
               </a:ext>
             </a:extLst>
           </p:cNvPr>
@@ -1881,7 +1885,7 @@
           <p:cNvPr id="9" name="Slide Number Placeholder 8">
             <a:extLst>
               <a:ext uri="{FF2B5EF4-FFF2-40B4-BE49-F238E27FC236}">
-                <a16:creationId xmlns:a16="http://schemas.microsoft.com/office/drawing/2014/main" xmlns="" id="{B74DC810-3BD2-4653-B457-7AAD4767242A}"/>
+                <a16:creationId xmlns="" xmlns:a16="http://schemas.microsoft.com/office/drawing/2014/main" id="{B74DC810-3BD2-4653-B457-7AAD4767242A}"/>
               </a:ext>
             </a:extLst>
           </p:cNvPr>
@@ -1940,7 +1944,7 @@
           <p:cNvPr id="2" name="Title 1">
             <a:extLst>
               <a:ext uri="{FF2B5EF4-FFF2-40B4-BE49-F238E27FC236}">
-                <a16:creationId xmlns:a16="http://schemas.microsoft.com/office/drawing/2014/main" xmlns="" id="{4DE9CD8A-362F-422C-AA6D-CCA511E91AF1}"/>
+                <a16:creationId xmlns="" xmlns:a16="http://schemas.microsoft.com/office/drawing/2014/main" id="{4DE9CD8A-362F-422C-AA6D-CCA511E91AF1}"/>
               </a:ext>
             </a:extLst>
           </p:cNvPr>
@@ -1968,7 +1972,7 @@
           <p:cNvPr id="3" name="Date Placeholder 2">
             <a:extLst>
               <a:ext uri="{FF2B5EF4-FFF2-40B4-BE49-F238E27FC236}">
-                <a16:creationId xmlns:a16="http://schemas.microsoft.com/office/drawing/2014/main" xmlns="" id="{7C4E5867-EB85-4B89-8CBD-456BEDEB7093}"/>
+                <a16:creationId xmlns="" xmlns:a16="http://schemas.microsoft.com/office/drawing/2014/main" id="{7C4E5867-EB85-4B89-8CBD-456BEDEB7093}"/>
               </a:ext>
             </a:extLst>
           </p:cNvPr>
@@ -1986,7 +1990,7 @@
           <a:p>
             <a:fld id="{7F4C86DC-7761-441C-AE29-7E0FE6656867}" type="datetimeFigureOut">
               <a:rPr lang="en-US" smtClean="0"/>
-              <a:t>1/26/2022</a:t>
+              <a:t>1/27/2022</a:t>
             </a:fld>
             <a:endParaRPr lang="en-US"/>
           </a:p>
@@ -1997,7 +2001,7 @@
           <p:cNvPr id="4" name="Footer Placeholder 3">
             <a:extLst>
               <a:ext uri="{FF2B5EF4-FFF2-40B4-BE49-F238E27FC236}">
-                <a16:creationId xmlns:a16="http://schemas.microsoft.com/office/drawing/2014/main" xmlns="" id="{445D90C5-EF2B-4A40-9299-D146DCAC8988}"/>
+                <a16:creationId xmlns="" xmlns:a16="http://schemas.microsoft.com/office/drawing/2014/main" id="{445D90C5-EF2B-4A40-9299-D146DCAC8988}"/>
               </a:ext>
             </a:extLst>
           </p:cNvPr>
@@ -2022,7 +2026,7 @@
           <p:cNvPr id="5" name="Slide Number Placeholder 4">
             <a:extLst>
               <a:ext uri="{FF2B5EF4-FFF2-40B4-BE49-F238E27FC236}">
-                <a16:creationId xmlns:a16="http://schemas.microsoft.com/office/drawing/2014/main" xmlns="" id="{EDE91B9D-6A42-4248-B817-3613794451A9}"/>
+                <a16:creationId xmlns="" xmlns:a16="http://schemas.microsoft.com/office/drawing/2014/main" id="{EDE91B9D-6A42-4248-B817-3613794451A9}"/>
               </a:ext>
             </a:extLst>
           </p:cNvPr>
@@ -2081,7 +2085,7 @@
           <p:cNvPr id="2" name="Date Placeholder 1">
             <a:extLst>
               <a:ext uri="{FF2B5EF4-FFF2-40B4-BE49-F238E27FC236}">
-                <a16:creationId xmlns:a16="http://schemas.microsoft.com/office/drawing/2014/main" xmlns="" id="{E98AA9E1-5174-438E-9EB3-9CF08A361778}"/>
+                <a16:creationId xmlns="" xmlns:a16="http://schemas.microsoft.com/office/drawing/2014/main" id="{E98AA9E1-5174-438E-9EB3-9CF08A361778}"/>
               </a:ext>
             </a:extLst>
           </p:cNvPr>
@@ -2099,7 +2103,7 @@
           <a:p>
             <a:fld id="{7F4C86DC-7761-441C-AE29-7E0FE6656867}" type="datetimeFigureOut">
               <a:rPr lang="en-US" smtClean="0"/>
-              <a:t>1/26/2022</a:t>
+              <a:t>1/27/2022</a:t>
             </a:fld>
             <a:endParaRPr lang="en-US"/>
           </a:p>
@@ -2110,7 +2114,7 @@
           <p:cNvPr id="3" name="Footer Placeholder 2">
             <a:extLst>
               <a:ext uri="{FF2B5EF4-FFF2-40B4-BE49-F238E27FC236}">
-                <a16:creationId xmlns:a16="http://schemas.microsoft.com/office/drawing/2014/main" xmlns="" id="{8559051B-4CEB-48FA-B6AC-5E405FABCF81}"/>
+                <a16:creationId xmlns="" xmlns:a16="http://schemas.microsoft.com/office/drawing/2014/main" id="{8559051B-4CEB-48FA-B6AC-5E405FABCF81}"/>
               </a:ext>
             </a:extLst>
           </p:cNvPr>
@@ -2135,7 +2139,7 @@
           <p:cNvPr id="4" name="Slide Number Placeholder 3">
             <a:extLst>
               <a:ext uri="{FF2B5EF4-FFF2-40B4-BE49-F238E27FC236}">
-                <a16:creationId xmlns:a16="http://schemas.microsoft.com/office/drawing/2014/main" xmlns="" id="{9675973B-F1BD-4814-8F8B-62AD9DDA5ECB}"/>
+                <a16:creationId xmlns="" xmlns:a16="http://schemas.microsoft.com/office/drawing/2014/main" id="{9675973B-F1BD-4814-8F8B-62AD9DDA5ECB}"/>
               </a:ext>
             </a:extLst>
           </p:cNvPr>
@@ -2194,7 +2198,7 @@
           <p:cNvPr id="2" name="Title 1">
             <a:extLst>
               <a:ext uri="{FF2B5EF4-FFF2-40B4-BE49-F238E27FC236}">
-                <a16:creationId xmlns:a16="http://schemas.microsoft.com/office/drawing/2014/main" xmlns="" id="{309D74ED-783B-46B8-A107-DF2F72BE7C1C}"/>
+                <a16:creationId xmlns="" xmlns:a16="http://schemas.microsoft.com/office/drawing/2014/main" id="{309D74ED-783B-46B8-A107-DF2F72BE7C1C}"/>
               </a:ext>
             </a:extLst>
           </p:cNvPr>
@@ -2231,7 +2235,7 @@
           <p:cNvPr id="3" name="Content Placeholder 2">
             <a:extLst>
               <a:ext uri="{FF2B5EF4-FFF2-40B4-BE49-F238E27FC236}">
-                <a16:creationId xmlns:a16="http://schemas.microsoft.com/office/drawing/2014/main" xmlns="" id="{FF557F81-1AA4-40CA-9212-6772E4223FA6}"/>
+                <a16:creationId xmlns="" xmlns:a16="http://schemas.microsoft.com/office/drawing/2014/main" id="{FF557F81-1AA4-40CA-9212-6772E4223FA6}"/>
               </a:ext>
             </a:extLst>
           </p:cNvPr>
@@ -2321,7 +2325,7 @@
           <p:cNvPr id="4" name="Text Placeholder 3">
             <a:extLst>
               <a:ext uri="{FF2B5EF4-FFF2-40B4-BE49-F238E27FC236}">
-                <a16:creationId xmlns:a16="http://schemas.microsoft.com/office/drawing/2014/main" xmlns="" id="{26AF4AE1-06F9-416E-BC29-0207ACD6BEFF}"/>
+                <a16:creationId xmlns="" xmlns:a16="http://schemas.microsoft.com/office/drawing/2014/main" id="{26AF4AE1-06F9-416E-BC29-0207ACD6BEFF}"/>
               </a:ext>
             </a:extLst>
           </p:cNvPr>
@@ -2392,7 +2396,7 @@
           <p:cNvPr id="5" name="Date Placeholder 4">
             <a:extLst>
               <a:ext uri="{FF2B5EF4-FFF2-40B4-BE49-F238E27FC236}">
-                <a16:creationId xmlns:a16="http://schemas.microsoft.com/office/drawing/2014/main" xmlns="" id="{76064B37-E109-48BD-AFD6-24FDEAD88178}"/>
+                <a16:creationId xmlns="" xmlns:a16="http://schemas.microsoft.com/office/drawing/2014/main" id="{76064B37-E109-48BD-AFD6-24FDEAD88178}"/>
               </a:ext>
             </a:extLst>
           </p:cNvPr>
@@ -2410,7 +2414,7 @@
           <a:p>
             <a:fld id="{7F4C86DC-7761-441C-AE29-7E0FE6656867}" type="datetimeFigureOut">
               <a:rPr lang="en-US" smtClean="0"/>
-              <a:t>1/26/2022</a:t>
+              <a:t>1/27/2022</a:t>
             </a:fld>
             <a:endParaRPr lang="en-US"/>
           </a:p>
@@ -2421,7 +2425,7 @@
           <p:cNvPr id="6" name="Footer Placeholder 5">
             <a:extLst>
               <a:ext uri="{FF2B5EF4-FFF2-40B4-BE49-F238E27FC236}">
-                <a16:creationId xmlns:a16="http://schemas.microsoft.com/office/drawing/2014/main" xmlns="" id="{0738E4D3-2CDC-49E7-8F6B-16B2EDAA456A}"/>
+                <a16:creationId xmlns="" xmlns:a16="http://schemas.microsoft.com/office/drawing/2014/main" id="{0738E4D3-2CDC-49E7-8F6B-16B2EDAA456A}"/>
               </a:ext>
             </a:extLst>
           </p:cNvPr>
@@ -2446,7 +2450,7 @@
           <p:cNvPr id="7" name="Slide Number Placeholder 6">
             <a:extLst>
               <a:ext uri="{FF2B5EF4-FFF2-40B4-BE49-F238E27FC236}">
-                <a16:creationId xmlns:a16="http://schemas.microsoft.com/office/drawing/2014/main" xmlns="" id="{80FDA9F9-52AF-40F4-93E0-0A46A678951C}"/>
+                <a16:creationId xmlns="" xmlns:a16="http://schemas.microsoft.com/office/drawing/2014/main" id="{80FDA9F9-52AF-40F4-93E0-0A46A678951C}"/>
               </a:ext>
             </a:extLst>
           </p:cNvPr>
@@ -2505,7 +2509,7 @@
           <p:cNvPr id="2" name="Title 1">
             <a:extLst>
               <a:ext uri="{FF2B5EF4-FFF2-40B4-BE49-F238E27FC236}">
-                <a16:creationId xmlns:a16="http://schemas.microsoft.com/office/drawing/2014/main" xmlns="" id="{6E10A5A0-24E9-41A1-A9FA-5C39D70607BD}"/>
+                <a16:creationId xmlns="" xmlns:a16="http://schemas.microsoft.com/office/drawing/2014/main" id="{6E10A5A0-24E9-41A1-A9FA-5C39D70607BD}"/>
               </a:ext>
             </a:extLst>
           </p:cNvPr>
@@ -2542,7 +2546,7 @@
           <p:cNvPr id="3" name="Picture Placeholder 2">
             <a:extLst>
               <a:ext uri="{FF2B5EF4-FFF2-40B4-BE49-F238E27FC236}">
-                <a16:creationId xmlns:a16="http://schemas.microsoft.com/office/drawing/2014/main" xmlns="" id="{7AA506BA-2D94-42C1-8CCD-5D88D804AF3E}"/>
+                <a16:creationId xmlns="" xmlns:a16="http://schemas.microsoft.com/office/drawing/2014/main" id="{7AA506BA-2D94-42C1-8CCD-5D88D804AF3E}"/>
               </a:ext>
             </a:extLst>
           </p:cNvPr>
@@ -2609,7 +2613,7 @@
           <p:cNvPr id="4" name="Text Placeholder 3">
             <a:extLst>
               <a:ext uri="{FF2B5EF4-FFF2-40B4-BE49-F238E27FC236}">
-                <a16:creationId xmlns:a16="http://schemas.microsoft.com/office/drawing/2014/main" xmlns="" id="{8AB2D86E-91D5-4237-BC10-7ED451CB0803}"/>
+                <a16:creationId xmlns="" xmlns:a16="http://schemas.microsoft.com/office/drawing/2014/main" id="{8AB2D86E-91D5-4237-BC10-7ED451CB0803}"/>
               </a:ext>
             </a:extLst>
           </p:cNvPr>
@@ -2680,7 +2684,7 @@
           <p:cNvPr id="5" name="Date Placeholder 4">
             <a:extLst>
               <a:ext uri="{FF2B5EF4-FFF2-40B4-BE49-F238E27FC236}">
-                <a16:creationId xmlns:a16="http://schemas.microsoft.com/office/drawing/2014/main" xmlns="" id="{5ABFFFEB-371F-4C9F-ABA8-7E4DF901A064}"/>
+                <a16:creationId xmlns="" xmlns:a16="http://schemas.microsoft.com/office/drawing/2014/main" id="{5ABFFFEB-371F-4C9F-ABA8-7E4DF901A064}"/>
               </a:ext>
             </a:extLst>
           </p:cNvPr>
@@ -2698,7 +2702,7 @@
           <a:p>
             <a:fld id="{7F4C86DC-7761-441C-AE29-7E0FE6656867}" type="datetimeFigureOut">
               <a:rPr lang="en-US" smtClean="0"/>
-              <a:t>1/26/2022</a:t>
+              <a:t>1/27/2022</a:t>
             </a:fld>
             <a:endParaRPr lang="en-US"/>
           </a:p>
@@ -2709,7 +2713,7 @@
           <p:cNvPr id="6" name="Footer Placeholder 5">
             <a:extLst>
               <a:ext uri="{FF2B5EF4-FFF2-40B4-BE49-F238E27FC236}">
-                <a16:creationId xmlns:a16="http://schemas.microsoft.com/office/drawing/2014/main" xmlns="" id="{6F0DF431-886E-43F4-B5E2-DDF6602D306E}"/>
+                <a16:creationId xmlns="" xmlns:a16="http://schemas.microsoft.com/office/drawing/2014/main" id="{6F0DF431-886E-43F4-B5E2-DDF6602D306E}"/>
               </a:ext>
             </a:extLst>
           </p:cNvPr>
@@ -2734,7 +2738,7 @@
           <p:cNvPr id="7" name="Slide Number Placeholder 6">
             <a:extLst>
               <a:ext uri="{FF2B5EF4-FFF2-40B4-BE49-F238E27FC236}">
-                <a16:creationId xmlns:a16="http://schemas.microsoft.com/office/drawing/2014/main" xmlns="" id="{211CC860-F7EC-4E96-92CC-307291BC4CA8}"/>
+                <a16:creationId xmlns="" xmlns:a16="http://schemas.microsoft.com/office/drawing/2014/main" id="{211CC860-F7EC-4E96-92CC-307291BC4CA8}"/>
               </a:ext>
             </a:extLst>
           </p:cNvPr>
@@ -2798,7 +2802,7 @@
           <p:cNvPr id="2" name="Title Placeholder 1">
             <a:extLst>
               <a:ext uri="{FF2B5EF4-FFF2-40B4-BE49-F238E27FC236}">
-                <a16:creationId xmlns:a16="http://schemas.microsoft.com/office/drawing/2014/main" xmlns="" id="{E552E40F-8A42-4F56-A4BD-B087AA0A9340}"/>
+                <a16:creationId xmlns="" xmlns:a16="http://schemas.microsoft.com/office/drawing/2014/main" id="{E552E40F-8A42-4F56-A4BD-B087AA0A9340}"/>
               </a:ext>
             </a:extLst>
           </p:cNvPr>
@@ -2836,7 +2840,7 @@
           <p:cNvPr id="3" name="Text Placeholder 2">
             <a:extLst>
               <a:ext uri="{FF2B5EF4-FFF2-40B4-BE49-F238E27FC236}">
-                <a16:creationId xmlns:a16="http://schemas.microsoft.com/office/drawing/2014/main" xmlns="" id="{08918BA9-D461-495A-84BE-6DEA967D45BF}"/>
+                <a16:creationId xmlns="" xmlns:a16="http://schemas.microsoft.com/office/drawing/2014/main" id="{08918BA9-D461-495A-84BE-6DEA967D45BF}"/>
               </a:ext>
             </a:extLst>
           </p:cNvPr>
@@ -2903,7 +2907,7 @@
           <p:cNvPr id="4" name="Date Placeholder 3">
             <a:extLst>
               <a:ext uri="{FF2B5EF4-FFF2-40B4-BE49-F238E27FC236}">
-                <a16:creationId xmlns:a16="http://schemas.microsoft.com/office/drawing/2014/main" xmlns="" id="{7C86D937-D344-4A82-8D79-B2753177D88C}"/>
+                <a16:creationId xmlns="" xmlns:a16="http://schemas.microsoft.com/office/drawing/2014/main" id="{7C86D937-D344-4A82-8D79-B2753177D88C}"/>
               </a:ext>
             </a:extLst>
           </p:cNvPr>
@@ -2939,7 +2943,7 @@
           <a:p>
             <a:fld id="{7F4C86DC-7761-441C-AE29-7E0FE6656867}" type="datetimeFigureOut">
               <a:rPr lang="en-US" smtClean="0"/>
-              <a:t>1/26/2022</a:t>
+              <a:t>1/27/2022</a:t>
             </a:fld>
             <a:endParaRPr lang="en-US"/>
           </a:p>
@@ -2950,7 +2954,7 @@
           <p:cNvPr id="5" name="Footer Placeholder 4">
             <a:extLst>
               <a:ext uri="{FF2B5EF4-FFF2-40B4-BE49-F238E27FC236}">
-                <a16:creationId xmlns:a16="http://schemas.microsoft.com/office/drawing/2014/main" xmlns="" id="{B8C1440F-6742-4269-AB18-6F4C04C121DA}"/>
+                <a16:creationId xmlns="" xmlns:a16="http://schemas.microsoft.com/office/drawing/2014/main" id="{B8C1440F-6742-4269-AB18-6F4C04C121DA}"/>
               </a:ext>
             </a:extLst>
           </p:cNvPr>
@@ -2993,7 +2997,7 @@
           <p:cNvPr id="6" name="Slide Number Placeholder 5">
             <a:extLst>
               <a:ext uri="{FF2B5EF4-FFF2-40B4-BE49-F238E27FC236}">
-                <a16:creationId xmlns:a16="http://schemas.microsoft.com/office/drawing/2014/main" xmlns="" id="{E7B764D5-93D3-42A5-A70B-4E8C0B79EAB5}"/>
+                <a16:creationId xmlns="" xmlns:a16="http://schemas.microsoft.com/office/drawing/2014/main" id="{E7B764D5-93D3-42A5-A70B-4E8C0B79EAB5}"/>
               </a:ext>
             </a:extLst>
           </p:cNvPr>
@@ -3361,7 +3365,7 @@
           <p:cNvPr id="2" name="Title 1">
             <a:extLst>
               <a:ext uri="{FF2B5EF4-FFF2-40B4-BE49-F238E27FC236}">
-                <a16:creationId xmlns:a16="http://schemas.microsoft.com/office/drawing/2014/main" xmlns="" id="{4CC28DEB-C11A-45B1-A082-FA38CFC4FB6B}"/>
+                <a16:creationId xmlns="" xmlns:a16="http://schemas.microsoft.com/office/drawing/2014/main" id="{4CC28DEB-C11A-45B1-A082-FA38CFC4FB6B}"/>
               </a:ext>
             </a:extLst>
           </p:cNvPr>
@@ -3396,7 +3400,7 @@
           <p:cNvPr id="3" name="Subtitle 2">
             <a:extLst>
               <a:ext uri="{FF2B5EF4-FFF2-40B4-BE49-F238E27FC236}">
-                <a16:creationId xmlns:a16="http://schemas.microsoft.com/office/drawing/2014/main" xmlns="" id="{72009F95-80CE-4F64-8C1F-B38DA9456C93}"/>
+                <a16:creationId xmlns="" xmlns:a16="http://schemas.microsoft.com/office/drawing/2014/main" id="{72009F95-80CE-4F64-8C1F-B38DA9456C93}"/>
               </a:ext>
             </a:extLst>
           </p:cNvPr>
@@ -3451,10 +3455,203 @@
       </p:grpSpPr>
       <p:sp>
         <p:nvSpPr>
+          <p:cNvPr id="4" name="Title 3"/>
+          <p:cNvSpPr>
+            <a:spLocks noGrp="1"/>
+          </p:cNvSpPr>
+          <p:nvPr>
+            <p:ph type="title"/>
+          </p:nvPr>
+        </p:nvSpPr>
+        <p:spPr/>
+        <p:txBody>
+          <a:bodyPr/>
+          <a:lstStyle/>
+          <a:p>
+            <a:r>
+              <a:rPr lang="en-US" dirty="0" smtClean="0"/>
+              <a:t>Outline</a:t>
+            </a:r>
+            <a:endParaRPr lang="en-US" dirty="0"/>
+          </a:p>
+        </p:txBody>
+      </p:sp>
+      <p:sp>
+        <p:nvSpPr>
+          <p:cNvPr id="5" name="Content Placeholder 4"/>
+          <p:cNvSpPr>
+            <a:spLocks noGrp="1"/>
+          </p:cNvSpPr>
+          <p:nvPr>
+            <p:ph idx="1"/>
+          </p:nvPr>
+        </p:nvSpPr>
+        <p:spPr/>
+        <p:txBody>
+          <a:bodyPr/>
+          <a:lstStyle/>
+          <a:p>
+            <a:r>
+              <a:rPr lang="en-US" dirty="0" smtClean="0"/>
+              <a:t>Reactive Objects</a:t>
+            </a:r>
+          </a:p>
+          <a:p>
+            <a:r>
+              <a:rPr lang="en-US" dirty="0" smtClean="0"/>
+              <a:t>Reactive Operators</a:t>
+            </a:r>
+          </a:p>
+          <a:p>
+            <a:r>
+              <a:rPr lang="en-US" dirty="0"/>
+              <a:t>Hot and Cold </a:t>
+            </a:r>
+            <a:r>
+              <a:rPr lang="en-US" dirty="0" smtClean="0"/>
+              <a:t>Publisher</a:t>
+            </a:r>
+          </a:p>
+          <a:p>
+            <a:r>
+              <a:rPr lang="en-US" dirty="0"/>
+              <a:t>Threading and </a:t>
+            </a:r>
+            <a:r>
+              <a:rPr lang="en-US" dirty="0" smtClean="0"/>
+              <a:t>Schedulers</a:t>
+            </a:r>
+          </a:p>
+          <a:p>
+            <a:r>
+              <a:rPr lang="en-US" dirty="0"/>
+              <a:t>Unit Testing</a:t>
+            </a:r>
+          </a:p>
+          <a:p>
+            <a:endParaRPr lang="en-US" dirty="0" smtClean="0"/>
+          </a:p>
+          <a:p>
+            <a:endParaRPr lang="en-US" dirty="0"/>
+          </a:p>
+        </p:txBody>
+      </p:sp>
+    </p:spTree>
+    <p:extLst>
+      <p:ext uri="{BB962C8B-B14F-4D97-AF65-F5344CB8AC3E}">
+        <p14:creationId xmlns:p14="http://schemas.microsoft.com/office/powerpoint/2010/main" val="4230945345"/>
+      </p:ext>
+    </p:extLst>
+  </p:cSld>
+  <p:clrMapOvr>
+    <a:masterClrMapping/>
+  </p:clrMapOvr>
+</p:sld>
+</file>
+
+<file path=ppt/slides/slide11.xml><?xml version="1.0" encoding="utf-8"?>
+<p:sld xmlns:a="http://schemas.openxmlformats.org/drawingml/2006/main" xmlns:r="http://schemas.openxmlformats.org/officeDocument/2006/relationships" xmlns:p="http://schemas.openxmlformats.org/presentationml/2006/main">
+  <p:cSld>
+    <p:spTree>
+      <p:nvGrpSpPr>
+        <p:cNvPr id="1" name=""/>
+        <p:cNvGrpSpPr/>
+        <p:nvPr/>
+      </p:nvGrpSpPr>
+      <p:grpSpPr>
+        <a:xfrm>
+          <a:off x="0" y="0"/>
+          <a:ext cx="0" cy="0"/>
+          <a:chOff x="0" y="0"/>
+          <a:chExt cx="0" cy="0"/>
+        </a:xfrm>
+      </p:grpSpPr>
+      <p:sp>
+        <p:nvSpPr>
+          <p:cNvPr id="7" name="Title 6"/>
+          <p:cNvSpPr>
+            <a:spLocks noGrp="1"/>
+          </p:cNvSpPr>
+          <p:nvPr>
+            <p:ph type="title"/>
+          </p:nvPr>
+        </p:nvSpPr>
+        <p:spPr/>
+        <p:txBody>
+          <a:bodyPr/>
+          <a:lstStyle/>
+          <a:p>
+            <a:r>
+              <a:rPr lang="en-US" dirty="0"/>
+              <a:t>Reactive </a:t>
+            </a:r>
+            <a:r>
+              <a:rPr lang="en-US" dirty="0" smtClean="0"/>
+              <a:t>Objects</a:t>
+            </a:r>
+            <a:endParaRPr lang="en-US" dirty="0"/>
+          </a:p>
+        </p:txBody>
+      </p:sp>
+      <p:sp>
+        <p:nvSpPr>
+          <p:cNvPr id="8" name="Text Placeholder 7"/>
+          <p:cNvSpPr>
+            <a:spLocks noGrp="1"/>
+          </p:cNvSpPr>
+          <p:nvPr>
+            <p:ph type="body" idx="1"/>
+          </p:nvPr>
+        </p:nvSpPr>
+        <p:spPr/>
+        <p:txBody>
+          <a:bodyPr/>
+          <a:lstStyle/>
+          <a:p>
+            <a:r>
+              <a:rPr lang="en-US" dirty="0" smtClean="0"/>
+              <a:t>Introduction of Reactive Flux and Mono</a:t>
+            </a:r>
+            <a:endParaRPr lang="en-US" dirty="0"/>
+          </a:p>
+        </p:txBody>
+      </p:sp>
+    </p:spTree>
+    <p:extLst>
+      <p:ext uri="{BB962C8B-B14F-4D97-AF65-F5344CB8AC3E}">
+        <p14:creationId xmlns:p14="http://schemas.microsoft.com/office/powerpoint/2010/main" val="2903945394"/>
+      </p:ext>
+    </p:extLst>
+  </p:cSld>
+  <p:clrMapOvr>
+    <a:masterClrMapping/>
+  </p:clrMapOvr>
+</p:sld>
+</file>
+
+<file path=ppt/slides/slide12.xml><?xml version="1.0" encoding="utf-8"?>
+<p:sld xmlns:a="http://schemas.openxmlformats.org/drawingml/2006/main" xmlns:r="http://schemas.openxmlformats.org/officeDocument/2006/relationships" xmlns:p="http://schemas.openxmlformats.org/presentationml/2006/main">
+  <p:cSld>
+    <p:spTree>
+      <p:nvGrpSpPr>
+        <p:cNvPr id="1" name=""/>
+        <p:cNvGrpSpPr/>
+        <p:nvPr/>
+      </p:nvGrpSpPr>
+      <p:grpSpPr>
+        <a:xfrm>
+          <a:off x="0" y="0"/>
+          <a:ext cx="0" cy="0"/>
+          <a:chOff x="0" y="0"/>
+          <a:chExt cx="0" cy="0"/>
+        </a:xfrm>
+      </p:grpSpPr>
+      <p:sp>
+        <p:nvSpPr>
           <p:cNvPr id="5" name="Title 4">
             <a:extLst>
               <a:ext uri="{FF2B5EF4-FFF2-40B4-BE49-F238E27FC236}">
-                <a16:creationId xmlns:a16="http://schemas.microsoft.com/office/drawing/2014/main" xmlns="" id="{332A0F13-1C8E-4813-9480-5B5E601A0F7A}"/>
+                <a16:creationId xmlns="" xmlns:a16="http://schemas.microsoft.com/office/drawing/2014/main" id="{332A0F13-1C8E-4813-9480-5B5E601A0F7A}"/>
               </a:ext>
             </a:extLst>
           </p:cNvPr>
@@ -3483,7 +3680,7 @@
           <p:cNvPr id="6" name="Content Placeholder 5">
             <a:extLst>
               <a:ext uri="{FF2B5EF4-FFF2-40B4-BE49-F238E27FC236}">
-                <a16:creationId xmlns:a16="http://schemas.microsoft.com/office/drawing/2014/main" xmlns="" id="{DB9C97A1-76D6-4709-BC38-ACD85E4CECE8}"/>
+                <a16:creationId xmlns="" xmlns:a16="http://schemas.microsoft.com/office/drawing/2014/main" id="{DB9C97A1-76D6-4709-BC38-ACD85E4CECE8}"/>
               </a:ext>
             </a:extLst>
           </p:cNvPr>
@@ -3571,7 +3768,7 @@
           <p:cNvPr id="9" name="Content Placeholder 8">
             <a:extLst>
               <a:ext uri="{FF2B5EF4-FFF2-40B4-BE49-F238E27FC236}">
-                <a16:creationId xmlns:a16="http://schemas.microsoft.com/office/drawing/2014/main" xmlns="" id="{C42A872C-5E16-4B77-A027-E097DF1DEAD2}"/>
+                <a16:creationId xmlns="" xmlns:a16="http://schemas.microsoft.com/office/drawing/2014/main" id="{C42A872C-5E16-4B77-A027-E097DF1DEAD2}"/>
               </a:ext>
             </a:extLst>
           </p:cNvPr>
@@ -3608,7 +3805,7 @@
 </p:sld>
 </file>
 
-<file path=ppt/slides/slide11.xml><?xml version="1.0" encoding="utf-8"?>
+<file path=ppt/slides/slide13.xml><?xml version="1.0" encoding="utf-8"?>
 <p:sld xmlns:a="http://schemas.openxmlformats.org/drawingml/2006/main" xmlns:r="http://schemas.openxmlformats.org/officeDocument/2006/relationships" xmlns:p="http://schemas.openxmlformats.org/presentationml/2006/main">
   <p:cSld>
     <p:spTree>
@@ -3630,7 +3827,7 @@
           <p:cNvPr id="2" name="Title 1">
             <a:extLst>
               <a:ext uri="{FF2B5EF4-FFF2-40B4-BE49-F238E27FC236}">
-                <a16:creationId xmlns:a16="http://schemas.microsoft.com/office/drawing/2014/main" xmlns="" id="{906D3A6C-3DD5-4F97-BEB4-C330DAAEB4C6}"/>
+                <a16:creationId xmlns="" xmlns:a16="http://schemas.microsoft.com/office/drawing/2014/main" id="{906D3A6C-3DD5-4F97-BEB4-C330DAAEB4C6}"/>
               </a:ext>
             </a:extLst>
           </p:cNvPr>
@@ -3659,7 +3856,7 @@
           <p:cNvPr id="4" name="Content Placeholder 3">
             <a:extLst>
               <a:ext uri="{FF2B5EF4-FFF2-40B4-BE49-F238E27FC236}">
-                <a16:creationId xmlns:a16="http://schemas.microsoft.com/office/drawing/2014/main" xmlns="" id="{A91BFE5C-9258-493F-8EBA-0F157646EC6E}"/>
+                <a16:creationId xmlns="" xmlns:a16="http://schemas.microsoft.com/office/drawing/2014/main" id="{A91BFE5C-9258-493F-8EBA-0F157646EC6E}"/>
               </a:ext>
             </a:extLst>
           </p:cNvPr>
@@ -3768,7 +3965,7 @@
           <p:cNvPr id="11" name="Content Placeholder 13">
             <a:extLst>
               <a:ext uri="{FF2B5EF4-FFF2-40B4-BE49-F238E27FC236}">
-                <a16:creationId xmlns:a16="http://schemas.microsoft.com/office/drawing/2014/main" xmlns="" id="{64B8D181-C25C-40E1-A555-EAFF1FA98730}"/>
+                <a16:creationId xmlns="" xmlns:a16="http://schemas.microsoft.com/office/drawing/2014/main" id="{64B8D181-C25C-40E1-A555-EAFF1FA98730}"/>
               </a:ext>
             </a:extLst>
           </p:cNvPr>
@@ -3808,7 +4005,7 @@
 </p:sld>
 </file>
 
-<file path=ppt/slides/slide12.xml><?xml version="1.0" encoding="utf-8"?>
+<file path=ppt/slides/slide14.xml><?xml version="1.0" encoding="utf-8"?>
 <p:sld xmlns:a="http://schemas.openxmlformats.org/drawingml/2006/main" xmlns:r="http://schemas.openxmlformats.org/officeDocument/2006/relationships" xmlns:p="http://schemas.openxmlformats.org/presentationml/2006/main">
   <p:cSld>
     <p:spTree>
@@ -4344,7 +4541,7 @@
 </p:sld>
 </file>
 
-<file path=ppt/slides/slide13.xml><?xml version="1.0" encoding="utf-8"?>
+<file path=ppt/slides/slide15.xml><?xml version="1.0" encoding="utf-8"?>
 <p:sld xmlns:a="http://schemas.openxmlformats.org/drawingml/2006/main" xmlns:r="http://schemas.openxmlformats.org/officeDocument/2006/relationships" xmlns:p="http://schemas.openxmlformats.org/presentationml/2006/main">
   <p:cSld>
     <p:spTree>
@@ -4366,7 +4563,7 @@
           <p:cNvPr id="2" name="Title 1">
             <a:extLst>
               <a:ext uri="{FF2B5EF4-FFF2-40B4-BE49-F238E27FC236}">
-                <a16:creationId xmlns:a16="http://schemas.microsoft.com/office/drawing/2014/main" xmlns="" id="{906D3A6C-3DD5-4F97-BEB4-C330DAAEB4C6}"/>
+                <a16:creationId xmlns="" xmlns:a16="http://schemas.microsoft.com/office/drawing/2014/main" id="{906D3A6C-3DD5-4F97-BEB4-C330DAAEB4C6}"/>
               </a:ext>
             </a:extLst>
           </p:cNvPr>
@@ -4394,7 +4591,7 @@
           <p:cNvPr id="4" name="Content Placeholder 3">
             <a:extLst>
               <a:ext uri="{FF2B5EF4-FFF2-40B4-BE49-F238E27FC236}">
-                <a16:creationId xmlns:a16="http://schemas.microsoft.com/office/drawing/2014/main" xmlns="" id="{A91BFE5C-9258-493F-8EBA-0F157646EC6E}"/>
+                <a16:creationId xmlns="" xmlns:a16="http://schemas.microsoft.com/office/drawing/2014/main" id="{A91BFE5C-9258-493F-8EBA-0F157646EC6E}"/>
               </a:ext>
             </a:extLst>
           </p:cNvPr>
@@ -4489,7 +4686,7 @@
           <p:cNvPr id="7" name="Content Placeholder 6">
             <a:extLst>
               <a:ext uri="{FF2B5EF4-FFF2-40B4-BE49-F238E27FC236}">
-                <a16:creationId xmlns:a16="http://schemas.microsoft.com/office/drawing/2014/main" xmlns="" id="{6B3521CE-05C1-4798-96E1-BFFF4485CC9E}"/>
+                <a16:creationId xmlns="" xmlns:a16="http://schemas.microsoft.com/office/drawing/2014/main" id="{6B3521CE-05C1-4798-96E1-BFFF4485CC9E}"/>
               </a:ext>
             </a:extLst>
           </p:cNvPr>
@@ -4574,7 +4771,7 @@
 </p:sld>
 </file>
 
-<file path=ppt/slides/slide14.xml><?xml version="1.0" encoding="utf-8"?>
+<file path=ppt/slides/slide16.xml><?xml version="1.0" encoding="utf-8"?>
 <p:sld xmlns:a="http://schemas.openxmlformats.org/drawingml/2006/main" xmlns:r="http://schemas.openxmlformats.org/officeDocument/2006/relationships" xmlns:p="http://schemas.openxmlformats.org/presentationml/2006/main">
   <p:cSld>
     <p:spTree>
@@ -4628,7 +4825,11 @@
           <a:bodyPr/>
           <a:lstStyle/>
           <a:p>
-            <a:endParaRPr lang="en-US"/>
+            <a:r>
+              <a:rPr lang="en-US" dirty="0" smtClean="0"/>
+              <a:t>Process a Reactive Stream</a:t>
+            </a:r>
+            <a:endParaRPr lang="en-US" dirty="0"/>
           </a:p>
         </p:txBody>
       </p:sp>
@@ -4645,7 +4846,7 @@
 </p:sld>
 </file>
 
-<file path=ppt/slides/slide15.xml><?xml version="1.0" encoding="utf-8"?>
+<file path=ppt/slides/slide17.xml><?xml version="1.0" encoding="utf-8"?>
 <p:sld xmlns:a="http://schemas.openxmlformats.org/drawingml/2006/main" xmlns:r="http://schemas.openxmlformats.org/officeDocument/2006/relationships" xmlns:p="http://schemas.openxmlformats.org/presentationml/2006/main">
   <p:cSld>
     <p:spTree>
@@ -4772,7 +4973,7 @@
 </p:sld>
 </file>
 
-<file path=ppt/slides/slide16.xml><?xml version="1.0" encoding="utf-8"?>
+<file path=ppt/slides/slide18.xml><?xml version="1.0" encoding="utf-8"?>
 <p:sld xmlns:a="http://schemas.openxmlformats.org/drawingml/2006/main" xmlns:r="http://schemas.openxmlformats.org/officeDocument/2006/relationships" xmlns:p="http://schemas.openxmlformats.org/presentationml/2006/main">
   <p:cSld>
     <p:spTree>
@@ -4934,7 +5135,7 @@
 </p:sld>
 </file>
 
-<file path=ppt/slides/slide17.xml><?xml version="1.0" encoding="utf-8"?>
+<file path=ppt/slides/slide19.xml><?xml version="1.0" encoding="utf-8"?>
 <p:sld xmlns:a="http://schemas.openxmlformats.org/drawingml/2006/main" xmlns:r="http://schemas.openxmlformats.org/officeDocument/2006/relationships" xmlns:p="http://schemas.openxmlformats.org/presentationml/2006/main">
   <p:cSld>
     <p:spTree>
@@ -5084,7 +5285,161 @@
 </p:sld>
 </file>
 
-<file path=ppt/slides/slide18.xml><?xml version="1.0" encoding="utf-8"?>
+<file path=ppt/slides/slide2.xml><?xml version="1.0" encoding="utf-8"?>
+<p:sld xmlns:a="http://schemas.openxmlformats.org/drawingml/2006/main" xmlns:r="http://schemas.openxmlformats.org/officeDocument/2006/relationships" xmlns:p="http://schemas.openxmlformats.org/presentationml/2006/main">
+  <p:cSld>
+    <p:spTree>
+      <p:nvGrpSpPr>
+        <p:cNvPr id="1" name=""/>
+        <p:cNvGrpSpPr/>
+        <p:nvPr/>
+      </p:nvGrpSpPr>
+      <p:grpSpPr>
+        <a:xfrm>
+          <a:off x="0" y="0"/>
+          <a:ext cx="0" cy="0"/>
+          <a:chOff x="0" y="0"/>
+          <a:chExt cx="0" cy="0"/>
+        </a:xfrm>
+      </p:grpSpPr>
+      <p:sp>
+        <p:nvSpPr>
+          <p:cNvPr id="2" name="Title 1">
+            <a:extLst>
+              <a:ext uri="{FF2B5EF4-FFF2-40B4-BE49-F238E27FC236}">
+                <a16:creationId xmlns="" xmlns:a16="http://schemas.microsoft.com/office/drawing/2014/main" id="{3E3F5DC8-E31C-44B5-B975-07F80F41D6B2}"/>
+              </a:ext>
+            </a:extLst>
+          </p:cNvPr>
+          <p:cNvSpPr>
+            <a:spLocks noGrp="1"/>
+          </p:cNvSpPr>
+          <p:nvPr>
+            <p:ph type="title"/>
+          </p:nvPr>
+        </p:nvSpPr>
+        <p:spPr/>
+        <p:txBody>
+          <a:bodyPr/>
+          <a:lstStyle/>
+          <a:p>
+            <a:r>
+              <a:rPr lang="en-US" dirty="0"/>
+              <a:t>Outline</a:t>
+            </a:r>
+          </a:p>
+        </p:txBody>
+      </p:sp>
+      <p:sp>
+        <p:nvSpPr>
+          <p:cNvPr id="3" name="Content Placeholder 2">
+            <a:extLst>
+              <a:ext uri="{FF2B5EF4-FFF2-40B4-BE49-F238E27FC236}">
+                <a16:creationId xmlns="" xmlns:a16="http://schemas.microsoft.com/office/drawing/2014/main" id="{9812DECB-E4E4-4D03-879C-88F9CF4811DF}"/>
+              </a:ext>
+            </a:extLst>
+          </p:cNvPr>
+          <p:cNvSpPr>
+            <a:spLocks noGrp="1"/>
+          </p:cNvSpPr>
+          <p:nvPr>
+            <p:ph idx="1"/>
+          </p:nvPr>
+        </p:nvSpPr>
+        <p:spPr/>
+        <p:txBody>
+          <a:bodyPr>
+            <a:normAutofit/>
+          </a:bodyPr>
+          <a:lstStyle/>
+          <a:p>
+            <a:r>
+              <a:rPr lang="en-US" dirty="0"/>
+              <a:t>Brief of Reactive Programming definition</a:t>
+            </a:r>
+          </a:p>
+          <a:p>
+            <a:r>
+              <a:rPr lang="en-US" dirty="0"/>
+              <a:t>Reactive Stream</a:t>
+            </a:r>
+          </a:p>
+          <a:p>
+            <a:r>
+              <a:rPr lang="en-US" dirty="0"/>
+              <a:t>Project </a:t>
+            </a:r>
+            <a:r>
+              <a:rPr lang="en-US" dirty="0" smtClean="0"/>
+              <a:t>Reactor</a:t>
+            </a:r>
+          </a:p>
+          <a:p>
+            <a:pPr lvl="1"/>
+            <a:r>
+              <a:rPr lang="en-US" dirty="0"/>
+              <a:t>Reactive Objects</a:t>
+            </a:r>
+          </a:p>
+          <a:p>
+            <a:pPr lvl="1"/>
+            <a:r>
+              <a:rPr lang="en-US" dirty="0"/>
+              <a:t>Reactive Operators</a:t>
+            </a:r>
+          </a:p>
+          <a:p>
+            <a:pPr lvl="1"/>
+            <a:r>
+              <a:rPr lang="en-US" dirty="0"/>
+              <a:t>Hot and Cold Publisher</a:t>
+            </a:r>
+          </a:p>
+          <a:p>
+            <a:pPr lvl="1"/>
+            <a:r>
+              <a:rPr lang="en-US" dirty="0"/>
+              <a:t>Threading and Schedulers</a:t>
+            </a:r>
+          </a:p>
+          <a:p>
+            <a:pPr lvl="1"/>
+            <a:r>
+              <a:rPr lang="en-US" dirty="0"/>
+              <a:t>Unit </a:t>
+            </a:r>
+            <a:r>
+              <a:rPr lang="en-US" dirty="0" smtClean="0"/>
+              <a:t>Testing</a:t>
+            </a:r>
+            <a:endParaRPr lang="en-US" dirty="0" smtClean="0"/>
+          </a:p>
+          <a:p>
+            <a:r>
+              <a:rPr lang="en-US" dirty="0" smtClean="0"/>
+              <a:t>Reactive Data Access</a:t>
+            </a:r>
+            <a:endParaRPr lang="en-US" dirty="0" smtClean="0"/>
+          </a:p>
+          <a:p>
+            <a:endParaRPr lang="en-US" dirty="0"/>
+          </a:p>
+        </p:txBody>
+      </p:sp>
+    </p:spTree>
+    <p:extLst>
+      <p:ext uri="{BB962C8B-B14F-4D97-AF65-F5344CB8AC3E}">
+        <p14:creationId xmlns:p14="http://schemas.microsoft.com/office/powerpoint/2010/main" val="2535664265"/>
+      </p:ext>
+    </p:extLst>
+  </p:cSld>
+  <p:clrMapOvr>
+    <a:masterClrMapping/>
+  </p:clrMapOvr>
+</p:sld>
+</file>
+
+<file path=ppt/slides/slide20.xml><?xml version="1.0" encoding="utf-8"?>
 <p:sld xmlns:a="http://schemas.openxmlformats.org/drawingml/2006/main" xmlns:r="http://schemas.openxmlformats.org/officeDocument/2006/relationships" xmlns:p="http://schemas.openxmlformats.org/presentationml/2006/main">
   <p:cSld>
     <p:spTree>
@@ -5491,7 +5846,7 @@
 </p:sld>
 </file>
 
-<file path=ppt/slides/slide19.xml><?xml version="1.0" encoding="utf-8"?>
+<file path=ppt/slides/slide21.xml><?xml version="1.0" encoding="utf-8"?>
 <p:sld xmlns:a="http://schemas.openxmlformats.org/drawingml/2006/main" xmlns:r="http://schemas.openxmlformats.org/officeDocument/2006/relationships" xmlns:p="http://schemas.openxmlformats.org/presentationml/2006/main">
   <p:cSld>
     <p:spTree>
@@ -5636,108 +5991,17 @@
   <p:clrMapOvr>
     <a:masterClrMapping/>
   </p:clrMapOvr>
+  <p:timing>
+    <p:tnLst>
+      <p:par>
+        <p:cTn id="1" dur="indefinite" restart="never" nodeType="tmRoot"/>
+      </p:par>
+    </p:tnLst>
+  </p:timing>
 </p:sld>
 </file>
 
-<file path=ppt/slides/slide2.xml><?xml version="1.0" encoding="utf-8"?>
-<p:sld xmlns:a="http://schemas.openxmlformats.org/drawingml/2006/main" xmlns:r="http://schemas.openxmlformats.org/officeDocument/2006/relationships" xmlns:p="http://schemas.openxmlformats.org/presentationml/2006/main">
-  <p:cSld>
-    <p:spTree>
-      <p:nvGrpSpPr>
-        <p:cNvPr id="1" name=""/>
-        <p:cNvGrpSpPr/>
-        <p:nvPr/>
-      </p:nvGrpSpPr>
-      <p:grpSpPr>
-        <a:xfrm>
-          <a:off x="0" y="0"/>
-          <a:ext cx="0" cy="0"/>
-          <a:chOff x="0" y="0"/>
-          <a:chExt cx="0" cy="0"/>
-        </a:xfrm>
-      </p:grpSpPr>
-      <p:sp>
-        <p:nvSpPr>
-          <p:cNvPr id="2" name="Title 1">
-            <a:extLst>
-              <a:ext uri="{FF2B5EF4-FFF2-40B4-BE49-F238E27FC236}">
-                <a16:creationId xmlns:a16="http://schemas.microsoft.com/office/drawing/2014/main" xmlns="" id="{3E3F5DC8-E31C-44B5-B975-07F80F41D6B2}"/>
-              </a:ext>
-            </a:extLst>
-          </p:cNvPr>
-          <p:cNvSpPr>
-            <a:spLocks noGrp="1"/>
-          </p:cNvSpPr>
-          <p:nvPr>
-            <p:ph type="title"/>
-          </p:nvPr>
-        </p:nvSpPr>
-        <p:spPr/>
-        <p:txBody>
-          <a:bodyPr/>
-          <a:lstStyle/>
-          <a:p>
-            <a:r>
-              <a:rPr lang="en-US" dirty="0"/>
-              <a:t>Outline</a:t>
-            </a:r>
-          </a:p>
-        </p:txBody>
-      </p:sp>
-      <p:sp>
-        <p:nvSpPr>
-          <p:cNvPr id="3" name="Content Placeholder 2">
-            <a:extLst>
-              <a:ext uri="{FF2B5EF4-FFF2-40B4-BE49-F238E27FC236}">
-                <a16:creationId xmlns:a16="http://schemas.microsoft.com/office/drawing/2014/main" xmlns="" id="{9812DECB-E4E4-4D03-879C-88F9CF4811DF}"/>
-              </a:ext>
-            </a:extLst>
-          </p:cNvPr>
-          <p:cNvSpPr>
-            <a:spLocks noGrp="1"/>
-          </p:cNvSpPr>
-          <p:nvPr>
-            <p:ph idx="1"/>
-          </p:nvPr>
-        </p:nvSpPr>
-        <p:spPr/>
-        <p:txBody>
-          <a:bodyPr/>
-          <a:lstStyle/>
-          <a:p>
-            <a:r>
-              <a:rPr lang="en-US" dirty="0"/>
-              <a:t>Brief of Reactive Programming definition</a:t>
-            </a:r>
-          </a:p>
-          <a:p>
-            <a:r>
-              <a:rPr lang="en-US" dirty="0"/>
-              <a:t>Reactive Stream</a:t>
-            </a:r>
-          </a:p>
-          <a:p>
-            <a:r>
-              <a:rPr lang="en-US" dirty="0"/>
-              <a:t>Project Reactor</a:t>
-            </a:r>
-          </a:p>
-        </p:txBody>
-      </p:sp>
-    </p:spTree>
-    <p:extLst>
-      <p:ext uri="{BB962C8B-B14F-4D97-AF65-F5344CB8AC3E}">
-        <p14:creationId xmlns:p14="http://schemas.microsoft.com/office/powerpoint/2010/main" val="2535664265"/>
-      </p:ext>
-    </p:extLst>
-  </p:cSld>
-  <p:clrMapOvr>
-    <a:masterClrMapping/>
-  </p:clrMapOvr>
-</p:sld>
-</file>
-
-<file path=ppt/slides/slide20.xml><?xml version="1.0" encoding="utf-8"?>
+<file path=ppt/slides/slide22.xml><?xml version="1.0" encoding="utf-8"?>
 <p:sld xmlns:a="http://schemas.openxmlformats.org/drawingml/2006/main" xmlns:r="http://schemas.openxmlformats.org/officeDocument/2006/relationships" xmlns:p="http://schemas.openxmlformats.org/presentationml/2006/main">
   <p:cSld>
     <p:spTree>
@@ -5993,10 +6257,17 @@
   <p:clrMapOvr>
     <a:masterClrMapping/>
   </p:clrMapOvr>
+  <p:timing>
+    <p:tnLst>
+      <p:par>
+        <p:cTn id="1" dur="indefinite" restart="never" nodeType="tmRoot"/>
+      </p:par>
+    </p:tnLst>
+  </p:timing>
 </p:sld>
 </file>
 
-<file path=ppt/slides/slide21.xml><?xml version="1.0" encoding="utf-8"?>
+<file path=ppt/slides/slide23.xml><?xml version="1.0" encoding="utf-8"?>
 <p:sld xmlns:a="http://schemas.openxmlformats.org/drawingml/2006/main" xmlns:r="http://schemas.openxmlformats.org/officeDocument/2006/relationships" xmlns:p="http://schemas.openxmlformats.org/presentationml/2006/main">
   <p:cSld>
     <p:spTree>
@@ -6030,8 +6301,13 @@
           <a:p>
             <a:r>
               <a:rPr lang="en-US" dirty="0"/>
-              <a:t>Hot and Cold Publisher</a:t>
-            </a:r>
+              <a:t>Hot and Cold </a:t>
+            </a:r>
+            <a:r>
+              <a:rPr lang="en-US" dirty="0" smtClean="0"/>
+              <a:t>Publisher</a:t>
+            </a:r>
+            <a:endParaRPr lang="en-US" dirty="0"/>
           </a:p>
         </p:txBody>
       </p:sp>
@@ -6050,7 +6326,11 @@
           <a:bodyPr/>
           <a:lstStyle/>
           <a:p>
-            <a:endParaRPr lang="en-US"/>
+            <a:r>
+              <a:rPr lang="en-US" dirty="0" smtClean="0"/>
+              <a:t>Two ways of publishing Stream data</a:t>
+            </a:r>
+            <a:endParaRPr lang="en-US" dirty="0"/>
           </a:p>
         </p:txBody>
       </p:sp>
@@ -6064,10 +6344,17 @@
   <p:clrMapOvr>
     <a:masterClrMapping/>
   </p:clrMapOvr>
+  <p:timing>
+    <p:tnLst>
+      <p:par>
+        <p:cTn id="1" dur="indefinite" restart="never" nodeType="tmRoot"/>
+      </p:par>
+    </p:tnLst>
+  </p:timing>
 </p:sld>
 </file>
 
-<file path=ppt/slides/slide22.xml><?xml version="1.0" encoding="utf-8"?>
+<file path=ppt/slides/slide24.xml><?xml version="1.0" encoding="utf-8"?>
 <p:sld xmlns:a="http://schemas.openxmlformats.org/drawingml/2006/main" xmlns:r="http://schemas.openxmlformats.org/officeDocument/2006/relationships" xmlns:p="http://schemas.openxmlformats.org/presentationml/2006/main">
   <p:cSld>
     <p:spTree>
@@ -6648,7 +6935,7 @@
 </p:sld>
 </file>
 
-<file path=ppt/slides/slide23.xml><?xml version="1.0" encoding="utf-8"?>
+<file path=ppt/slides/slide25.xml><?xml version="1.0" encoding="utf-8"?>
 <p:sld xmlns:a="http://schemas.openxmlformats.org/drawingml/2006/main" xmlns:r="http://schemas.openxmlformats.org/officeDocument/2006/relationships" xmlns:p="http://schemas.openxmlformats.org/presentationml/2006/main">
   <p:cSld>
     <p:spTree>
@@ -7059,7 +7346,7 @@
 </p:sld>
 </file>
 
-<file path=ppt/slides/slide24.xml><?xml version="1.0" encoding="utf-8"?>
+<file path=ppt/slides/slide26.xml><?xml version="1.0" encoding="utf-8"?>
 <p:sld xmlns:a="http://schemas.openxmlformats.org/drawingml/2006/main" xmlns:r="http://schemas.openxmlformats.org/officeDocument/2006/relationships" xmlns:p="http://schemas.openxmlformats.org/presentationml/2006/main">
   <p:cSld>
     <p:spTree>
@@ -7446,7 +7733,7 @@
 </p:sld>
 </file>
 
-<file path=ppt/slides/slide25.xml><?xml version="1.0" encoding="utf-8"?>
+<file path=ppt/slides/slide27.xml><?xml version="1.0" encoding="utf-8"?>
 <p:sld xmlns:a="http://schemas.openxmlformats.org/drawingml/2006/main" xmlns:r="http://schemas.openxmlformats.org/officeDocument/2006/relationships" xmlns:p="http://schemas.openxmlformats.org/presentationml/2006/main">
   <p:cSld>
     <p:spTree>
@@ -7500,7 +7787,11 @@
           <a:bodyPr/>
           <a:lstStyle/>
           <a:p>
-            <a:endParaRPr lang="en-US"/>
+            <a:r>
+              <a:rPr lang="en-US" dirty="0" smtClean="0"/>
+              <a:t>Process stream on threads</a:t>
+            </a:r>
+            <a:endParaRPr lang="en-US" dirty="0"/>
           </a:p>
         </p:txBody>
       </p:sp>
@@ -7517,7 +7808,7 @@
 </p:sld>
 </file>
 
-<file path=ppt/slides/slide26.xml><?xml version="1.0" encoding="utf-8"?>
+<file path=ppt/slides/slide28.xml><?xml version="1.0" encoding="utf-8"?>
 <p:sld xmlns:a="http://schemas.openxmlformats.org/drawingml/2006/main" xmlns:r="http://schemas.openxmlformats.org/officeDocument/2006/relationships" xmlns:p="http://schemas.openxmlformats.org/presentationml/2006/main">
   <p:cSld>
     <p:spTree>
@@ -7792,7 +8083,7 @@
 </p:sld>
 </file>
 
-<file path=ppt/slides/slide27.xml><?xml version="1.0" encoding="utf-8"?>
+<file path=ppt/slides/slide29.xml><?xml version="1.0" encoding="utf-8"?>
 <p:sld xmlns:a="http://schemas.openxmlformats.org/drawingml/2006/main" xmlns:r="http://schemas.openxmlformats.org/officeDocument/2006/relationships" xmlns:p="http://schemas.openxmlformats.org/presentationml/2006/main">
   <p:cSld>
     <p:spTree>
@@ -7966,7 +8257,6 @@
               <a:rPr lang="en-US" sz="1800" dirty="0"/>
               <a:t> continue execution on that same thread</a:t>
             </a:r>
-            <a:endParaRPr lang="en-US" sz="1800" dirty="0"/>
           </a:p>
         </p:txBody>
       </p:sp>
@@ -8466,7 +8756,95 @@
 </p:sld>
 </file>
 
-<file path=ppt/slides/slide28.xml><?xml version="1.0" encoding="utf-8"?>
+<file path=ppt/slides/slide3.xml><?xml version="1.0" encoding="utf-8"?>
+<p:sld xmlns:a="http://schemas.openxmlformats.org/drawingml/2006/main" xmlns:r="http://schemas.openxmlformats.org/officeDocument/2006/relationships" xmlns:p="http://schemas.openxmlformats.org/presentationml/2006/main">
+  <p:cSld>
+    <p:spTree>
+      <p:nvGrpSpPr>
+        <p:cNvPr id="1" name=""/>
+        <p:cNvGrpSpPr/>
+        <p:nvPr/>
+      </p:nvGrpSpPr>
+      <p:grpSpPr>
+        <a:xfrm>
+          <a:off x="0" y="0"/>
+          <a:ext cx="0" cy="0"/>
+          <a:chOff x="0" y="0"/>
+          <a:chExt cx="0" cy="0"/>
+        </a:xfrm>
+      </p:grpSpPr>
+      <p:sp>
+        <p:nvSpPr>
+          <p:cNvPr id="6" name="Title 5">
+            <a:extLst>
+              <a:ext uri="{FF2B5EF4-FFF2-40B4-BE49-F238E27FC236}">
+                <a16:creationId xmlns="" xmlns:a16="http://schemas.microsoft.com/office/drawing/2014/main" id="{983E8B40-E689-4DDA-82EB-1E120EA4ECA6}"/>
+              </a:ext>
+            </a:extLst>
+          </p:cNvPr>
+          <p:cNvSpPr>
+            <a:spLocks noGrp="1"/>
+          </p:cNvSpPr>
+          <p:nvPr>
+            <p:ph type="title"/>
+          </p:nvPr>
+        </p:nvSpPr>
+        <p:spPr/>
+        <p:txBody>
+          <a:bodyPr>
+            <a:normAutofit/>
+          </a:bodyPr>
+          <a:lstStyle/>
+          <a:p>
+            <a:r>
+              <a:rPr lang="en-US" sz="4800" dirty="0"/>
+              <a:t>Brief of Reactive Programming definition</a:t>
+            </a:r>
+          </a:p>
+        </p:txBody>
+      </p:sp>
+      <p:sp>
+        <p:nvSpPr>
+          <p:cNvPr id="7" name="Text Placeholder 6">
+            <a:extLst>
+              <a:ext uri="{FF2B5EF4-FFF2-40B4-BE49-F238E27FC236}">
+                <a16:creationId xmlns="" xmlns:a16="http://schemas.microsoft.com/office/drawing/2014/main" id="{E5A9D391-AE1D-4608-8F33-1F63B85E0D6A}"/>
+              </a:ext>
+            </a:extLst>
+          </p:cNvPr>
+          <p:cNvSpPr>
+            <a:spLocks noGrp="1"/>
+          </p:cNvSpPr>
+          <p:nvPr>
+            <p:ph type="body" idx="1"/>
+          </p:nvPr>
+        </p:nvSpPr>
+        <p:spPr/>
+        <p:txBody>
+          <a:bodyPr/>
+          <a:lstStyle/>
+          <a:p>
+            <a:r>
+              <a:rPr lang="en-US" dirty="0"/>
+              <a:t>Repeat the previous presentation</a:t>
+            </a:r>
+          </a:p>
+        </p:txBody>
+      </p:sp>
+    </p:spTree>
+    <p:extLst>
+      <p:ext uri="{BB962C8B-B14F-4D97-AF65-F5344CB8AC3E}">
+        <p14:creationId xmlns:p14="http://schemas.microsoft.com/office/powerpoint/2010/main" val="1364534887"/>
+      </p:ext>
+    </p:extLst>
+  </p:cSld>
+  <p:clrMapOvr>
+    <a:masterClrMapping/>
+  </p:clrMapOvr>
+</p:sld>
+</file>
+
+<file path=ppt/slides/slide30.xml><?xml version="1.0" encoding="utf-8"?>
 <p:sld xmlns:a="http://schemas.openxmlformats.org/drawingml/2006/main" xmlns:r="http://schemas.openxmlformats.org/officeDocument/2006/relationships" xmlns:p="http://schemas.openxmlformats.org/presentationml/2006/main">
   <p:cSld>
     <p:spTree>
@@ -9002,7 +9380,7 @@
 </p:sld>
 </file>
 
-<file path=ppt/slides/slide29.xml><?xml version="1.0" encoding="utf-8"?>
+<file path=ppt/slides/slide31.xml><?xml version="1.0" encoding="utf-8"?>
 <p:sld xmlns:a="http://schemas.openxmlformats.org/drawingml/2006/main" xmlns:r="http://schemas.openxmlformats.org/officeDocument/2006/relationships" xmlns:p="http://schemas.openxmlformats.org/presentationml/2006/main">
   <p:cSld>
     <p:spTree>
@@ -9036,11 +9414,11 @@
           <a:p>
             <a:r>
               <a:rPr lang="en-US" dirty="0"/>
-              <a:t>Unit Testing </a:t>
-            </a:r>
-            <a:r>
-              <a:rPr lang="en-US"/>
-              <a:t>with Reactor</a:t>
+              <a:t>Unit </a:t>
+            </a:r>
+            <a:r>
+              <a:rPr lang="en-US" dirty="0" smtClean="0"/>
+              <a:t>Testing</a:t>
             </a:r>
             <a:endParaRPr lang="en-US" dirty="0"/>
           </a:p>
@@ -9061,7 +9439,11 @@
           <a:bodyPr/>
           <a:lstStyle/>
           <a:p>
-            <a:endParaRPr lang="en-US"/>
+            <a:r>
+              <a:rPr lang="en-US" dirty="0" smtClean="0"/>
+              <a:t>Verify the Stream flow</a:t>
+            </a:r>
+            <a:endParaRPr lang="en-US" dirty="0"/>
           </a:p>
         </p:txBody>
       </p:sp>
@@ -9078,95 +9460,7 @@
 </p:sld>
 </file>
 
-<file path=ppt/slides/slide3.xml><?xml version="1.0" encoding="utf-8"?>
-<p:sld xmlns:a="http://schemas.openxmlformats.org/drawingml/2006/main" xmlns:r="http://schemas.openxmlformats.org/officeDocument/2006/relationships" xmlns:p="http://schemas.openxmlformats.org/presentationml/2006/main">
-  <p:cSld>
-    <p:spTree>
-      <p:nvGrpSpPr>
-        <p:cNvPr id="1" name=""/>
-        <p:cNvGrpSpPr/>
-        <p:nvPr/>
-      </p:nvGrpSpPr>
-      <p:grpSpPr>
-        <a:xfrm>
-          <a:off x="0" y="0"/>
-          <a:ext cx="0" cy="0"/>
-          <a:chOff x="0" y="0"/>
-          <a:chExt cx="0" cy="0"/>
-        </a:xfrm>
-      </p:grpSpPr>
-      <p:sp>
-        <p:nvSpPr>
-          <p:cNvPr id="6" name="Title 5">
-            <a:extLst>
-              <a:ext uri="{FF2B5EF4-FFF2-40B4-BE49-F238E27FC236}">
-                <a16:creationId xmlns:a16="http://schemas.microsoft.com/office/drawing/2014/main" xmlns="" id="{983E8B40-E689-4DDA-82EB-1E120EA4ECA6}"/>
-              </a:ext>
-            </a:extLst>
-          </p:cNvPr>
-          <p:cNvSpPr>
-            <a:spLocks noGrp="1"/>
-          </p:cNvSpPr>
-          <p:nvPr>
-            <p:ph type="title"/>
-          </p:nvPr>
-        </p:nvSpPr>
-        <p:spPr/>
-        <p:txBody>
-          <a:bodyPr>
-            <a:normAutofit/>
-          </a:bodyPr>
-          <a:lstStyle/>
-          <a:p>
-            <a:r>
-              <a:rPr lang="en-US" sz="4800" dirty="0"/>
-              <a:t>Brief of Reactive Programming definition</a:t>
-            </a:r>
-          </a:p>
-        </p:txBody>
-      </p:sp>
-      <p:sp>
-        <p:nvSpPr>
-          <p:cNvPr id="7" name="Text Placeholder 6">
-            <a:extLst>
-              <a:ext uri="{FF2B5EF4-FFF2-40B4-BE49-F238E27FC236}">
-                <a16:creationId xmlns:a16="http://schemas.microsoft.com/office/drawing/2014/main" xmlns="" id="{E5A9D391-AE1D-4608-8F33-1F63B85E0D6A}"/>
-              </a:ext>
-            </a:extLst>
-          </p:cNvPr>
-          <p:cNvSpPr>
-            <a:spLocks noGrp="1"/>
-          </p:cNvSpPr>
-          <p:nvPr>
-            <p:ph type="body" idx="1"/>
-          </p:nvPr>
-        </p:nvSpPr>
-        <p:spPr/>
-        <p:txBody>
-          <a:bodyPr/>
-          <a:lstStyle/>
-          <a:p>
-            <a:r>
-              <a:rPr lang="en-US" dirty="0"/>
-              <a:t>Repeat the previous presentation</a:t>
-            </a:r>
-          </a:p>
-        </p:txBody>
-      </p:sp>
-    </p:spTree>
-    <p:extLst>
-      <p:ext uri="{BB962C8B-B14F-4D97-AF65-F5344CB8AC3E}">
-        <p14:creationId xmlns:p14="http://schemas.microsoft.com/office/powerpoint/2010/main" val="1364534887"/>
-      </p:ext>
-    </p:extLst>
-  </p:cSld>
-  <p:clrMapOvr>
-    <a:masterClrMapping/>
-  </p:clrMapOvr>
-</p:sld>
-</file>
-
-<file path=ppt/slides/slide30.xml><?xml version="1.0" encoding="utf-8"?>
+<file path=ppt/slides/slide32.xml><?xml version="1.0" encoding="utf-8"?>
 <p:sld xmlns:a="http://schemas.openxmlformats.org/drawingml/2006/main" xmlns:r="http://schemas.openxmlformats.org/officeDocument/2006/relationships" xmlns:p="http://schemas.openxmlformats.org/presentationml/2006/main">
   <p:cSld>
     <p:spTree>
@@ -9558,7 +9852,7 @@
 </p:sld>
 </file>
 
-<file path=ppt/slides/slide31.xml><?xml version="1.0" encoding="utf-8"?>
+<file path=ppt/slides/slide33.xml><?xml version="1.0" encoding="utf-8"?>
 <p:sld xmlns:a="http://schemas.openxmlformats.org/drawingml/2006/main" xmlns:r="http://schemas.openxmlformats.org/officeDocument/2006/relationships" xmlns:p="http://schemas.openxmlformats.org/presentationml/2006/main">
   <p:cSld>
     <p:spTree>
@@ -9577,10 +9871,154 @@
       </p:grpSpPr>
       <p:sp>
         <p:nvSpPr>
+          <p:cNvPr id="7" name="Title 6"/>
+          <p:cNvSpPr>
+            <a:spLocks noGrp="1"/>
+          </p:cNvSpPr>
+          <p:nvPr>
+            <p:ph type="title"/>
+          </p:nvPr>
+        </p:nvSpPr>
+        <p:spPr/>
+        <p:txBody>
+          <a:bodyPr/>
+          <a:lstStyle/>
+          <a:p>
+            <a:r>
+              <a:rPr lang="en-US" dirty="0" smtClean="0"/>
+              <a:t>Reactive Data Access</a:t>
+            </a:r>
+            <a:endParaRPr lang="en-US" dirty="0"/>
+          </a:p>
+        </p:txBody>
+      </p:sp>
+      <p:sp>
+        <p:nvSpPr>
+          <p:cNvPr id="8" name="Text Placeholder 7"/>
+          <p:cNvSpPr>
+            <a:spLocks noGrp="1"/>
+          </p:cNvSpPr>
+          <p:nvPr>
+            <p:ph type="body" idx="1"/>
+          </p:nvPr>
+        </p:nvSpPr>
+        <p:spPr/>
+        <p:txBody>
+          <a:bodyPr/>
+          <a:lstStyle/>
+          <a:p>
+            <a:r>
+              <a:rPr lang="en-US" dirty="0" smtClean="0"/>
+              <a:t>R2DBC and Spring Data</a:t>
+            </a:r>
+            <a:endParaRPr lang="en-US" dirty="0"/>
+          </a:p>
+        </p:txBody>
+      </p:sp>
+    </p:spTree>
+    <p:extLst>
+      <p:ext uri="{BB962C8B-B14F-4D97-AF65-F5344CB8AC3E}">
+        <p14:creationId xmlns:p14="http://schemas.microsoft.com/office/powerpoint/2010/main" val="4167362716"/>
+      </p:ext>
+    </p:extLst>
+  </p:cSld>
+  <p:clrMapOvr>
+    <a:masterClrMapping/>
+  </p:clrMapOvr>
+</p:sld>
+</file>
+
+<file path=ppt/slides/slide34.xml><?xml version="1.0" encoding="utf-8"?>
+<p:sld xmlns:a="http://schemas.openxmlformats.org/drawingml/2006/main" xmlns:r="http://schemas.openxmlformats.org/officeDocument/2006/relationships" xmlns:p="http://schemas.openxmlformats.org/presentationml/2006/main">
+  <p:cSld>
+    <p:spTree>
+      <p:nvGrpSpPr>
+        <p:cNvPr id="1" name=""/>
+        <p:cNvGrpSpPr/>
+        <p:nvPr/>
+      </p:nvGrpSpPr>
+      <p:grpSpPr>
+        <a:xfrm>
+          <a:off x="0" y="0"/>
+          <a:ext cx="0" cy="0"/>
+          <a:chOff x="0" y="0"/>
+          <a:chExt cx="0" cy="0"/>
+        </a:xfrm>
+      </p:grpSpPr>
+      <p:sp>
+        <p:nvSpPr>
+          <p:cNvPr id="2" name="Title 1"/>
+          <p:cNvSpPr>
+            <a:spLocks noGrp="1"/>
+          </p:cNvSpPr>
+          <p:nvPr>
+            <p:ph type="title"/>
+          </p:nvPr>
+        </p:nvSpPr>
+        <p:spPr/>
+        <p:txBody>
+          <a:bodyPr/>
+          <a:lstStyle/>
+          <a:p>
+            <a:endParaRPr lang="en-US"/>
+          </a:p>
+        </p:txBody>
+      </p:sp>
+      <p:sp>
+        <p:nvSpPr>
+          <p:cNvPr id="3" name="Text Placeholder 2"/>
+          <p:cNvSpPr>
+            <a:spLocks noGrp="1"/>
+          </p:cNvSpPr>
+          <p:nvPr>
+            <p:ph type="body" idx="1"/>
+          </p:nvPr>
+        </p:nvSpPr>
+        <p:spPr/>
+        <p:txBody>
+          <a:bodyPr/>
+          <a:lstStyle/>
+          <a:p>
+            <a:endParaRPr lang="en-US"/>
+          </a:p>
+        </p:txBody>
+      </p:sp>
+    </p:spTree>
+    <p:extLst>
+      <p:ext uri="{BB962C8B-B14F-4D97-AF65-F5344CB8AC3E}">
+        <p14:creationId xmlns:p14="http://schemas.microsoft.com/office/powerpoint/2010/main" val="326940435"/>
+      </p:ext>
+    </p:extLst>
+  </p:cSld>
+  <p:clrMapOvr>
+    <a:masterClrMapping/>
+  </p:clrMapOvr>
+</p:sld>
+</file>
+
+<file path=ppt/slides/slide35.xml><?xml version="1.0" encoding="utf-8"?>
+<p:sld xmlns:a="http://schemas.openxmlformats.org/drawingml/2006/main" xmlns:r="http://schemas.openxmlformats.org/officeDocument/2006/relationships" xmlns:p="http://schemas.openxmlformats.org/presentationml/2006/main">
+  <p:cSld>
+    <p:spTree>
+      <p:nvGrpSpPr>
+        <p:cNvPr id="1" name=""/>
+        <p:cNvGrpSpPr/>
+        <p:nvPr/>
+      </p:nvGrpSpPr>
+      <p:grpSpPr>
+        <a:xfrm>
+          <a:off x="0" y="0"/>
+          <a:ext cx="0" cy="0"/>
+          <a:chOff x="0" y="0"/>
+          <a:chExt cx="0" cy="0"/>
+        </a:xfrm>
+      </p:grpSpPr>
+      <p:sp>
+        <p:nvSpPr>
           <p:cNvPr id="2" name="Title 1">
             <a:extLst>
               <a:ext uri="{FF2B5EF4-FFF2-40B4-BE49-F238E27FC236}">
-                <a16:creationId xmlns:a16="http://schemas.microsoft.com/office/drawing/2014/main" xmlns="" id="{991DD00B-C80A-4C37-9B90-F34672F17AF6}"/>
+                <a16:creationId xmlns="" xmlns:a16="http://schemas.microsoft.com/office/drawing/2014/main" id="{991DD00B-C80A-4C37-9B90-F34672F17AF6}"/>
               </a:ext>
             </a:extLst>
           </p:cNvPr>
@@ -9605,7 +10043,7 @@
           <p:cNvPr id="3" name="Text Placeholder 2">
             <a:extLst>
               <a:ext uri="{FF2B5EF4-FFF2-40B4-BE49-F238E27FC236}">
-                <a16:creationId xmlns:a16="http://schemas.microsoft.com/office/drawing/2014/main" xmlns="" id="{CA3A04D4-0681-4FA1-ABC5-FE3C5B63AD2E}"/>
+                <a16:creationId xmlns="" xmlns:a16="http://schemas.microsoft.com/office/drawing/2014/main" id="{CA3A04D4-0681-4FA1-ABC5-FE3C5B63AD2E}"/>
               </a:ext>
             </a:extLst>
           </p:cNvPr>
@@ -9630,7 +10068,7 @@
           <p:cNvPr id="4" name="Content Placeholder 3">
             <a:extLst>
               <a:ext uri="{FF2B5EF4-FFF2-40B4-BE49-F238E27FC236}">
-                <a16:creationId xmlns:a16="http://schemas.microsoft.com/office/drawing/2014/main" xmlns="" id="{96A72ED2-0E10-4B10-88DD-EC4AB93A6006}"/>
+                <a16:creationId xmlns="" xmlns:a16="http://schemas.microsoft.com/office/drawing/2014/main" id="{96A72ED2-0E10-4B10-88DD-EC4AB93A6006}"/>
               </a:ext>
             </a:extLst>
           </p:cNvPr>
@@ -9655,7 +10093,7 @@
           <p:cNvPr id="5" name="Text Placeholder 4">
             <a:extLst>
               <a:ext uri="{FF2B5EF4-FFF2-40B4-BE49-F238E27FC236}">
-                <a16:creationId xmlns:a16="http://schemas.microsoft.com/office/drawing/2014/main" xmlns="" id="{7C0ACC84-5D45-440B-BAAB-C03B5ADB6196}"/>
+                <a16:creationId xmlns="" xmlns:a16="http://schemas.microsoft.com/office/drawing/2014/main" id="{7C0ACC84-5D45-440B-BAAB-C03B5ADB6196}"/>
               </a:ext>
             </a:extLst>
           </p:cNvPr>
@@ -9680,7 +10118,7 @@
           <p:cNvPr id="6" name="Content Placeholder 5">
             <a:extLst>
               <a:ext uri="{FF2B5EF4-FFF2-40B4-BE49-F238E27FC236}">
-                <a16:creationId xmlns:a16="http://schemas.microsoft.com/office/drawing/2014/main" xmlns="" id="{AAB01861-EC0C-4528-9411-2375DD1BC430}"/>
+                <a16:creationId xmlns="" xmlns:a16="http://schemas.microsoft.com/office/drawing/2014/main" id="{AAB01861-EC0C-4528-9411-2375DD1BC430}"/>
               </a:ext>
             </a:extLst>
           </p:cNvPr>
@@ -9735,7 +10173,7 @@
           <p:cNvPr id="2" name="Title 1">
             <a:extLst>
               <a:ext uri="{FF2B5EF4-FFF2-40B4-BE49-F238E27FC236}">
-                <a16:creationId xmlns:a16="http://schemas.microsoft.com/office/drawing/2014/main" xmlns="" id="{6BAD0E3B-FBEA-47F3-BA3F-8CACC195F920}"/>
+                <a16:creationId xmlns="" xmlns:a16="http://schemas.microsoft.com/office/drawing/2014/main" id="{6BAD0E3B-FBEA-47F3-BA3F-8CACC195F920}"/>
               </a:ext>
             </a:extLst>
           </p:cNvPr>
@@ -9760,7 +10198,7 @@
           <p:cNvPr id="3" name="Content Placeholder 2">
             <a:extLst>
               <a:ext uri="{FF2B5EF4-FFF2-40B4-BE49-F238E27FC236}">
-                <a16:creationId xmlns:a16="http://schemas.microsoft.com/office/drawing/2014/main" xmlns="" id="{131BACCE-1925-46F2-8DC3-268367F233FE}"/>
+                <a16:creationId xmlns="" xmlns:a16="http://schemas.microsoft.com/office/drawing/2014/main" id="{131BACCE-1925-46F2-8DC3-268367F233FE}"/>
               </a:ext>
             </a:extLst>
           </p:cNvPr>
@@ -9815,7 +10253,7 @@
           <p:cNvPr id="4" name="Title 3">
             <a:extLst>
               <a:ext uri="{FF2B5EF4-FFF2-40B4-BE49-F238E27FC236}">
-                <a16:creationId xmlns:a16="http://schemas.microsoft.com/office/drawing/2014/main" xmlns="" id="{6902F030-5D44-4CDC-9100-D7B3677548C6}"/>
+                <a16:creationId xmlns="" xmlns:a16="http://schemas.microsoft.com/office/drawing/2014/main" id="{6902F030-5D44-4CDC-9100-D7B3677548C6}"/>
               </a:ext>
             </a:extLst>
           </p:cNvPr>
@@ -9832,10 +10270,9 @@
           <a:lstStyle/>
           <a:p>
             <a:r>
-              <a:rPr lang="en-US"/>
+              <a:rPr lang="en-US" dirty="0"/>
               <a:t>Reactive Stream</a:t>
             </a:r>
-            <a:endParaRPr lang="en-US" dirty="0"/>
           </a:p>
         </p:txBody>
       </p:sp>
@@ -9844,7 +10281,7 @@
           <p:cNvPr id="5" name="Text Placeholder 4">
             <a:extLst>
               <a:ext uri="{FF2B5EF4-FFF2-40B4-BE49-F238E27FC236}">
-                <a16:creationId xmlns:a16="http://schemas.microsoft.com/office/drawing/2014/main" xmlns="" id="{1BE6CE75-2136-48E4-A1FC-7B0263D4E8FF}"/>
+                <a16:creationId xmlns="" xmlns:a16="http://schemas.microsoft.com/office/drawing/2014/main" id="{1BE6CE75-2136-48E4-A1FC-7B0263D4E8FF}"/>
               </a:ext>
             </a:extLst>
           </p:cNvPr>
@@ -9902,7 +10339,7 @@
           <p:cNvPr id="2" name="Title 1">
             <a:extLst>
               <a:ext uri="{FF2B5EF4-FFF2-40B4-BE49-F238E27FC236}">
-                <a16:creationId xmlns:a16="http://schemas.microsoft.com/office/drawing/2014/main" xmlns="" id="{C0FAAF85-B666-413A-A18E-43D4112A6DFD}"/>
+                <a16:creationId xmlns="" xmlns:a16="http://schemas.microsoft.com/office/drawing/2014/main" id="{C0FAAF85-B666-413A-A18E-43D4112A6DFD}"/>
               </a:ext>
             </a:extLst>
           </p:cNvPr>
@@ -9930,7 +10367,7 @@
           <p:cNvPr id="3" name="Content Placeholder 2">
             <a:extLst>
               <a:ext uri="{FF2B5EF4-FFF2-40B4-BE49-F238E27FC236}">
-                <a16:creationId xmlns:a16="http://schemas.microsoft.com/office/drawing/2014/main" xmlns="" id="{43E0AF3B-81D6-4441-A27B-34604976D534}"/>
+                <a16:creationId xmlns="" xmlns:a16="http://schemas.microsoft.com/office/drawing/2014/main" id="{43E0AF3B-81D6-4441-A27B-34604976D534}"/>
               </a:ext>
             </a:extLst>
           </p:cNvPr>
@@ -10040,7 +10477,7 @@
           <p:cNvPr id="5" name="Rectangle 4">
             <a:extLst>
               <a:ext uri="{FF2B5EF4-FFF2-40B4-BE49-F238E27FC236}">
-                <a16:creationId xmlns:a16="http://schemas.microsoft.com/office/drawing/2014/main" xmlns="" id="{AE667C73-8CAD-4AE5-9333-B3F591C05345}"/>
+                <a16:creationId xmlns="" xmlns:a16="http://schemas.microsoft.com/office/drawing/2014/main" id="{AE667C73-8CAD-4AE5-9333-B3F591C05345}"/>
               </a:ext>
             </a:extLst>
           </p:cNvPr>
@@ -10119,7 +10556,7 @@
           <p:cNvPr id="7" name="Content Placeholder 8">
             <a:extLst>
               <a:ext uri="{FF2B5EF4-FFF2-40B4-BE49-F238E27FC236}">
-                <a16:creationId xmlns:a16="http://schemas.microsoft.com/office/drawing/2014/main" xmlns="" id="{3B8D0216-F7E1-46A3-9270-7D793C1A72F0}"/>
+                <a16:creationId xmlns="" xmlns:a16="http://schemas.microsoft.com/office/drawing/2014/main" id="{3B8D0216-F7E1-46A3-9270-7D793C1A72F0}"/>
               </a:ext>
             </a:extLst>
           </p:cNvPr>
@@ -10178,7 +10615,7 @@
           <p:cNvPr id="2" name="Title 1">
             <a:extLst>
               <a:ext uri="{FF2B5EF4-FFF2-40B4-BE49-F238E27FC236}">
-                <a16:creationId xmlns:a16="http://schemas.microsoft.com/office/drawing/2014/main" xmlns="" id="{454D2DD0-F719-4297-A668-7361789B8CE4}"/>
+                <a16:creationId xmlns="" xmlns:a16="http://schemas.microsoft.com/office/drawing/2014/main" id="{454D2DD0-F719-4297-A668-7361789B8CE4}"/>
               </a:ext>
             </a:extLst>
           </p:cNvPr>
@@ -10207,7 +10644,7 @@
           <p:cNvPr id="3" name="Content Placeholder 2">
             <a:extLst>
               <a:ext uri="{FF2B5EF4-FFF2-40B4-BE49-F238E27FC236}">
-                <a16:creationId xmlns:a16="http://schemas.microsoft.com/office/drawing/2014/main" xmlns="" id="{5A736875-50D3-49ED-8E2D-9993DDC210AD}"/>
+                <a16:creationId xmlns="" xmlns:a16="http://schemas.microsoft.com/office/drawing/2014/main" id="{5A736875-50D3-49ED-8E2D-9993DDC210AD}"/>
               </a:ext>
             </a:extLst>
           </p:cNvPr>
@@ -10297,7 +10734,7 @@
           <p:cNvPr id="8" name="Content Placeholder 7">
             <a:extLst>
               <a:ext uri="{FF2B5EF4-FFF2-40B4-BE49-F238E27FC236}">
-                <a16:creationId xmlns:a16="http://schemas.microsoft.com/office/drawing/2014/main" xmlns="" id="{4F4F376A-3BD6-4012-894D-0A25D4CA2F7A}"/>
+                <a16:creationId xmlns="" xmlns:a16="http://schemas.microsoft.com/office/drawing/2014/main" id="{4F4F376A-3BD6-4012-894D-0A25D4CA2F7A}"/>
               </a:ext>
             </a:extLst>
           </p:cNvPr>
@@ -10361,7 +10798,7 @@
           <p:cNvPr id="2" name="Title 1">
             <a:extLst>
               <a:ext uri="{FF2B5EF4-FFF2-40B4-BE49-F238E27FC236}">
-                <a16:creationId xmlns:a16="http://schemas.microsoft.com/office/drawing/2014/main" xmlns="" id="{DCB77033-BE21-4796-9CE7-DC93885407B2}"/>
+                <a16:creationId xmlns="" xmlns:a16="http://schemas.microsoft.com/office/drawing/2014/main" id="{DCB77033-BE21-4796-9CE7-DC93885407B2}"/>
               </a:ext>
             </a:extLst>
           </p:cNvPr>
@@ -10389,7 +10826,7 @@
           <p:cNvPr id="3" name="Content Placeholder 2">
             <a:extLst>
               <a:ext uri="{FF2B5EF4-FFF2-40B4-BE49-F238E27FC236}">
-                <a16:creationId xmlns:a16="http://schemas.microsoft.com/office/drawing/2014/main" xmlns="" id="{A67472E8-5C77-4748-91F4-AC5940189DC3}"/>
+                <a16:creationId xmlns="" xmlns:a16="http://schemas.microsoft.com/office/drawing/2014/main" id="{A67472E8-5C77-4748-91F4-AC5940189DC3}"/>
               </a:ext>
             </a:extLst>
           </p:cNvPr>
@@ -10450,7 +10887,7 @@
           <p:cNvPr id="6" name="Content Placeholder 5">
             <a:extLst>
               <a:ext uri="{FF2B5EF4-FFF2-40B4-BE49-F238E27FC236}">
-                <a16:creationId xmlns:a16="http://schemas.microsoft.com/office/drawing/2014/main" xmlns="" id="{DFE1E715-2701-4A53-AECC-13FF5EFB98CD}"/>
+                <a16:creationId xmlns="" xmlns:a16="http://schemas.microsoft.com/office/drawing/2014/main" id="{DFE1E715-2701-4A53-AECC-13FF5EFB98CD}"/>
               </a:ext>
             </a:extLst>
           </p:cNvPr>
@@ -10509,7 +10946,7 @@
           <p:cNvPr id="4" name="Title 3">
             <a:extLst>
               <a:ext uri="{FF2B5EF4-FFF2-40B4-BE49-F238E27FC236}">
-                <a16:creationId xmlns:a16="http://schemas.microsoft.com/office/drawing/2014/main" xmlns="" id="{6902F030-5D44-4CDC-9100-D7B3677548C6}"/>
+                <a16:creationId xmlns="" xmlns:a16="http://schemas.microsoft.com/office/drawing/2014/main" id="{6902F030-5D44-4CDC-9100-D7B3677548C6}"/>
               </a:ext>
             </a:extLst>
           </p:cNvPr>
@@ -10537,7 +10974,7 @@
           <p:cNvPr id="5" name="Text Placeholder 4">
             <a:extLst>
               <a:ext uri="{FF2B5EF4-FFF2-40B4-BE49-F238E27FC236}">
-                <a16:creationId xmlns:a16="http://schemas.microsoft.com/office/drawing/2014/main" xmlns="" id="{1BE6CE75-2136-48E4-A1FC-7B0263D4E8FF}"/>
+                <a16:creationId xmlns="" xmlns:a16="http://schemas.microsoft.com/office/drawing/2014/main" id="{1BE6CE75-2136-48E4-A1FC-7B0263D4E8FF}"/>
               </a:ext>
             </a:extLst>
           </p:cNvPr>
